--- a/DINO_Seminar_v69.1.pptx
+++ b/DINO_Seminar_v69.1.pptx
@@ -12,9 +12,9 @@
     <p:sldId id="257" r:id="rId3"/>
     <p:sldId id="258" r:id="rId4"/>
     <p:sldId id="259" r:id="rId5"/>
-    <p:sldId id="260" r:id="rId6"/>
-    <p:sldId id="261" r:id="rId7"/>
-    <p:sldId id="263" r:id="rId8"/>
+    <p:sldId id="282" r:id="rId6"/>
+    <p:sldId id="280" r:id="rId7"/>
+    <p:sldId id="281" r:id="rId8"/>
     <p:sldId id="264" r:id="rId9"/>
     <p:sldId id="265" r:id="rId10"/>
     <p:sldId id="266" r:id="rId11"/>
@@ -395,22 +395,84 @@
           <a:lstStyle/>
           <a:p>
             <a:r>
-              <a:rPr lang="en-US" dirty="0"/>
-              <a:t>DINO Loss Function:
-L = -Σₖ P_t(x)[k] · log P_s(x')[k]
-Đây là cross-entropy loss giữa:
-- P_t: Teacher probability (target)
-- P_s: Student probability (prediction)
-Student probability:
-P_s[k] = exp(g_s(x')[k] / τ_s) / Σ exp(...)
-τ_s = 0.1 (soft)
-Teacher probability:
-P_t[k] = exp((g_t(x)[k] - c[k]) / τ_t) / Σ exp(...)
-τ_t = 0.04 (sharp), c = centering vector
-Với multi-crop:
-- x = global crop cho Teacher
-- x' = tất cả crops cho Student
-- Loss = sum over all (x, x') pairs với x ≠ x'</a:t>
+              <a:rPr lang="vi-VN" dirty="0"/>
+              <a:t>Bây giờ mình nhìn vào công thức loss — tức là cách DINO đo xem Student học tốt hay chưa.</a:t>
+            </a:r>
+          </a:p>
+          <a:p>
+            <a:r>
+              <a:rPr lang="vi-VN" dirty="0"/>
+              <a:t>[pause]</a:t>
+            </a:r>
+          </a:p>
+          <a:p>
+            <a:r>
+              <a:rPr lang="vi-VN" dirty="0"/>
+              <a:t>Ở trên cùng là công thức chính: L bằng âm tổng P_t nhân log P_s. Đây là cross-entropy — đo khoảng cách giữa hai phân phối xác suất. P_t là phân phối của Teacher, đóng vai trò đáp án. P_s là phân phối của Student, đóng vai trò dự đoán. Loss càng thấp nghĩa là Student càng giống Teacher.</a:t>
+            </a:r>
+          </a:p>
+          <a:p>
+            <a:r>
+              <a:rPr lang="vi-VN" dirty="0"/>
+              <a:t>[pause]</a:t>
+            </a:r>
+          </a:p>
+          <a:p>
+            <a:r>
+              <a:rPr lang="vi-VN" dirty="0"/>
+              <a:t>Nhìn xuống hai box bên dưới, các bạn thấy cách tính P_s và P_t có khác nhau. Bên trái, Student: lấy output g_s chia cho </a:t>
+            </a:r>
+            <a:r>
+              <a:rPr lang="el-GR" dirty="0"/>
+              <a:t>τ_</a:t>
+            </a:r>
+            <a:r>
+              <a:rPr lang="vi-VN" dirty="0"/>
+              <a:t>s bằng 0.1, rồi softmax. Đơn giản vậy thôi. Bên phải, Teacher: output g_t phải trừ đi c trước — đây chính là bước centering mà mình vừa nói — rồi mới chia cho </a:t>
+            </a:r>
+            <a:r>
+              <a:rPr lang="el-GR" dirty="0"/>
+              <a:t>τ_</a:t>
+            </a:r>
+            <a:r>
+              <a:rPr lang="vi-VN" dirty="0"/>
+              <a:t>t bằng 0.04 và softmax. Hai điểm khác biệt nằm ngay trong công thức: Teacher có centering, và temperature thấp hơn.</a:t>
+            </a:r>
+          </a:p>
+          <a:p>
+            <a:r>
+              <a:rPr lang="vi-VN" dirty="0"/>
+              <a:t>[pause]</a:t>
+            </a:r>
+          </a:p>
+          <a:p>
+            <a:r>
+              <a:rPr lang="vi-VN" dirty="0"/>
+              <a:t>Phía dưới slide, các bạn thấy x là global crop cho Teacher, x' là local hoặc global crop cho Student. Và loss được tính trên tất cả các cặp x, x' mà x khác x' — nghĩa là mình không so một view với chính nó, mà luôn so cross-view. Với multi-crop — 2 global và 6 local — sẽ có nhiều cặp, và Student phải match Teacher ở mọi cặp.</a:t>
+            </a:r>
+          </a:p>
+          <a:p>
+            <a:r>
+              <a:rPr lang="vi-VN" dirty="0"/>
+              <a:t>[pause]</a:t>
+            </a:r>
+          </a:p>
+          <a:p>
+            <a:r>
+              <a:rPr lang="vi-VN" dirty="0"/>
+              <a:t>Cuối cùng, K bằng 65536 — đây là số chiều của không gian prototype, tức là mỗi phân phối có 65536 giá trị. Con số này lớn để model có đủ "từ vựng" biểu diễn đa dạng khái niệm.</a:t>
+            </a:r>
+          </a:p>
+          <a:p>
+            <a:r>
+              <a:rPr lang="vi-VN" dirty="0"/>
+              <a:t>[pause]</a:t>
+            </a:r>
+          </a:p>
+          <a:p>
+            <a:r>
+              <a:rPr lang="vi-VN" dirty="0"/>
+              <a:t>Tóm lại, loss của DINO gói gọn trong một dòng cross-entropy, nhưng bên trong nó đã chứa đầy đủ: centering chống collapse, temperature khác nhau giữa Teacher và Student, và multi-crop cross-view. Tất cả những thiết kế mình đã nói ở các slide trước đều hội tụ ở đây.</a:t>
             </a:r>
           </a:p>
         </p:txBody>
@@ -496,23 +558,76 @@
           <a:lstStyle/>
           <a:p>
             <a:r>
-              <a:rPr lang="en-US" dirty="0"/>
-              <a:t>So sánh Student vs Teacher:
-1. Kiến trúc: GIỐNG NHAU
-   - Cùng ViT backbone
-   - Cùng MLP head
-2. Input: KHÁC
-   - Student: local crops nhỏ (96×96)
-   - Teacher: global crops lớn (224×224)
-   - Teacher "thấy" nhiều context hơn
-3. Processing: KHÁC
-   - Teacher có centering (- c)
-   - Teacher dùng temperature thấp hơn (0.04 vs 0.1)
-4. Training: KHÁC
-   - Student: gradient descent bình thường
-   - Teacher: EMA copy từ Student
-Key insight: Student học cách "tóm tắt" scene từ Teacher.
-Local patch → phải đoán được global context.</a:t>
+              <a:rPr lang="vi-VN" dirty="0"/>
+              <a:t>Trước khi đi tiếp, mình dừng lại tổng hợp một chút. Slide này đặt Student và Teacher cạnh nhau để các bạn thấy rõ giống và khác ở đâu.</a:t>
+            </a:r>
+          </a:p>
+          <a:p>
+            <a:r>
+              <a:rPr lang="vi-VN" dirty="0"/>
+              <a:t>[pause]</a:t>
+            </a:r>
+          </a:p>
+          <a:p>
+            <a:r>
+              <a:rPr lang="vi-VN" dirty="0"/>
+              <a:t>Hàng đầu tiên — kiến trúc. Cả hai đều là g bằng h chấm f, tức backbone f cộng MLP head h. Giống nhau hoàn toàn. Đây là điều khác với knowledge distillation truyền thống, nơi Teacher thường là model lớn hơn. Trong DINO, hai mạng cùng kích thước — khác biệt nằm ở cách chúng được train và cách chúng nhìn ảnh.</a:t>
+            </a:r>
+          </a:p>
+          <a:p>
+            <a:r>
+              <a:rPr lang="vi-VN" dirty="0"/>
+              <a:t>[pause]</a:t>
+            </a:r>
+          </a:p>
+          <a:p>
+            <a:r>
+              <a:rPr lang="vi-VN" dirty="0"/>
+              <a:t>Hàng thứ hai — input. Student nhận local crop 96×96, Teacher nhận global crop 224×224. Teacher thấy gần toàn bộ bức ảnh, Student có khi chỉ thấy một góc nhỏ. Đây là nguồn gốc của áp lực học: Student buộc phải suy ra toàn cục từ cục bộ.</a:t>
+            </a:r>
+          </a:p>
+          <a:p>
+            <a:r>
+              <a:rPr lang="vi-VN" dirty="0"/>
+              <a:t>[pause]</a:t>
+            </a:r>
+          </a:p>
+          <a:p>
+            <a:r>
+              <a:rPr lang="vi-VN" dirty="0"/>
+              <a:t>Hai hàng tiếp theo — centering và temperature. Teacher có centering, Student không. Teacher dùng </a:t>
+            </a:r>
+            <a:r>
+              <a:rPr lang="el-GR" dirty="0"/>
+              <a:t>τ 0.04, </a:t>
+            </a:r>
+            <a:r>
+              <a:rPr lang="vi-VN" dirty="0"/>
+              <a:t>Student dùng 0.1. Hai điểm này làm cho output của Teacher vừa sharp vừa không collapse — tạo ra pseudo-label chất lượng cho Student học theo.</a:t>
+            </a:r>
+          </a:p>
+          <a:p>
+            <a:r>
+              <a:rPr lang="vi-VN" dirty="0"/>
+              <a:t>[pause]</a:t>
+            </a:r>
+          </a:p>
+          <a:p>
+            <a:r>
+              <a:rPr lang="vi-VN" dirty="0"/>
+              <a:t>Hàng cuối — training. Và đây là điểm khác biệt quan trọng nhất. Student cập nhật bằng gradient descent như bình thường. Teacher thì không — chỉ copy chậm từ Student qua EMA. Chính vì Teacher không train gradient mà nó ổn định hơn, và chính vì ổn định hơn mà nó đóng vai trò dẫn dắt được.</a:t>
+            </a:r>
+          </a:p>
+          <a:p>
+            <a:r>
+              <a:rPr lang="vi-VN" dirty="0"/>
+              <a:t>[pause]</a:t>
+            </a:r>
+          </a:p>
+          <a:p>
+            <a:r>
+              <a:rPr lang="vi-VN" dirty="0"/>
+              <a:t>Các bạn nhìn dòng tóm tắt ở dưới: Teacher thấy nhiều hơn, output sharp hơn. Còn Student thì học cách "tóm tắt" — nhìn một phần nhỏ nhưng phải nắm được toàn cảnh mà Teacher đang thấy. Toàn bộ thiết kế của DINO xoay quanh sự bất đối xứng này.</a:t>
             </a:r>
           </a:p>
         </p:txBody>
@@ -2031,16 +2146,104 @@
           <a:lstStyle/>
           <a:p>
             <a:r>
-              <a:rPr lang="en-US" dirty="0"/>
-              <a:t>Tổng quan kiến trúc DINO:
-Từ paper Figure 2:
-- 1 ảnh được crop thành nhiều views
-- Student nhận local crops (nhỏ)
-- Teacher nhận global crops (lớn)
-- Cả 2 dùng cùng kiến trúc nhưng weights khác
-Core idea: Student học bắt chước output của Teacher.
-Không cần labels!
-Slide sau sẽ chi tiết từng network.</a:t>
+              <a:rPr lang="vi-VN" dirty="0"/>
+              <a:t>Idea nôm na là thế này. Giả sử các bạn nhìn thấy cái vây của một con cá thôi, các bạn vẫn biết đó là con cá đúng không? Tức là chỉ cần nhìn một phần nhỏ của vật thể, mình vẫn có thể hiểu được toàn bộ ngữ cảnh.</a:t>
+            </a:r>
+          </a:p>
+          <a:p>
+            <a:r>
+              <a:rPr lang="vi-VN" dirty="0"/>
+              <a:t>[long long pause]</a:t>
+            </a:r>
+          </a:p>
+          <a:p>
+            <a:r>
+              <a:rPr lang="vi-VN" dirty="0"/>
+              <a:t>Cụ thể, từ một ảnh, mình sẽ crop ra nhiều views khác nhau. Có hai loại: global crop — nhìn hơn 50% bức ảnh, gần như thấy cả con cá — và local crop — chưa tới 50%, có khi chỉ thấy mỗi cái vây.</a:t>
+            </a:r>
+          </a:p>
+          <a:p>
+            <a:r>
+              <a:rPr lang="vi-VN" dirty="0"/>
+              <a:t>[long long pause]</a:t>
+            </a:r>
+          </a:p>
+          <a:p>
+            <a:r>
+              <a:rPr lang="vi-VN" dirty="0"/>
+              <a:t>Trong hệ thống có hai network cùng kiến trúc: Teacher và Student. Teacher chỉ nhận global crop. Nó nhìn gần toàn bộ con cá, rồi cho ra một phân phối xác suất. Ban đầu phân phối này chưa có ý nghĩa gì cả, nhưng nó đóng vai trò như một pseudo-label, một đáp án tạm.</a:t>
+            </a:r>
+          </a:p>
+          <a:p>
+            <a:r>
+              <a:rPr lang="vi-VN" dirty="0"/>
+              <a:t>[long long pause]</a:t>
+            </a:r>
+          </a:p>
+          <a:p>
+            <a:r>
+              <a:rPr lang="vi-VN" dirty="0"/>
+              <a:t>Còn Student thì nhận tất cả các crops — cả global lẫn local. Có lúc nó thấy cả con cá, có lúc chỉ thấy mỗi cái vây. Nhưng dù nhận view nào, nhiệm vụ của Student luôn là: đoán cho ra đáp án mà Teacher đang thấy từ global view.</a:t>
+            </a:r>
+          </a:p>
+          <a:p>
+            <a:r>
+              <a:rPr lang="vi-VN" dirty="0"/>
+              <a:t>[long long pause]</a:t>
+            </a:r>
+          </a:p>
+          <a:p>
+            <a:r>
+              <a:rPr lang="vi-VN" dirty="0"/>
+              <a:t>Điều này có nghĩa là gì? Khi Student chỉ thấy cái vây, nó vẫn phải hiểu rằng đây là một phần của con cá — phải đoán được cách Teacher biểu diễn con cá trong không gian học. Đây chính là áp lực buộc model học được mối liên hệ giữa cục bộ và toàn cục.</a:t>
+            </a:r>
+          </a:p>
+          <a:p>
+            <a:r>
+              <a:rPr lang="vi-VN" dirty="0"/>
+              <a:t>[long long pause]</a:t>
+            </a:r>
+          </a:p>
+          <a:p>
+            <a:r>
+              <a:rPr lang="vi-VN" dirty="0"/>
+              <a:t>Vậy Teacher học từ đâu? Đây là điểm hay. Teacher không được train trực tiếp bằng gradient. Thay vào đó, sau mỗi bước Student cập nhật xong, Teacher sẽ từ từ copy theo trọng số của Student, bằng một phép trung bình trượt gọi là exponential moving average. Nôm na là Student đi trước, Teacher đi theo sau một cách chậm rãi và mượt mà. Chính nhờ sự chậm rãi đó mà Teacher luôn ổn định hơn Student, và tạo ra được những pseudo-label nhất quán để Student học theo.</a:t>
+            </a:r>
+          </a:p>
+          <a:p>
+            <a:r>
+              <a:rPr lang="vi-VN" dirty="0"/>
+              <a:t>[long long pause]</a:t>
+            </a:r>
+          </a:p>
+          <a:p>
+            <a:r>
+              <a:rPr lang="vi-VN" dirty="0"/>
+              <a:t>Qua quá trình học, Student biết cách chú ý vào những đặc trưng cục bộ của ảnh. Đồng thời, pseudo-label của Teacher — ban đầu vô nghĩa — cũng từ từ biến đổi, trở nên có ý nghĩa hơn. Hai network cùng kéo nhau tiến lên.</a:t>
+            </a:r>
+          </a:p>
+          <a:p>
+            <a:r>
+              <a:rPr lang="vi-VN" dirty="0"/>
+              <a:t>[long long pause]</a:t>
+            </a:r>
+          </a:p>
+          <a:p>
+            <a:r>
+              <a:rPr lang="vi-VN" dirty="0"/>
+              <a:t>Lặp lại trên hàng triệu ảnh, với đủ loại sự vật khác nhau, những pseudo-label biểu diễn khái niệm giống nhau sẽ co cụm lại với nhau. Ảnh cá gần cá, ảnh chó gần chó. Hệ thống dần phân biệt được vật A với vật B vì chúng có pseudo-label khác nhau.</a:t>
+            </a:r>
+          </a:p>
+          <a:p>
+            <a:r>
+              <a:rPr lang="vi-VN" dirty="0"/>
+              <a:t>[long pause]</a:t>
+            </a:r>
+          </a:p>
+          <a:p>
+            <a:r>
+              <a:rPr lang="vi-VN" dirty="0"/>
+              <a:t>Và điều đặc biệt là, ý nghĩa của từng khái niệm không tồn tại đơn lẻ. "Cá" có ý nghĩa vì nó khác "chó", khác "mèo". Nói cách khác, DINO không chỉ học representation cho từng ảnh, mà đang tự xây dựng cả một hệ thống phân loại ngữ nghĩa, trong đó các khái niệm được định nghĩa bởi mối quan hệ tương đối với nhau. Và tất cả đều emerge tự nhiên, không cần bất kỳ label nào từ con người.</a:t>
             </a:r>
           </a:p>
         </p:txBody>
@@ -2126,21 +2329,64 @@
           <a:lstStyle/>
           <a:p>
             <a:r>
+              <a:rPr lang="vi-VN" dirty="0"/>
+              <a:t>Nhìn vào sơ đồ bên trái, các bạn sẽ thấy ý tưởng chính rất đơn giản: hai networks, hai views, và một loss duy nhất. Mục tiêu cũng rất rõ ràng: Student phải học cách copy Teacher.</a:t>
+            </a:r>
+          </a:p>
+          <a:p>
+            <a:r>
+              <a:rPr lang="vi-VN" dirty="0"/>
+              <a:t>[pause]</a:t>
+            </a:r>
+          </a:p>
+          <a:p>
+            <a:r>
+              <a:rPr lang="vi-VN" dirty="0"/>
+              <a:t>Mình đi từ dưới lên. Xuất phát từ một ảnh x, mình crop ra hai views: x1 là local crop — phần nhỏ của ảnh, và x2 là global crop — gần như toàn bộ ảnh. x1 đi vào Student, x2 đi vào Teacher. Hai mạng này có cùng kiến trúc, nhưng weights thì khác nhau. Về kiến trúc thì có thể dùng bất kỳ backbone nào — trong paper, tác giả thử với cả ResNet và Vision Transformer, và Vision Transformer</a:t>
+            </a:r>
+            <a:r>
               <a:rPr lang="en-US" dirty="0"/>
-              <a:t>Student network architecture:
-g = h ∘ f nghĩa là:
-- f = backbone (ViT)
-- h = projection head (MLP)
-- g = toàn bộ network
-Specs:
-- Backbone: ViT-S/16 hoặc lớn hơn
-- Head: 3-layer MLP
-  - Hidden dim: 2048
-  - Output dim: K=65536
-  - Weight normalization
-  - No batch normalization
-Student nhận LOCAL crops (96×96).
-Được train trực tiếp bằng gradient descent.</a:t>
+              <a:t> </a:t>
+            </a:r>
+            <a:r>
+              <a:rPr lang="vi-VN" dirty="0"/>
+              <a:t>cho kết quả tốt nhất.</a:t>
+            </a:r>
+          </a:p>
+          <a:p>
+            <a:r>
+              <a:rPr lang="vi-VN" dirty="0"/>
+              <a:t>[pause]</a:t>
+            </a:r>
+          </a:p>
+          <a:p>
+            <a:r>
+              <a:rPr lang="vi-VN" dirty="0"/>
+              <a:t>Đi tiếp lên trên, lúc này output thô của hai mạng đang ở dạng logits — có thể hiểu là chúng đang nói hai ngôn ngữ khác nhau, chưa so sánh trực tiếp được. Nên mình cho cả hai đi qua softmax, để chuyển về cùng một ngôn ngữ chung: phân phối xác suất. Giờ mình có p1 từ Student, p2 từ Teacher. Vì mục tiêu là Student phải copy Teacher, nên mình dùng cross-entropy — âm p2 log p1 — làm loss, để đo xem hai phân phối này lệch nhau bao xa.</a:t>
+            </a:r>
+          </a:p>
+          <a:p>
+            <a:r>
+              <a:rPr lang="vi-VN" dirty="0"/>
+              <a:t>[pause]</a:t>
+            </a:r>
+          </a:p>
+          <a:p>
+            <a:r>
+              <a:rPr lang="vi-VN" dirty="0"/>
+              <a:t>Nhưng có một điểm quan trọng: gradient chỉ chạy qua Student thôi. Teacher thì stop gradient hoàn toàn. Vậy Teacher học từ đâu? Các bạn nhìn mũi tên EMA ở giữa sơ đồ — sau mỗi bước Student cập nhật xong, Teacher sẽ từ từ copy theo trọng số của Student thông qua exponential moving average. Student đi trước, Teacher đi theo chậm rãi.</a:t>
+            </a:r>
+          </a:p>
+          <a:p>
+            <a:r>
+              <a:rPr lang="vi-VN" dirty="0"/>
+              <a:t>[pause]</a:t>
+            </a:r>
+          </a:p>
+          <a:p>
+            <a:r>
+              <a:rPr lang="vi-VN" dirty="0"/>
+              <a:t>Ở các slide tiếp theo, mình sẽ đi chi tiết vào từng thành phần.</a:t>
             </a:r>
           </a:p>
         </p:txBody>
@@ -2171,7 +2417,7 @@
     </p:spTree>
     <p:extLst>
       <p:ext uri="{BB962C8B-B14F-4D97-AF65-F5344CB8AC3E}">
-        <p14:creationId xmlns:p14="http://schemas.microsoft.com/office/powerpoint/2010/main" val="1024086991"/>
+        <p14:creationId xmlns:p14="http://schemas.microsoft.com/office/powerpoint/2010/main" val="1050989215"/>
       </p:ext>
     </p:extLst>
   </p:cSld>
@@ -2226,21 +2472,76 @@
           <a:lstStyle/>
           <a:p>
             <a:r>
-              <a:rPr lang="en-US" dirty="0"/>
-              <a:t>Teacher network architecture:
-Cùng kiến trúc với Student nhưng:
-1. Input khác:
-   - Teacher: global crops 224×224
-   - Student: local crops 96×96
-   - Teacher thấy toàn cảnh, Student thấy chi tiết
-2. Thêm Centering:
-   - output ← output - c
-   - c = trung bình output của batch
-   - Ngăn collapse
-3. Cập nhật khác:
-   - KHÔNG dùng gradient descent
-   - Dùng EMA từ Student weights
-   - Sẽ giải thích chi tiết ở slide EMA</a:t>
+              <a:rPr lang="vi-VN" dirty="0"/>
+              <a:t>Bây giờ mình zoom vào bên trong mạng Student để xem nó xử lý một ảnh như thế nào.</a:t>
+            </a:r>
+          </a:p>
+          <a:p>
+            <a:r>
+              <a:rPr lang="vi-VN" dirty="0"/>
+              <a:t>[pause]</a:t>
+            </a:r>
+          </a:p>
+          <a:p>
+            <a:r>
+              <a:rPr lang="vi-VN" dirty="0"/>
+              <a:t>Bắt đầu từ input. Ở đây mình lấy ví dụ là một local crop — ảnh 96×96 pixel, 3 kênh màu RGB. Bước đầu tiên là Patch Embedding: mình chia ảnh thành lưới 6×6, tức là 36 mảnh nhỏ, mỗi mảnh 16×16 pixel. Mỗi mảnh được đưa qua một linear projection để chuyển thành vector 768 chiều, rồi cộng thêm positional embedding để model biết mảnh nào nằm ở đâu. Kết quả là 36 vectors, mỗi cái 768 chiều.</a:t>
+            </a:r>
+          </a:p>
+          <a:p>
+            <a:r>
+              <a:rPr lang="vi-VN" dirty="0"/>
+              <a:t>[pause]</a:t>
+            </a:r>
+          </a:p>
+          <a:p>
+            <a:r>
+              <a:rPr lang="vi-VN" dirty="0"/>
+              <a:t>Tiếp theo, mình thêm một token đặc biệt gọi là CLS token vào đầu chuỗi. Token này không mang thông tin pixel nào cả — nhiệm vụ của nó là "lắng nghe" tất cả 36 patch qua cơ chế self-attention trong ViT Backbone, rồi tổng hợp lại thành một vector đại diện cho cả bức ảnh. Output của bước này là CLS token 768 chiều.</a:t>
+            </a:r>
+          </a:p>
+          <a:p>
+            <a:r>
+              <a:rPr lang="vi-VN" dirty="0"/>
+              <a:t>[pause]</a:t>
+            </a:r>
+          </a:p>
+          <a:p>
+            <a:r>
+              <a:rPr lang="vi-VN" dirty="0"/>
+              <a:t>Nhưng 768 chiều này chưa phải output cuối. Mình còn đưa nó qua một MLP Head — gồm 3 tầng: 768 lên 2048, rồi 2048, rồi ra 65536 chiều. Con số 65536 ở đây là kích thước của không gian prototype — có thể hiểu nôm na là model đang "chấm điểm" ảnh này trên 65536 khái niệm khác nhau. Output lúc này gọi là logits — những con số thô, chưa chuẩn hóa.</a:t>
+            </a:r>
+          </a:p>
+          <a:p>
+            <a:r>
+              <a:rPr lang="vi-VN" dirty="0"/>
+              <a:t>[pause]</a:t>
+            </a:r>
+          </a:p>
+          <a:p>
+            <a:r>
+              <a:rPr lang="vi-VN" dirty="0"/>
+              <a:t>Bước cuối: đưa logits qua softmax với temperature </a:t>
+            </a:r>
+            <a:r>
+              <a:rPr lang="el-GR" dirty="0"/>
+              <a:t>τ = 0.1. </a:t>
+            </a:r>
+            <a:r>
+              <a:rPr lang="vi-VN" dirty="0"/>
+              <a:t>Temperature này cao hơn Teacher — vì Student đang trong quá trình học, cần phân phối mềm hơn, linh hoạt hơn. Kết quả là P₁ — phân phối xác suất của Student. Và chính P₁ này sẽ được đem so với P₂ của Teacher qua cross-entropy loss mà mình đã nói ở slide trước.</a:t>
+            </a:r>
+          </a:p>
+          <a:p>
+            <a:r>
+              <a:rPr lang="vi-VN" dirty="0"/>
+              <a:t>[pause]</a:t>
+            </a:r>
+          </a:p>
+          <a:p>
+            <a:r>
+              <a:rPr lang="vi-VN" dirty="0"/>
+              <a:t>Tóm lại, flow của Student là: ảnh → cắt patch → ViT xử lý → MLP chấm điểm → softmax ra xác suất. Đơn giản vậy thôi.</a:t>
             </a:r>
           </a:p>
         </p:txBody>
@@ -2326,18 +2627,106 @@
           <a:lstStyle/>
           <a:p>
             <a:r>
-              <a:rPr lang="en-US" dirty="0"/>
-              <a:t>EMA = Exponential Moving Average.
-Mỗi bước training:
-- Teacher giữ 99.6% weights hiện tại
-- Chỉ lấy 0.4% từ Student
-λ theo cosine schedule: 0.996 → 1 trong training.
-Tại sao ngăn collapse?
-- 2 bên update khác tốc độ → không thể thông đồng
-- Teacher như trung bình của nhiều models → ổn định
-Phát hiện thú vị từ paper:
-Teacher performance luôn tốt hơn Student trong suốt training!
-Đây là Polyak-Ruppert averaging effect.</a:t>
+              <a:rPr lang="vi-VN" dirty="0"/>
+              <a:t>Đây là script cho slide Teacher, đi từ trên xuống theo sơ đồ, và highlight rõ những chỗ khác Student:</a:t>
+            </a:r>
+          </a:p>
+          <a:p>
+            <a:r>
+              <a:rPr lang="vi-VN" dirty="0"/>
+              <a:t>Bây giờ mình sang Teacher. Nhìn sơ đồ các bạn sẽ thấy cấu trúc gần giống Student — cùng kiến trúc, cùng flow xử lý. Nhưng có 4 điểm khác biệt quan trọng mà mình sẽ đi lần lượt.</a:t>
+            </a:r>
+          </a:p>
+          <a:p>
+            <a:r>
+              <a:rPr lang="vi-VN" dirty="0"/>
+              <a:t>[pause]</a:t>
+            </a:r>
+          </a:p>
+          <a:p>
+            <a:r>
+              <a:rPr lang="vi-VN" dirty="0"/>
+              <a:t>Điểm khác đầu tiên nằm ngay ở input. Teacher nhận global crop — ảnh 224×224, lớn hơn nhiều so với 96×96 của Student. 224 chia 16 được 14, tức là 14×14 = 196 patches — gấp hơn 5 lần so với 36 patches của Student. Teacher thấy gần như toàn bộ bức ảnh, còn Student có khi chỉ thấy một góc nhỏ. Đây chính là áp lực học: nhìn cái vây thôi cũng phải biết đó là con cá.</a:t>
+            </a:r>
+          </a:p>
+          <a:p>
+            <a:r>
+              <a:rPr lang="vi-VN" dirty="0"/>
+              <a:t>[pause]</a:t>
+            </a:r>
+          </a:p>
+          <a:p>
+            <a:r>
+              <a:rPr lang="vi-VN" dirty="0"/>
+              <a:t>Tiếp theo, ViT Backbone và MLP Head thì cùng kiến trúc với Student — cùng self-attention, cùng MLP 768 → 2048 → 2048 → 65536. Chỉ khác là weights, vì Teacher không train bằng gradient mà cập nhật qua EMA — nhưng cái đó mình nói sau.</a:t>
+            </a:r>
+          </a:p>
+          <a:p>
+            <a:r>
+              <a:rPr lang="vi-VN" dirty="0"/>
+              <a:t>[pause]</a:t>
+            </a:r>
+          </a:p>
+          <a:p>
+            <a:r>
+              <a:rPr lang="vi-VN" dirty="0"/>
+              <a:t>Điểm khác thứ hai — và đây là chỗ quan trọng — là bước Centering. Các bạn thấy trên slide, sau MLP Head, Teacher có thêm một bước mà Student không có: trừ đi trung bình c của batch. Tại sao cần bước này? Vì nếu không có centering, Teacher có thể collapse — tức là output giống nhau cho mọi ảnh. Ảnh cá cũng ra [0.5, 0.5, ...], ảnh chó cũng ra [0.5, 0.5, ...]. Loss bằng 0 nhưng model không học được gì cả. Centering ngăn điều đó: nếu mọi output giống nhau thì sau khi trừ mean sẽ ra vector toàn số 0 — vô nghĩa — buộc model phải cho ra output khác nhau cho mỗi ảnh.</a:t>
+            </a:r>
+          </a:p>
+          <a:p>
+            <a:r>
+              <a:rPr lang="vi-VN" dirty="0"/>
+              <a:t>[pause]</a:t>
+            </a:r>
+          </a:p>
+          <a:p>
+            <a:r>
+              <a:rPr lang="vi-VN" dirty="0"/>
+              <a:t>Điểm khác thứ ba là temperature. Teacher dùng </a:t>
+            </a:r>
+            <a:r>
+              <a:rPr lang="el-GR" dirty="0"/>
+              <a:t>τ = 0.04, </a:t>
+            </a:r>
+            <a:r>
+              <a:rPr lang="vi-VN" dirty="0"/>
+              <a:t>thấp hơn nhiều so với 0.1 của Student. Temperature thấp làm phân phối rất nhọn — Teacher "chắc chắn" về đáp án, chỉ rõ cho Student biết cần học cái gì. Còn Student dùng temperature cao hơn vì đang trong quá trình học, cần phân phối mềm hơn để gradient ổn định.</a:t>
+            </a:r>
+          </a:p>
+          <a:p>
+            <a:r>
+              <a:rPr lang="vi-VN" dirty="0"/>
+              <a:t>[pause]</a:t>
+            </a:r>
+          </a:p>
+          <a:p>
+            <a:r>
+              <a:rPr lang="vi-VN" dirty="0"/>
+              <a:t>Và ở đây có một sự cân bằng: centering thì đẩy phân phối về phía đều — tránh collapse. Còn temperature thấp thì đẩy phân phối về phía nhọn — tránh uniform. Hai cơ chế này kéo ngược chiều nhau, giữ cho training ổn định.</a:t>
+            </a:r>
+          </a:p>
+          <a:p>
+            <a:r>
+              <a:rPr lang="vi-VN" dirty="0"/>
+              <a:t>[pause]</a:t>
+            </a:r>
+          </a:p>
+          <a:p>
+            <a:r>
+              <a:rPr lang="vi-VN" dirty="0"/>
+              <a:t>Điểm khác cuối cùng, cũng là quan trọng nhất — các bạn nhìn dòng đỏ ở dưới slide: Teacher KHÔNG dùng gradient. Sau mỗi bước Student cập nhật xong, Teacher chỉ copy theo 0.4% trọng số mới của Student qua EMA, giữ lại 99.6% trọng số cũ. Tại sao? Vì nếu cả hai cùng train bằng gradient, chúng có thể "thông đồng" — cùng collapse về trivial solution. EMA buộc Teacher đi chậm hơn Student, không thể thông đồng, và nhờ đó tạo ra pseudo-label ổn định cho Student học theo.</a:t>
+            </a:r>
+          </a:p>
+          <a:p>
+            <a:r>
+              <a:rPr lang="vi-VN" dirty="0"/>
+              <a:t>[pause]</a:t>
+            </a:r>
+          </a:p>
+          <a:p>
+            <a:r>
+              <a:rPr lang="vi-VN" dirty="0"/>
+              <a:t>Tóm lại, Teacher giống Student về kiến trúc, nhưng khác ở 4 chỗ: input lớn hơn, thêm centering, temperature thấp hơn, và không train gradient mà dùng EMA. Bốn điểm khác biệt này đều phục vụ một mục đích: giúp Teacher cho ra pseudo-label ổn định và có ý nghĩa để Student học theo.</a:t>
             </a:r>
           </a:p>
         </p:txBody>
@@ -2423,18 +2812,56 @@
           <a:lstStyle/>
           <a:p>
             <a:r>
+              <a:rPr lang="vi-VN" dirty="0"/>
+              <a:t>Trước khi đi tiếp, mình cần nói về vấn đề lớn nhất của self-supervised learning: collapse.</a:t>
+            </a:r>
+          </a:p>
+          <a:p>
+            <a:r>
+              <a:rPr lang="vi-VN" dirty="0"/>
+              <a:t>[pause]</a:t>
+            </a:r>
+          </a:p>
+          <a:p>
+            <a:r>
+              <a:rPr lang="vi-VN" dirty="0"/>
+              <a:t>Các bạn hình dung thế này. Teacher và Student đều muốn loss thấp nhất có thể. Mà cách dễ nhất để loss bằng 0 là gì? Là cả hai cùng output giống hệt nhau cho mọi ảnh. Ảnh cá cũng ra một vector, ảnh chó cũng ra đúng vector đó. Loss bằng 0, training "thành công" — nhưng model không học được gì cả. Đây gọi là collapse.</a:t>
+            </a:r>
+          </a:p>
+          <a:p>
+            <a:r>
+              <a:rPr lang="vi-VN" dirty="0"/>
+              <a:t>[pause]</a:t>
+            </a:r>
+          </a:p>
+          <a:p>
+            <a:r>
+              <a:rPr lang="vi-VN" dirty="0"/>
+              <a:t>Nhìn trên slide, các bạn thấy có 2 loại. Bên trái là mode collapse — tất cả output co cụm về cùng một điểm, mọi ảnh cho ra cùng một vector. Bên phải là uniform collapse — output trải đều ra, phân phối phẳng lì, không có peak nào cả. Cả hai đều vô nghĩa: một bên thì không phân biệt được ảnh nào với ảnh nào, bên kia thì model không "cam kết" với bất kỳ khái niệm nào.</a:t>
+            </a:r>
+          </a:p>
+          <a:p>
+            <a:r>
+              <a:rPr lang="vi-VN" dirty="0"/>
+              <a:t>[pause]</a:t>
+            </a:r>
+          </a:p>
+          <a:p>
+            <a:r>
+              <a:rPr lang="vi-VN" dirty="0"/>
+              <a:t>Các phương pháp contrastive như SimCLR hay MoCo giải quyết bằng negative samples — bắt model đẩy các ảnh khác nhau ra xa nhau. Nhưng DINO không dùng negative samples. Thay vào đó, DINO dùng hai cơ chế mà mình đã nhắc ở slide Teacher.</a:t>
+            </a:r>
+          </a:p>
+          <a:p>
+            <a:r>
+              <a:rPr lang="vi-VN" dirty="0"/>
+              <a:t>[pause]</a:t>
+            </a:r>
+            <a:r>
               <a:rPr lang="en-US" dirty="0"/>
-              <a:t>Collapse là vấn đề LỚN NHẤT của self-supervised learning.
-Teacher và Student có thể "thông đồng":
-- Cả 2 đều output cùng 1 vector cho mọi ảnh
-- Loss = 0, training "thành công"
-- Nhưng model không học được gì!
-2 loại collapse:
-1. Mode collapse: tất cả → 1 vector
-2. Uniform collapse: tất cả → uniform distribution
-Contrastive learning (SimCLR, MoCo) giải quyết bằng negative samples.
-DINO có cách khác - Centering + Sharpening.</a:t>
-            </a:r>
+              <a:t> </a:t>
+            </a:r>
+            <a:endParaRPr lang="vi-VN" dirty="0"/>
           </a:p>
         </p:txBody>
       </p:sp>
@@ -2519,21 +2946,50 @@
           <a:lstStyle/>
           <a:p>
             <a:r>
+              <a:rPr lang="vi-VN" dirty="0"/>
+              <a:t>Centering — trừ đi trung bình — chống mode collapse. Nếu mọi output giống nhau thì mean bằng chính output đó, trừ đi thì ra 0, buộc model phải cho ra output khác nhau.</a:t>
+            </a:r>
+          </a:p>
+          <a:p>
+            <a:r>
+              <a:rPr lang="vi-VN" dirty="0"/>
+              <a:t>Sharpening — dùng temperature rất thấp — chống uniform collapse</a:t>
+            </a:r>
+            <a:r>
               <a:rPr lang="en-US" dirty="0"/>
-              <a:t>2 kỹ thuật chống collapse:
-CENTERING:
-- Trừ đi trung bình của Teacher outputs
-- c ← m·c + (1-m)·mean(batch)
-- Ngăn 1 dimension dominate → anti mode collapse
-SHARPENING:
-- Temperature thấp → phân bố nhọn
-- Teacher: τ = 0.04 (rất nhọn, tự tin)
-- Student: τ = 0.1 (mềm hơn, dễ học)
-- Ngăn output trải đều → anti uniform collapse
-KEY INSIGHT:
-- Centering → khuyến khích uniform (để cân bằng)
-- Sharpening → khuyến khích peaked (để có meaning)
-- Hai cái CÂN BẰNG nhau → training ổn định!</a:t>
+              <a:t> Trong hàm </a:t>
+            </a:r>
+            <a:r>
+              <a:rPr lang="en-US" dirty="0" err="1"/>
+              <a:t>softmax</a:t>
+            </a:r>
+            <a:r>
+              <a:rPr lang="en-US" dirty="0"/>
+              <a:t>,</a:t>
+            </a:r>
+            <a:r>
+              <a:rPr lang="vi-VN" dirty="0"/>
+              <a:t>.</a:t>
+            </a:r>
+            <a:r>
+              <a:rPr lang="en-US" dirty="0"/>
+              <a:t>t</a:t>
+            </a:r>
+            <a:r>
+              <a:rPr lang="vi-VN" dirty="0"/>
+              <a:t>emperature thấp buộc phân phối phải nhọn, phải chọn rõ ràng, không được trải đều.</a:t>
+            </a:r>
+          </a:p>
+          <a:p>
+            <a:r>
+              <a:rPr lang="vi-VN" dirty="0"/>
+              <a:t>[pause]</a:t>
+            </a:r>
+          </a:p>
+          <a:p>
+            <a:r>
+              <a:rPr lang="vi-VN" dirty="0"/>
+              <a:t>Và điểm hay là hai cơ chế này kéo ngược chiều nhau: centering đẩy về phía đều, sharpening đẩy về phía nhọn. Chúng cân bằng nhau, giữ cho model không rơi vào collapse theo bất kỳ hướng nào. Đây là một trong những đóng góp thiết kế quan trọng nhất của DINO.</a:t>
             </a:r>
           </a:p>
         </p:txBody>
@@ -2983,48 +3439,64 @@
                 <a:ea typeface="Roboto" pitchFamily="34" charset="-122"/>
                 <a:cs typeface="Roboto" pitchFamily="34" charset="-120"/>
               </a:rPr>
-              <a:t>Self-Supervised Vision Learning</a:t>
+              <a:t>Self-</a:t>
+            </a:r>
+            <a:r>
+              <a:rPr lang="en-US" sz="2800" b="1" u="sng" dirty="0" err="1">
+                <a:solidFill>
+                  <a:srgbClr val="424242"/>
+                </a:solidFill>
+                <a:latin typeface="Roboto" pitchFamily="34" charset="0"/>
+                <a:ea typeface="Roboto" pitchFamily="34" charset="-122"/>
+                <a:cs typeface="Roboto" pitchFamily="34" charset="-120"/>
+              </a:rPr>
+              <a:t>DI</a:t>
+            </a:r>
+            <a:r>
+              <a:rPr lang="en-US" sz="2800" dirty="0" err="1">
+                <a:solidFill>
+                  <a:srgbClr val="424242"/>
+                </a:solidFill>
+                <a:latin typeface="Roboto" pitchFamily="34" charset="0"/>
+                <a:ea typeface="Roboto" pitchFamily="34" charset="-122"/>
+                <a:cs typeface="Roboto" pitchFamily="34" charset="-120"/>
+              </a:rPr>
+              <a:t>stillation</a:t>
+            </a:r>
+            <a:r>
+              <a:rPr lang="en-US" sz="2800" dirty="0">
+                <a:solidFill>
+                  <a:srgbClr val="424242"/>
+                </a:solidFill>
+                <a:latin typeface="Roboto" pitchFamily="34" charset="0"/>
+                <a:ea typeface="Roboto" pitchFamily="34" charset="-122"/>
+                <a:cs typeface="Roboto" pitchFamily="34" charset="-120"/>
+              </a:rPr>
+              <a:t> with </a:t>
+            </a:r>
+            <a:r>
+              <a:rPr lang="en-US" sz="2800" b="1" u="sng" dirty="0">
+                <a:solidFill>
+                  <a:srgbClr val="424242"/>
+                </a:solidFill>
+                <a:latin typeface="Roboto" pitchFamily="34" charset="0"/>
+                <a:ea typeface="Roboto" pitchFamily="34" charset="-122"/>
+                <a:cs typeface="Roboto" pitchFamily="34" charset="-120"/>
+              </a:rPr>
+              <a:t>NO </a:t>
+            </a:r>
+            <a:r>
+              <a:rPr lang="en-US" sz="2800" dirty="0">
+                <a:solidFill>
+                  <a:srgbClr val="424242"/>
+                </a:solidFill>
+                <a:latin typeface="Roboto" pitchFamily="34" charset="0"/>
+                <a:ea typeface="Roboto" pitchFamily="34" charset="-122"/>
+                <a:cs typeface="Roboto" pitchFamily="34" charset="-120"/>
+              </a:rPr>
+              <a:t>labels</a:t>
             </a:r>
             <a:endParaRPr lang="en-US" sz="2800" dirty="0"/>
-          </a:p>
-        </p:txBody>
-      </p:sp>
-      <p:sp>
-        <p:nvSpPr>
-          <p:cNvPr id="4" name="Text 2"/>
-          <p:cNvSpPr/>
-          <p:nvPr/>
-        </p:nvSpPr>
-        <p:spPr>
-          <a:xfrm>
-            <a:off x="457200" y="3840480"/>
-            <a:ext cx="11274552" cy="457200"/>
-          </a:xfrm>
-          <a:prstGeom prst="rect">
-            <a:avLst/>
-          </a:prstGeom>
-          <a:noFill/>
-          <a:ln/>
-        </p:spPr>
-        <p:txBody>
-          <a:bodyPr wrap="square" rtlCol="0" anchor="ctr"/>
-          <a:lstStyle/>
-          <a:p>
-            <a:pPr marL="0" indent="0" algn="ctr">
-              <a:buNone/>
-            </a:pPr>
-            <a:r>
-              <a:rPr lang="en-US" sz="2200" i="1" dirty="0">
-                <a:solidFill>
-                  <a:srgbClr val="C62828"/>
-                </a:solidFill>
-                <a:latin typeface="Roboto" pitchFamily="34" charset="0"/>
-                <a:ea typeface="Roboto" pitchFamily="34" charset="-122"/>
-                <a:cs typeface="Roboto" pitchFamily="34" charset="-120"/>
-              </a:rPr>
-              <a:t>"Train model nhìn ảnh mà không cần nhãn"</a:t>
-            </a:r>
-            <a:endParaRPr lang="en-US" sz="2200" dirty="0"/>
           </a:p>
         </p:txBody>
       </p:sp>
@@ -4315,14 +4787,14 @@
           <p:nvPr>
             <p:extLst>
               <p:ext uri="{D42A27DB-BD31-4B8C-83A1-F6EECF244321}">
-                <p14:modId xmlns:p14="http://schemas.microsoft.com/office/powerpoint/2010/main" val="1579011935"/>
+                <p14:modId xmlns:p14="http://schemas.microsoft.com/office/powerpoint/2010/main" val="1245597113"/>
               </p:ext>
             </p:extLst>
           </p:nvPr>
         </p:nvGraphicFramePr>
         <p:xfrm>
           <a:off x="457200" y="1280160"/>
-          <a:ext cx="11274552" cy="1828800"/>
+          <a:ext cx="11274552" cy="2743200"/>
         </p:xfrm>
         <a:graphic>
           <a:graphicData uri="http://schemas.openxmlformats.org/drawingml/2006/table">
@@ -4360,7 +4832,7 @@
                       <a:pPr marL="0" indent="0" algn="ctr">
                         <a:buNone/>
                       </a:pPr>
-                      <a:endParaRPr lang="en-US" sz="1400" dirty="0">
+                      <a:endParaRPr lang="en-US" sz="2400" dirty="0">
                         <a:latin typeface="Roboto" charset="0"/>
                         <a:ea typeface="Roboto" charset="0"/>
                         <a:cs typeface="Roboto" charset="0"/>
@@ -4418,7 +4890,7 @@
                         <a:buNone/>
                       </a:pPr>
                       <a:r>
-                        <a:rPr lang="en-US" sz="1400" b="1" dirty="0">
+                        <a:rPr lang="en-US" sz="2400" b="1" dirty="0">
                           <a:solidFill>
                             <a:srgbClr val="FFFFFF"/>
                           </a:solidFill>
@@ -4428,7 +4900,7 @@
                         </a:rPr>
                         <a:t>Student</a:t>
                       </a:r>
-                      <a:endParaRPr lang="en-US" sz="1400" dirty="0">
+                      <a:endParaRPr lang="en-US" sz="2400" dirty="0">
                         <a:latin typeface="Roboto" charset="0"/>
                         <a:ea typeface="Roboto" charset="0"/>
                         <a:cs typeface="Roboto" charset="0"/>
@@ -4486,7 +4958,7 @@
                         <a:buNone/>
                       </a:pPr>
                       <a:r>
-                        <a:rPr lang="en-US" sz="1400" b="1" dirty="0">
+                        <a:rPr lang="en-US" sz="2400" b="1" dirty="0">
                           <a:solidFill>
                             <a:srgbClr val="FFFFFF"/>
                           </a:solidFill>
@@ -4496,7 +4968,7 @@
                         </a:rPr>
                         <a:t>Teacher</a:t>
                       </a:r>
-                      <a:endParaRPr lang="en-US" sz="1400" dirty="0">
+                      <a:endParaRPr lang="en-US" sz="2400" dirty="0">
                         <a:latin typeface="Roboto" charset="0"/>
                         <a:ea typeface="Roboto" charset="0"/>
                         <a:cs typeface="Roboto" charset="0"/>
@@ -4561,7 +5033,7 @@
                         <a:buNone/>
                       </a:pPr>
                       <a:r>
-                        <a:rPr lang="en-US" sz="1400" dirty="0">
+                        <a:rPr lang="en-US" sz="2400" dirty="0">
                           <a:solidFill>
                             <a:srgbClr val="212121"/>
                           </a:solidFill>
@@ -4571,7 +5043,7 @@
                         </a:rPr>
                         <a:t>Kiến trúc</a:t>
                       </a:r>
-                      <a:endParaRPr lang="en-US" sz="1400" dirty="0">
+                      <a:endParaRPr lang="en-US" sz="2400" dirty="0">
                         <a:latin typeface="Roboto" charset="0"/>
                         <a:ea typeface="Roboto" charset="0"/>
                         <a:cs typeface="Roboto" charset="0"/>
@@ -4629,7 +5101,7 @@
                         <a:buNone/>
                       </a:pPr>
                       <a:r>
-                        <a:rPr lang="en-US" sz="1400" dirty="0">
+                        <a:rPr lang="en-US" sz="2400" dirty="0">
                           <a:solidFill>
                             <a:srgbClr val="212121"/>
                           </a:solidFill>
@@ -4639,7 +5111,7 @@
                         </a:rPr>
                         <a:t>g = h ∘ f</a:t>
                       </a:r>
-                      <a:endParaRPr lang="en-US" sz="1400" dirty="0">
+                      <a:endParaRPr lang="en-US" sz="2400" dirty="0">
                         <a:latin typeface="Roboto" charset="0"/>
                         <a:ea typeface="Roboto" charset="0"/>
                         <a:cs typeface="Roboto" charset="0"/>
@@ -4697,7 +5169,7 @@
                         <a:buNone/>
                       </a:pPr>
                       <a:r>
-                        <a:rPr lang="en-US" sz="1400" dirty="0">
+                        <a:rPr lang="en-US" sz="2400" dirty="0">
                           <a:solidFill>
                             <a:srgbClr val="212121"/>
                           </a:solidFill>
@@ -4705,9 +5177,9 @@
                           <a:ea typeface="Roboto" pitchFamily="34" charset="-122"/>
                           <a:cs typeface="Roboto" pitchFamily="34" charset="-120"/>
                         </a:rPr>
-                        <a:t>g = h ∘ f (giống)</a:t>
+                        <a:t>g = h ∘ f (giống nhau)</a:t>
                       </a:r>
-                      <a:endParaRPr lang="en-US" sz="1400" dirty="0">
+                      <a:endParaRPr lang="en-US" sz="2400" dirty="0">
                         <a:latin typeface="Roboto" charset="0"/>
                         <a:ea typeface="Roboto" charset="0"/>
                         <a:cs typeface="Roboto" charset="0"/>
@@ -4772,7 +5244,7 @@
                         <a:buNone/>
                       </a:pPr>
                       <a:r>
-                        <a:rPr lang="en-US" sz="1400" dirty="0">
+                        <a:rPr lang="en-US" sz="2400" dirty="0">
                           <a:solidFill>
                             <a:srgbClr val="212121"/>
                           </a:solidFill>
@@ -4782,7 +5254,7 @@
                         </a:rPr>
                         <a:t>Input</a:t>
                       </a:r>
-                      <a:endParaRPr lang="en-US" sz="1400" dirty="0">
+                      <a:endParaRPr lang="en-US" sz="2400" dirty="0">
                         <a:latin typeface="Roboto" charset="0"/>
                         <a:ea typeface="Roboto" charset="0"/>
                         <a:cs typeface="Roboto" charset="0"/>
@@ -4840,7 +5312,7 @@
                         <a:buNone/>
                       </a:pPr>
                       <a:r>
-                        <a:rPr lang="en-US" sz="1400" dirty="0">
+                        <a:rPr lang="en-US" sz="2400" dirty="0">
                           <a:solidFill>
                             <a:srgbClr val="212121"/>
                           </a:solidFill>
@@ -4850,7 +5322,7 @@
                         </a:rPr>
                         <a:t>Local crops 96²</a:t>
                       </a:r>
-                      <a:endParaRPr lang="en-US" sz="1400" dirty="0">
+                      <a:endParaRPr lang="en-US" sz="2400" dirty="0">
                         <a:latin typeface="Roboto" charset="0"/>
                         <a:ea typeface="Roboto" charset="0"/>
                         <a:cs typeface="Roboto" charset="0"/>
@@ -4908,7 +5380,7 @@
                         <a:buNone/>
                       </a:pPr>
                       <a:r>
-                        <a:rPr lang="en-US" sz="1400" dirty="0">
+                        <a:rPr lang="en-US" sz="2400" dirty="0">
                           <a:solidFill>
                             <a:srgbClr val="212121"/>
                           </a:solidFill>
@@ -4918,7 +5390,7 @@
                         </a:rPr>
                         <a:t>Global crops 224²</a:t>
                       </a:r>
-                      <a:endParaRPr lang="en-US" sz="1400" dirty="0">
+                      <a:endParaRPr lang="en-US" sz="2400" dirty="0">
                         <a:latin typeface="Roboto" charset="0"/>
                         <a:ea typeface="Roboto" charset="0"/>
                         <a:cs typeface="Roboto" charset="0"/>
@@ -4983,7 +5455,7 @@
                         <a:buNone/>
                       </a:pPr>
                       <a:r>
-                        <a:rPr lang="en-US" sz="1400" dirty="0">
+                        <a:rPr lang="en-US" sz="2400" dirty="0">
                           <a:solidFill>
                             <a:srgbClr val="212121"/>
                           </a:solidFill>
@@ -4993,7 +5465,7 @@
                         </a:rPr>
                         <a:t>Centering</a:t>
                       </a:r>
-                      <a:endParaRPr lang="en-US" sz="1400" dirty="0">
+                      <a:endParaRPr lang="en-US" sz="2400" dirty="0">
                         <a:latin typeface="Roboto" charset="0"/>
                         <a:ea typeface="Roboto" charset="0"/>
                         <a:cs typeface="Roboto" charset="0"/>
@@ -5051,7 +5523,7 @@
                         <a:buNone/>
                       </a:pPr>
                       <a:r>
-                        <a:rPr lang="en-US" sz="1400" dirty="0">
+                        <a:rPr lang="en-US" sz="2400" dirty="0">
                           <a:solidFill>
                             <a:srgbClr val="212121"/>
                           </a:solidFill>
@@ -5061,7 +5533,7 @@
                         </a:rPr>
                         <a:t>Không</a:t>
                       </a:r>
-                      <a:endParaRPr lang="en-US" sz="1400" dirty="0">
+                      <a:endParaRPr lang="en-US" sz="2400" dirty="0">
                         <a:latin typeface="Roboto" charset="0"/>
                         <a:ea typeface="Roboto" charset="0"/>
                         <a:cs typeface="Roboto" charset="0"/>
@@ -5119,7 +5591,7 @@
                         <a:buNone/>
                       </a:pPr>
                       <a:r>
-                        <a:rPr lang="en-US" sz="1400" dirty="0">
+                        <a:rPr lang="en-US" sz="2400" dirty="0">
                           <a:solidFill>
                             <a:srgbClr val="212121"/>
                           </a:solidFill>
@@ -5129,7 +5601,7 @@
                         </a:rPr>
                         <a:t>Có (- c)</a:t>
                       </a:r>
-                      <a:endParaRPr lang="en-US" sz="1400" dirty="0">
+                      <a:endParaRPr lang="en-US" sz="2400" dirty="0">
                         <a:latin typeface="Roboto" charset="0"/>
                         <a:ea typeface="Roboto" charset="0"/>
                         <a:cs typeface="Roboto" charset="0"/>
@@ -5194,7 +5666,7 @@
                         <a:buNone/>
                       </a:pPr>
                       <a:r>
-                        <a:rPr lang="en-US" sz="1400" dirty="0">
+                        <a:rPr lang="en-US" sz="2400" dirty="0">
                           <a:solidFill>
                             <a:srgbClr val="212121"/>
                           </a:solidFill>
@@ -5204,7 +5676,7 @@
                         </a:rPr>
                         <a:t>Temperature</a:t>
                       </a:r>
-                      <a:endParaRPr lang="en-US" sz="1400" dirty="0">
+                      <a:endParaRPr lang="en-US" sz="2400" dirty="0">
                         <a:latin typeface="Roboto" charset="0"/>
                         <a:ea typeface="Roboto" charset="0"/>
                         <a:cs typeface="Roboto" charset="0"/>
@@ -5262,7 +5734,7 @@
                         <a:buNone/>
                       </a:pPr>
                       <a:r>
-                        <a:rPr lang="en-US" sz="1400" dirty="0">
+                        <a:rPr lang="en-US" sz="2400" dirty="0">
                           <a:solidFill>
                             <a:srgbClr val="212121"/>
                           </a:solidFill>
@@ -5272,7 +5744,7 @@
                         </a:rPr>
                         <a:t>τ = 0.1 (soft)</a:t>
                       </a:r>
-                      <a:endParaRPr lang="en-US" sz="1400" dirty="0">
+                      <a:endParaRPr lang="en-US" sz="2400" dirty="0">
                         <a:latin typeface="Roboto" charset="0"/>
                         <a:ea typeface="Roboto" charset="0"/>
                         <a:cs typeface="Roboto" charset="0"/>
@@ -5330,7 +5802,7 @@
                         <a:buNone/>
                       </a:pPr>
                       <a:r>
-                        <a:rPr lang="en-US" sz="1400" dirty="0">
+                        <a:rPr lang="en-US" sz="2400" dirty="0">
                           <a:solidFill>
                             <a:srgbClr val="212121"/>
                           </a:solidFill>
@@ -5340,7 +5812,7 @@
                         </a:rPr>
                         <a:t>τ = 0.04 (sharp)</a:t>
                       </a:r>
-                      <a:endParaRPr lang="en-US" sz="1400" dirty="0">
+                      <a:endParaRPr lang="en-US" sz="2400" dirty="0">
                         <a:latin typeface="Roboto" charset="0"/>
                         <a:ea typeface="Roboto" charset="0"/>
                         <a:cs typeface="Roboto" charset="0"/>
@@ -5405,7 +5877,7 @@
                         <a:buNone/>
                       </a:pPr>
                       <a:r>
-                        <a:rPr lang="en-US" sz="1400" dirty="0">
+                        <a:rPr lang="en-US" sz="2400" dirty="0">
                           <a:solidFill>
                             <a:srgbClr val="212121"/>
                           </a:solidFill>
@@ -5415,7 +5887,7 @@
                         </a:rPr>
                         <a:t>Training</a:t>
                       </a:r>
-                      <a:endParaRPr lang="en-US" sz="1400" dirty="0">
+                      <a:endParaRPr lang="en-US" sz="2400" dirty="0">
                         <a:latin typeface="Roboto" charset="0"/>
                         <a:ea typeface="Roboto" charset="0"/>
                         <a:cs typeface="Roboto" charset="0"/>
@@ -5473,7 +5945,7 @@
                         <a:buNone/>
                       </a:pPr>
                       <a:r>
-                        <a:rPr lang="en-US" sz="1400" dirty="0">
+                        <a:rPr lang="en-US" sz="2400" dirty="0">
                           <a:solidFill>
                             <a:srgbClr val="212121"/>
                           </a:solidFill>
@@ -5483,7 +5955,7 @@
                         </a:rPr>
                         <a:t>Gradient descent</a:t>
                       </a:r>
-                      <a:endParaRPr lang="en-US" sz="1400" dirty="0">
+                      <a:endParaRPr lang="en-US" sz="2400" dirty="0">
                         <a:latin typeface="Roboto" charset="0"/>
                         <a:ea typeface="Roboto" charset="0"/>
                         <a:cs typeface="Roboto" charset="0"/>
@@ -5541,7 +6013,7 @@
                         <a:buNone/>
                       </a:pPr>
                       <a:r>
-                        <a:rPr lang="en-US" sz="1400" dirty="0">
+                        <a:rPr lang="en-US" sz="2400" dirty="0">
                           <a:solidFill>
                             <a:srgbClr val="212121"/>
                           </a:solidFill>
@@ -5551,7 +6023,7 @@
                         </a:rPr>
                         <a:t>EMA từ Student</a:t>
                       </a:r>
-                      <a:endParaRPr lang="en-US" sz="1400" dirty="0">
+                      <a:endParaRPr lang="en-US" sz="2400" dirty="0">
                         <a:latin typeface="Roboto" charset="0"/>
                         <a:ea typeface="Roboto" charset="0"/>
                         <a:cs typeface="Roboto" charset="0"/>
@@ -16896,48 +17368,31 @@
                 <a:ea typeface="Roboto" pitchFamily="34" charset="-122"/>
                 <a:cs typeface="Roboto" pitchFamily="34" charset="-120"/>
               </a:rPr>
-              <a:t>Tổng Quan</a:t>
+              <a:t>Tổng Quan: Ý t</a:t>
+            </a:r>
+            <a:r>
+              <a:rPr lang="vi-VN" sz="3200" b="1" dirty="0">
+                <a:solidFill>
+                  <a:srgbClr val="FFFFFF"/>
+                </a:solidFill>
+                <a:latin typeface="Roboto" pitchFamily="34" charset="0"/>
+                <a:ea typeface="Roboto" pitchFamily="34" charset="-122"/>
+                <a:cs typeface="Roboto" pitchFamily="34" charset="-120"/>
+              </a:rPr>
+              <a:t>ư</a:t>
+            </a:r>
+            <a:r>
+              <a:rPr lang="en-US" sz="3200" b="1" dirty="0" err="1">
+                <a:solidFill>
+                  <a:srgbClr val="FFFFFF"/>
+                </a:solidFill>
+                <a:latin typeface="Roboto" pitchFamily="34" charset="0"/>
+                <a:ea typeface="Roboto" pitchFamily="34" charset="-122"/>
+                <a:cs typeface="Roboto" pitchFamily="34" charset="-120"/>
+              </a:rPr>
+              <a:t>ởng</a:t>
             </a:r>
             <a:endParaRPr lang="en-US" sz="3200" dirty="0"/>
-          </a:p>
-        </p:txBody>
-      </p:sp>
-      <p:sp>
-        <p:nvSpPr>
-          <p:cNvPr id="6" name="Text 4"/>
-          <p:cNvSpPr/>
-          <p:nvPr/>
-        </p:nvSpPr>
-        <p:spPr>
-          <a:xfrm>
-            <a:off x="2666390" y="1234745"/>
-            <a:ext cx="11274552" cy="457200"/>
-          </a:xfrm>
-          <a:prstGeom prst="rect">
-            <a:avLst/>
-          </a:prstGeom>
-          <a:noFill/>
-          <a:ln/>
-        </p:spPr>
-        <p:txBody>
-          <a:bodyPr wrap="square" rtlCol="0" anchor="ctr"/>
-          <a:lstStyle/>
-          <a:p>
-            <a:pPr marL="0" indent="0" algn="ctr">
-              <a:buNone/>
-            </a:pPr>
-            <a:r>
-              <a:rPr lang="en-US" sz="2400" b="1" dirty="0">
-                <a:solidFill>
-                  <a:srgbClr val="212121"/>
-                </a:solidFill>
-                <a:latin typeface="Roboto" pitchFamily="34" charset="0"/>
-                <a:ea typeface="Roboto" pitchFamily="34" charset="-122"/>
-                <a:cs typeface="Roboto" pitchFamily="34" charset="-120"/>
-              </a:rPr>
-              <a:t>2 networks  •  2 views  •  1 loss</a:t>
-            </a:r>
-            <a:endParaRPr lang="en-US" sz="2400" dirty="0"/>
           </a:p>
         </p:txBody>
       </p:sp>
@@ -17238,10 +17693,10 @@
       </p:sp>
       <p:pic>
         <p:nvPicPr>
-          <p:cNvPr id="17" name="Picture 16">
+          <p:cNvPr id="21" name="Picture 20">
             <a:extLst>
               <a:ext uri="{FF2B5EF4-FFF2-40B4-BE49-F238E27FC236}">
-                <a16:creationId xmlns:a16="http://schemas.microsoft.com/office/drawing/2014/main" id="{BD629C05-A300-4E34-A805-9E67C0724348}"/>
+                <a16:creationId xmlns:a16="http://schemas.microsoft.com/office/drawing/2014/main" id="{66CDA4C4-5B5E-47D1-BA0B-0D49F8F7E3C6}"/>
               </a:ext>
             </a:extLst>
           </p:cNvPr>
@@ -17258,194 +17713,211 @@
         </p:blipFill>
         <p:spPr>
           <a:xfrm>
-            <a:off x="195479" y="832106"/>
-            <a:ext cx="5130800" cy="5568694"/>
+            <a:off x="457200" y="1874596"/>
+            <a:ext cx="4815637" cy="3611728"/>
           </a:xfrm>
           <a:prstGeom prst="rect">
             <a:avLst/>
           </a:prstGeom>
         </p:spPr>
       </p:pic>
-      <p:sp>
-        <p:nvSpPr>
-          <p:cNvPr id="18" name="Rectangle 17">
+      <p:pic>
+        <p:nvPicPr>
+          <p:cNvPr id="24" name="Picture 23">
             <a:extLst>
               <a:ext uri="{FF2B5EF4-FFF2-40B4-BE49-F238E27FC236}">
-                <a16:creationId xmlns:a16="http://schemas.microsoft.com/office/drawing/2014/main" id="{6245C833-7A0F-4625-9557-16F47DA09A7E}"/>
+                <a16:creationId xmlns:a16="http://schemas.microsoft.com/office/drawing/2014/main" id="{1129B2A4-36FF-4FB4-B671-2C0E6DBA1767}"/>
               </a:ext>
             </a:extLst>
           </p:cNvPr>
-          <p:cNvSpPr/>
-          <p:nvPr/>
-        </p:nvSpPr>
-        <p:spPr>
-          <a:xfrm>
-            <a:off x="5900521" y="2508643"/>
-            <a:ext cx="6096000" cy="1200329"/>
-          </a:xfrm>
-          <a:prstGeom prst="rect">
-            <a:avLst/>
-          </a:prstGeom>
-          <a:noFill/>
-          <a:ln/>
-        </p:spPr>
-        <p:txBody>
-          <a:bodyPr wrap="square" rtlCol="0" anchor="ctr"/>
-          <a:lstStyle/>
-          <a:p>
-            <a:r>
-              <a:rPr lang="en-US" sz="2400" dirty="0">
+          <p:cNvPicPr>
+            <a:picLocks noChangeAspect="1"/>
+          </p:cNvPicPr>
+          <p:nvPr/>
+        </p:nvPicPr>
+        <p:blipFill rotWithShape="1">
+          <a:blip r:embed="rId3"/>
+          <a:srcRect t="50000"/>
+          <a:stretch/>
+        </p:blipFill>
+        <p:spPr>
+          <a:xfrm>
+            <a:off x="6259067" y="1639248"/>
+            <a:ext cx="4834383" cy="1812894"/>
+          </a:xfrm>
+          <a:prstGeom prst="rect">
+            <a:avLst/>
+          </a:prstGeom>
+        </p:spPr>
+      </p:pic>
+      <p:pic>
+        <p:nvPicPr>
+          <p:cNvPr id="25" name="Picture 24">
+            <a:extLst>
+              <a:ext uri="{FF2B5EF4-FFF2-40B4-BE49-F238E27FC236}">
+                <a16:creationId xmlns:a16="http://schemas.microsoft.com/office/drawing/2014/main" id="{490EF5F6-DC53-45D5-91C0-9919DE45A422}"/>
+              </a:ext>
+            </a:extLst>
+          </p:cNvPr>
+          <p:cNvPicPr>
+            <a:picLocks noChangeAspect="1"/>
+          </p:cNvPicPr>
+          <p:nvPr/>
+        </p:nvPicPr>
+        <p:blipFill rotWithShape="1">
+          <a:blip r:embed="rId3"/>
+          <a:srcRect l="33729" t="42301" r="33031"/>
+          <a:stretch/>
+        </p:blipFill>
+        <p:spPr>
+          <a:xfrm>
+            <a:off x="7952193" y="4203700"/>
+            <a:ext cx="1600709" cy="2083918"/>
+          </a:xfrm>
+          <a:prstGeom prst="rect">
+            <a:avLst/>
+          </a:prstGeom>
+        </p:spPr>
+      </p:pic>
+      <p:pic>
+        <p:nvPicPr>
+          <p:cNvPr id="26" name="Picture 25">
+            <a:extLst>
+              <a:ext uri="{FF2B5EF4-FFF2-40B4-BE49-F238E27FC236}">
+                <a16:creationId xmlns:a16="http://schemas.microsoft.com/office/drawing/2014/main" id="{CBB7519C-952A-47E7-A1BA-BA73535AD8E3}"/>
+              </a:ext>
+            </a:extLst>
+          </p:cNvPr>
+          <p:cNvPicPr>
+            <a:picLocks noChangeAspect="1"/>
+          </p:cNvPicPr>
+          <p:nvPr/>
+        </p:nvPicPr>
+        <p:blipFill rotWithShape="1">
+          <a:blip r:embed="rId3"/>
+          <a:srcRect t="42301" r="66760"/>
+          <a:stretch/>
+        </p:blipFill>
+        <p:spPr>
+          <a:xfrm>
+            <a:off x="6123304" y="4240606"/>
+            <a:ext cx="1600709" cy="2083918"/>
+          </a:xfrm>
+          <a:prstGeom prst="rect">
+            <a:avLst/>
+          </a:prstGeom>
+        </p:spPr>
+      </p:pic>
+      <p:pic>
+        <p:nvPicPr>
+          <p:cNvPr id="27" name="Picture 26">
+            <a:extLst>
+              <a:ext uri="{FF2B5EF4-FFF2-40B4-BE49-F238E27FC236}">
+                <a16:creationId xmlns:a16="http://schemas.microsoft.com/office/drawing/2014/main" id="{11A3EFB0-8F3A-4565-A001-5D8B59DB261C}"/>
+              </a:ext>
+            </a:extLst>
+          </p:cNvPr>
+          <p:cNvPicPr>
+            <a:picLocks noChangeAspect="1"/>
+          </p:cNvPicPr>
+          <p:nvPr/>
+        </p:nvPicPr>
+        <p:blipFill rotWithShape="1">
+          <a:blip r:embed="rId3"/>
+          <a:srcRect l="66760" t="41934" b="367"/>
+          <a:stretch/>
+        </p:blipFill>
+        <p:spPr>
+          <a:xfrm>
+            <a:off x="9781082" y="4203700"/>
+            <a:ext cx="1600709" cy="2083918"/>
+          </a:xfrm>
+          <a:prstGeom prst="rect">
+            <a:avLst/>
+          </a:prstGeom>
+        </p:spPr>
+      </p:pic>
+      <p:sp>
+        <p:nvSpPr>
+          <p:cNvPr id="28" name="Rectangle 27">
+            <a:extLst>
+              <a:ext uri="{FF2B5EF4-FFF2-40B4-BE49-F238E27FC236}">
+                <a16:creationId xmlns:a16="http://schemas.microsoft.com/office/drawing/2014/main" id="{4EF87AB7-8E30-4F1E-BD61-1191F46C3B81}"/>
+              </a:ext>
+            </a:extLst>
+          </p:cNvPr>
+          <p:cNvSpPr/>
+          <p:nvPr/>
+        </p:nvSpPr>
+        <p:spPr>
+          <a:xfrm>
+            <a:off x="6279170" y="1112853"/>
+            <a:ext cx="1765227" cy="461665"/>
+          </a:xfrm>
+          <a:prstGeom prst="rect">
+            <a:avLst/>
+          </a:prstGeom>
+        </p:spPr>
+        <p:txBody>
+          <a:bodyPr wrap="none">
+            <a:spAutoFit/>
+          </a:bodyPr>
+          <a:lstStyle/>
+          <a:p>
+            <a:r>
+              <a:rPr lang="en-US" sz="2400" b="1" dirty="0">
                 <a:solidFill>
                   <a:srgbClr val="212121"/>
                 </a:solidFill>
                 <a:latin typeface="Roboto" pitchFamily="34" charset="0"/>
                 <a:ea typeface="Roboto" pitchFamily="34" charset="-122"/>
-              </a:rPr>
-              <a:t>- 1 </a:t>
-            </a:r>
-            <a:r>
-              <a:rPr lang="en-US" sz="2400" dirty="0" err="1">
+                <a:cs typeface="Roboto" pitchFamily="34" charset="-120"/>
+              </a:rPr>
+              <a:t>Global crop</a:t>
+            </a:r>
+            <a:endParaRPr lang="en-US" sz="2400" dirty="0"/>
+          </a:p>
+        </p:txBody>
+      </p:sp>
+      <p:sp>
+        <p:nvSpPr>
+          <p:cNvPr id="29" name="Rectangle 28">
+            <a:extLst>
+              <a:ext uri="{FF2B5EF4-FFF2-40B4-BE49-F238E27FC236}">
+                <a16:creationId xmlns:a16="http://schemas.microsoft.com/office/drawing/2014/main" id="{A19CA856-1EDC-47D0-A3BB-16C7A7F96708}"/>
+              </a:ext>
+            </a:extLst>
+          </p:cNvPr>
+          <p:cNvSpPr/>
+          <p:nvPr/>
+        </p:nvSpPr>
+        <p:spPr>
+          <a:xfrm>
+            <a:off x="6259067" y="3718560"/>
+            <a:ext cx="1627369" cy="461665"/>
+          </a:xfrm>
+          <a:prstGeom prst="rect">
+            <a:avLst/>
+          </a:prstGeom>
+        </p:spPr>
+        <p:txBody>
+          <a:bodyPr wrap="none">
+            <a:spAutoFit/>
+          </a:bodyPr>
+          <a:lstStyle/>
+          <a:p>
+            <a:r>
+              <a:rPr lang="en-US" sz="2400" b="1" dirty="0">
                 <a:solidFill>
                   <a:srgbClr val="212121"/>
                 </a:solidFill>
                 <a:latin typeface="Roboto" pitchFamily="34" charset="0"/>
                 <a:ea typeface="Roboto" pitchFamily="34" charset="-122"/>
-              </a:rPr>
-              <a:t>ảnh</a:t>
-            </a:r>
-            <a:r>
-              <a:rPr lang="en-US" sz="2400" dirty="0">
-                <a:solidFill>
-                  <a:srgbClr val="212121"/>
-                </a:solidFill>
-                <a:latin typeface="Roboto" pitchFamily="34" charset="0"/>
-                <a:ea typeface="Roboto" pitchFamily="34" charset="-122"/>
-              </a:rPr>
-              <a:t> (x) được crop thành nhiều views
-- Student </a:t>
-            </a:r>
-            <a:r>
-              <a:rPr lang="en-US" sz="2400" dirty="0" err="1">
-                <a:solidFill>
-                  <a:srgbClr val="212121"/>
-                </a:solidFill>
-                <a:latin typeface="Roboto" pitchFamily="34" charset="0"/>
-                <a:ea typeface="Roboto" pitchFamily="34" charset="-122"/>
-              </a:rPr>
-              <a:t>nhận</a:t>
-            </a:r>
-            <a:r>
-              <a:rPr lang="en-US" sz="2400" dirty="0">
-                <a:solidFill>
-                  <a:srgbClr val="212121"/>
-                </a:solidFill>
-                <a:latin typeface="Roboto" pitchFamily="34" charset="0"/>
-                <a:ea typeface="Roboto" pitchFamily="34" charset="-122"/>
-              </a:rPr>
-              <a:t> local crops x</a:t>
-            </a:r>
-            <a:r>
-              <a:rPr lang="en-US" sz="2400" baseline="-25000" dirty="0">
-                <a:solidFill>
-                  <a:srgbClr val="212121"/>
-                </a:solidFill>
-                <a:latin typeface="Roboto" pitchFamily="34" charset="0"/>
-                <a:ea typeface="Roboto" pitchFamily="34" charset="-122"/>
-              </a:rPr>
-              <a:t>1</a:t>
-            </a:r>
-            <a:r>
-              <a:rPr lang="en-US" sz="2400" dirty="0">
-                <a:solidFill>
-                  <a:srgbClr val="212121"/>
-                </a:solidFill>
-                <a:latin typeface="Roboto" pitchFamily="34" charset="0"/>
-                <a:ea typeface="Roboto" pitchFamily="34" charset="-122"/>
-              </a:rPr>
-              <a:t> (nhỏ)
-- Teacher </a:t>
-            </a:r>
-            <a:r>
-              <a:rPr lang="en-US" sz="2400" dirty="0" err="1">
-                <a:solidFill>
-                  <a:srgbClr val="212121"/>
-                </a:solidFill>
-                <a:latin typeface="Roboto" pitchFamily="34" charset="0"/>
-                <a:ea typeface="Roboto" pitchFamily="34" charset="-122"/>
-              </a:rPr>
-              <a:t>nhận</a:t>
-            </a:r>
-            <a:r>
-              <a:rPr lang="en-US" sz="2400" dirty="0">
-                <a:solidFill>
-                  <a:srgbClr val="212121"/>
-                </a:solidFill>
-                <a:latin typeface="Roboto" pitchFamily="34" charset="0"/>
-                <a:ea typeface="Roboto" pitchFamily="34" charset="-122"/>
-              </a:rPr>
-              <a:t> global crops x</a:t>
-            </a:r>
-            <a:r>
-              <a:rPr lang="en-US" sz="2400" baseline="-25000" dirty="0">
-                <a:solidFill>
-                  <a:srgbClr val="212121"/>
-                </a:solidFill>
-                <a:latin typeface="Roboto" pitchFamily="34" charset="0"/>
-                <a:ea typeface="Roboto" pitchFamily="34" charset="-122"/>
-              </a:rPr>
-              <a:t>2</a:t>
-            </a:r>
-            <a:r>
-              <a:rPr lang="en-US" sz="2400" dirty="0">
-                <a:solidFill>
-                  <a:srgbClr val="212121"/>
-                </a:solidFill>
-                <a:latin typeface="Roboto" pitchFamily="34" charset="0"/>
-                <a:ea typeface="Roboto" pitchFamily="34" charset="-122"/>
-              </a:rPr>
-              <a:t> (lớn)
-- Cả 2 dùng cùng </a:t>
-            </a:r>
-            <a:r>
-              <a:rPr lang="en-US" sz="2400" dirty="0" err="1">
-                <a:solidFill>
-                  <a:srgbClr val="212121"/>
-                </a:solidFill>
-                <a:latin typeface="Roboto" pitchFamily="34" charset="0"/>
-                <a:ea typeface="Roboto" pitchFamily="34" charset="-122"/>
-              </a:rPr>
-              <a:t>kiến</a:t>
-            </a:r>
-            <a:r>
-              <a:rPr lang="en-US" sz="2400" dirty="0">
-                <a:solidFill>
-                  <a:srgbClr val="212121"/>
-                </a:solidFill>
-                <a:latin typeface="Roboto" pitchFamily="34" charset="0"/>
-                <a:ea typeface="Roboto" pitchFamily="34" charset="-122"/>
-              </a:rPr>
-              <a:t> </a:t>
-            </a:r>
-            <a:r>
-              <a:rPr lang="en-US" sz="2400" dirty="0" err="1">
-                <a:solidFill>
-                  <a:srgbClr val="212121"/>
-                </a:solidFill>
-                <a:latin typeface="Roboto" pitchFamily="34" charset="0"/>
-                <a:ea typeface="Roboto" pitchFamily="34" charset="-122"/>
-              </a:rPr>
-              <a:t>trúc</a:t>
-            </a:r>
-            <a:r>
-              <a:rPr lang="en-US" sz="2400" dirty="0">
-                <a:solidFill>
-                  <a:srgbClr val="212121"/>
-                </a:solidFill>
-                <a:latin typeface="Roboto" pitchFamily="34" charset="0"/>
-                <a:ea typeface="Roboto" pitchFamily="34" charset="-122"/>
-              </a:rPr>
-              <a:t> nhưng weights khác</a:t>
-            </a:r>
+                <a:cs typeface="Roboto" pitchFamily="34" charset="-120"/>
+              </a:rPr>
+              <a:t>Local crop</a:t>
+            </a:r>
+            <a:endParaRPr lang="en-US" sz="2400" dirty="0"/>
           </a:p>
         </p:txBody>
       </p:sp>
@@ -17459,7 +17931,7 @@
 
 <file path=ppt/slides/slide5.xml><?xml version="1.0" encoding="utf-8"?>
 <p:sld xmlns:a="http://schemas.openxmlformats.org/drawingml/2006/main" xmlns:r="http://schemas.openxmlformats.org/officeDocument/2006/relationships" xmlns:p="http://schemas.openxmlformats.org/presentationml/2006/main">
-  <p:cSld name="Slide 5">
+  <p:cSld>
     <p:bg>
       <p:bgPr>
         <a:solidFill>
@@ -17535,7 +18007,29 @@
                 <a:ea typeface="Roboto" pitchFamily="34" charset="-122"/>
                 <a:cs typeface="Roboto" pitchFamily="34" charset="-120"/>
               </a:rPr>
-              <a:t>Student</a:t>
+              <a:t>Tổng Quan: </a:t>
+            </a:r>
+            <a:r>
+              <a:rPr lang="en-US" sz="3200" b="1" dirty="0" err="1">
+                <a:solidFill>
+                  <a:srgbClr val="FFFFFF"/>
+                </a:solidFill>
+                <a:latin typeface="Roboto" pitchFamily="34" charset="0"/>
+                <a:ea typeface="Roboto" pitchFamily="34" charset="-122"/>
+                <a:cs typeface="Roboto" pitchFamily="34" charset="-120"/>
+              </a:rPr>
+              <a:t>Mô</a:t>
+            </a:r>
+            <a:r>
+              <a:rPr lang="en-US" sz="3200" b="1" dirty="0">
+                <a:solidFill>
+                  <a:srgbClr val="FFFFFF"/>
+                </a:solidFill>
+                <a:latin typeface="Roboto" pitchFamily="34" charset="0"/>
+                <a:ea typeface="Roboto" pitchFamily="34" charset="-122"/>
+                <a:cs typeface="Roboto" pitchFamily="34" charset="-120"/>
+              </a:rPr>
+              <a:t> hình</a:t>
             </a:r>
             <a:endParaRPr lang="en-US" sz="3200" dirty="0"/>
           </a:p>
@@ -17543,78 +18037,30 @@
       </p:sp>
       <p:sp>
         <p:nvSpPr>
-          <p:cNvPr id="4" name="Shape 2"/>
-          <p:cNvSpPr/>
-          <p:nvPr/>
-        </p:nvSpPr>
-        <p:spPr>
-          <a:xfrm>
-            <a:off x="457200" y="1280160"/>
-            <a:ext cx="11274552" cy="2560320"/>
-          </a:xfrm>
-          <a:prstGeom prst="rect">
-            <a:avLst/>
-          </a:prstGeom>
-          <a:solidFill>
-            <a:srgbClr val="F5F5F5"/>
-          </a:solidFill>
-          <a:ln w="12700">
-            <a:solidFill>
-              <a:srgbClr val="1565C0"/>
-            </a:solidFill>
-            <a:prstDash val="solid"/>
-          </a:ln>
-        </p:spPr>
-      </p:sp>
-      <p:sp>
-        <p:nvSpPr>
-          <p:cNvPr id="5" name="Shape 3"/>
-          <p:cNvSpPr/>
-          <p:nvPr/>
-        </p:nvSpPr>
-        <p:spPr>
-          <a:xfrm>
-            <a:off x="914400" y="2377440"/>
-            <a:ext cx="2286000" cy="914400"/>
-          </a:xfrm>
-          <a:prstGeom prst="rect">
-            <a:avLst/>
-          </a:prstGeom>
-          <a:solidFill>
-            <a:srgbClr val="FFF8E1"/>
-          </a:solidFill>
-          <a:ln w="12700">
-            <a:solidFill>
-              <a:srgbClr val="424242"/>
-            </a:solidFill>
-            <a:prstDash val="solid"/>
-          </a:ln>
-        </p:spPr>
-      </p:sp>
-      <p:sp>
-        <p:nvSpPr>
           <p:cNvPr id="6" name="Text 4"/>
           <p:cNvSpPr/>
           <p:nvPr/>
         </p:nvSpPr>
         <p:spPr>
           <a:xfrm>
-            <a:off x="914400" y="2377440"/>
-            <a:ext cx="2286000" cy="914400"/>
-          </a:xfrm>
-          <a:prstGeom prst="rect">
-            <a:avLst/>
-          </a:prstGeom>
-          <a:noFill/>
-          <a:ln/>
-        </p:spPr>
-        <p:txBody>
-          <a:bodyPr wrap="square" rtlCol="0" anchor="ctr"/>
-          <a:lstStyle/>
-          <a:p>
-            <a:pPr algn="ctr"/>
-            <a:r>
-              <a:rPr lang="en-US" sz="1600" dirty="0">
+            <a:off x="2666390" y="1234745"/>
+            <a:ext cx="11274552" cy="457200"/>
+          </a:xfrm>
+          <a:prstGeom prst="rect">
+            <a:avLst/>
+          </a:prstGeom>
+          <a:noFill/>
+          <a:ln/>
+        </p:spPr>
+        <p:txBody>
+          <a:bodyPr wrap="square" rtlCol="0" anchor="ctr"/>
+          <a:lstStyle/>
+          <a:p>
+            <a:pPr marL="0" indent="0" algn="ctr">
+              <a:buNone/>
+            </a:pPr>
+            <a:r>
+              <a:rPr lang="en-US" sz="2400" b="1" dirty="0">
                 <a:solidFill>
                   <a:srgbClr val="212121"/>
                 </a:solidFill>
@@ -17622,467 +18068,7 @@
                 <a:ea typeface="Roboto" pitchFamily="34" charset="-122"/>
                 <a:cs typeface="Roboto" pitchFamily="34" charset="-120"/>
               </a:rPr>
-              <a:t>Local crops </a:t>
-            </a:r>
-            <a:r>
-              <a:rPr lang="en-US" sz="1500" dirty="0">
-                <a:solidFill>
-                  <a:srgbClr val="212121"/>
-                </a:solidFill>
-                <a:latin typeface="Roboto" pitchFamily="34" charset="0"/>
-                <a:ea typeface="Roboto" pitchFamily="34" charset="-122"/>
-                <a:cs typeface="Roboto" pitchFamily="34" charset="-120"/>
-              </a:rPr>
-              <a:t>(</a:t>
-            </a:r>
-            <a:r>
-              <a:rPr lang="en-US" sz="1600" dirty="0">
-                <a:solidFill>
-                  <a:srgbClr val="212121"/>
-                </a:solidFill>
-                <a:latin typeface="Roboto" pitchFamily="34" charset="0"/>
-                <a:ea typeface="Roboto" pitchFamily="34" charset="-122"/>
-              </a:rPr>
-              <a:t>x</a:t>
-            </a:r>
-            <a:r>
-              <a:rPr lang="en-US" sz="1600" baseline="-25000" dirty="0">
-                <a:solidFill>
-                  <a:srgbClr val="212121"/>
-                </a:solidFill>
-                <a:latin typeface="Roboto" pitchFamily="34" charset="0"/>
-                <a:ea typeface="Roboto" pitchFamily="34" charset="-122"/>
-              </a:rPr>
-              <a:t>1</a:t>
-            </a:r>
-            <a:r>
-              <a:rPr lang="en-US" sz="1600" dirty="0">
-                <a:solidFill>
-                  <a:srgbClr val="212121"/>
-                </a:solidFill>
-                <a:latin typeface="Roboto" pitchFamily="34" charset="0"/>
-                <a:ea typeface="Roboto" pitchFamily="34" charset="-122"/>
-              </a:rPr>
-              <a:t>)</a:t>
-            </a:r>
-            <a:endParaRPr lang="en-US" sz="1600" dirty="0"/>
-          </a:p>
-          <a:p>
-            <a:pPr marL="0" indent="0" algn="ctr">
-              <a:buNone/>
-            </a:pPr>
-            <a:r>
-              <a:rPr lang="en-US" sz="1600" dirty="0">
-                <a:solidFill>
-                  <a:srgbClr val="212121"/>
-                </a:solidFill>
-                <a:latin typeface="Roboto" pitchFamily="34" charset="0"/>
-                <a:ea typeface="Roboto" pitchFamily="34" charset="-122"/>
-                <a:cs typeface="Roboto" pitchFamily="34" charset="-120"/>
-              </a:rPr>
-              <a:t>96×96</a:t>
-            </a:r>
-            <a:endParaRPr lang="en-US" sz="1600" dirty="0"/>
-          </a:p>
-        </p:txBody>
-      </p:sp>
-      <p:sp>
-        <p:nvSpPr>
-          <p:cNvPr id="7" name="Text 5"/>
-          <p:cNvSpPr/>
-          <p:nvPr/>
-        </p:nvSpPr>
-        <p:spPr>
-          <a:xfrm>
-            <a:off x="3200400" y="2377440"/>
-            <a:ext cx="731520" cy="914400"/>
-          </a:xfrm>
-          <a:prstGeom prst="rect">
-            <a:avLst/>
-          </a:prstGeom>
-          <a:noFill/>
-          <a:ln/>
-        </p:spPr>
-        <p:txBody>
-          <a:bodyPr wrap="square" rtlCol="0" anchor="ctr"/>
-          <a:lstStyle/>
-          <a:p>
-            <a:pPr marL="0" indent="0" algn="ctr">
-              <a:buNone/>
-            </a:pPr>
-            <a:r>
-              <a:rPr lang="en-US" sz="3200" dirty="0">
-                <a:solidFill>
-                  <a:srgbClr val="424242"/>
-                </a:solidFill>
-                <a:latin typeface="Roboto" pitchFamily="34" charset="0"/>
-                <a:ea typeface="Roboto" pitchFamily="34" charset="-122"/>
-                <a:cs typeface="Roboto" pitchFamily="34" charset="-120"/>
-              </a:rPr>
-              <a:t>→</a:t>
-            </a:r>
-            <a:endParaRPr lang="en-US" sz="3200" dirty="0"/>
-          </a:p>
-        </p:txBody>
-      </p:sp>
-      <p:sp>
-        <p:nvSpPr>
-          <p:cNvPr id="8" name="Shape 6"/>
-          <p:cNvSpPr/>
-          <p:nvPr/>
-        </p:nvSpPr>
-        <p:spPr>
-          <a:xfrm>
-            <a:off x="3931920" y="2377440"/>
-            <a:ext cx="2286000" cy="914400"/>
-          </a:xfrm>
-          <a:prstGeom prst="rect">
-            <a:avLst/>
-          </a:prstGeom>
-          <a:solidFill>
-            <a:srgbClr val="2E7D32"/>
-          </a:solidFill>
-          <a:ln/>
-        </p:spPr>
-      </p:sp>
-      <p:sp>
-        <p:nvSpPr>
-          <p:cNvPr id="9" name="Text 7"/>
-          <p:cNvSpPr/>
-          <p:nvPr/>
-        </p:nvSpPr>
-        <p:spPr>
-          <a:xfrm>
-            <a:off x="3931920" y="2377440"/>
-            <a:ext cx="2286000" cy="914400"/>
-          </a:xfrm>
-          <a:prstGeom prst="rect">
-            <a:avLst/>
-          </a:prstGeom>
-          <a:noFill/>
-          <a:ln/>
-        </p:spPr>
-        <p:txBody>
-          <a:bodyPr wrap="square" rtlCol="0" anchor="ctr"/>
-          <a:lstStyle/>
-          <a:p>
-            <a:pPr marL="0" indent="0" algn="ctr">
-              <a:buNone/>
-            </a:pPr>
-            <a:r>
-              <a:rPr lang="en-US" sz="1600" b="1" dirty="0">
-                <a:solidFill>
-                  <a:srgbClr val="FFFFFF"/>
-                </a:solidFill>
-                <a:latin typeface="Roboto" pitchFamily="34" charset="0"/>
-                <a:ea typeface="Roboto" pitchFamily="34" charset="-122"/>
-                <a:cs typeface="Roboto" pitchFamily="34" charset="-120"/>
-              </a:rPr>
-              <a:t>ViT</a:t>
-            </a:r>
-            <a:endParaRPr lang="en-US" sz="1600" dirty="0"/>
-          </a:p>
-          <a:p>
-            <a:pPr marL="0" indent="0" algn="ctr">
-              <a:buNone/>
-            </a:pPr>
-            <a:r>
-              <a:rPr lang="en-US" sz="1600" b="1" dirty="0">
-                <a:solidFill>
-                  <a:srgbClr val="FFFFFF"/>
-                </a:solidFill>
-                <a:latin typeface="Roboto" pitchFamily="34" charset="0"/>
-                <a:ea typeface="Roboto" pitchFamily="34" charset="-122"/>
-                <a:cs typeface="Roboto" pitchFamily="34" charset="-120"/>
-              </a:rPr>
-              <a:t>Backbone f</a:t>
-            </a:r>
-            <a:endParaRPr lang="en-US" sz="1600" dirty="0"/>
-          </a:p>
-        </p:txBody>
-      </p:sp>
-      <p:sp>
-        <p:nvSpPr>
-          <p:cNvPr id="10" name="Text 8"/>
-          <p:cNvSpPr/>
-          <p:nvPr/>
-        </p:nvSpPr>
-        <p:spPr>
-          <a:xfrm>
-            <a:off x="6217920" y="2377440"/>
-            <a:ext cx="731520" cy="914400"/>
-          </a:xfrm>
-          <a:prstGeom prst="rect">
-            <a:avLst/>
-          </a:prstGeom>
-          <a:noFill/>
-          <a:ln/>
-        </p:spPr>
-        <p:txBody>
-          <a:bodyPr wrap="square" rtlCol="0" anchor="ctr"/>
-          <a:lstStyle/>
-          <a:p>
-            <a:pPr marL="0" indent="0" algn="ctr">
-              <a:buNone/>
-            </a:pPr>
-            <a:r>
-              <a:rPr lang="en-US" sz="3200" dirty="0">
-                <a:solidFill>
-                  <a:srgbClr val="424242"/>
-                </a:solidFill>
-                <a:latin typeface="Roboto" pitchFamily="34" charset="0"/>
-                <a:ea typeface="Roboto" pitchFamily="34" charset="-122"/>
-                <a:cs typeface="Roboto" pitchFamily="34" charset="-120"/>
-              </a:rPr>
-              <a:t>→</a:t>
-            </a:r>
-            <a:endParaRPr lang="en-US" sz="3200" dirty="0"/>
-          </a:p>
-        </p:txBody>
-      </p:sp>
-      <p:sp>
-        <p:nvSpPr>
-          <p:cNvPr id="11" name="Shape 9"/>
-          <p:cNvSpPr/>
-          <p:nvPr/>
-        </p:nvSpPr>
-        <p:spPr>
-          <a:xfrm>
-            <a:off x="6949440" y="2377440"/>
-            <a:ext cx="2286000" cy="914400"/>
-          </a:xfrm>
-          <a:prstGeom prst="rect">
-            <a:avLst/>
-          </a:prstGeom>
-          <a:solidFill>
-            <a:srgbClr val="2E7D32"/>
-          </a:solidFill>
-          <a:ln/>
-        </p:spPr>
-      </p:sp>
-      <p:sp>
-        <p:nvSpPr>
-          <p:cNvPr id="12" name="Text 10"/>
-          <p:cNvSpPr/>
-          <p:nvPr/>
-        </p:nvSpPr>
-        <p:spPr>
-          <a:xfrm>
-            <a:off x="6949440" y="2377440"/>
-            <a:ext cx="2286000" cy="914400"/>
-          </a:xfrm>
-          <a:prstGeom prst="rect">
-            <a:avLst/>
-          </a:prstGeom>
-          <a:noFill/>
-          <a:ln/>
-        </p:spPr>
-        <p:txBody>
-          <a:bodyPr wrap="square" rtlCol="0" anchor="ctr"/>
-          <a:lstStyle/>
-          <a:p>
-            <a:pPr marL="0" indent="0" algn="ctr">
-              <a:buNone/>
-            </a:pPr>
-            <a:r>
-              <a:rPr lang="en-US" sz="1600" b="1" dirty="0">
-                <a:solidFill>
-                  <a:srgbClr val="FFFFFF"/>
-                </a:solidFill>
-                <a:latin typeface="Roboto" pitchFamily="34" charset="0"/>
-                <a:ea typeface="Roboto" pitchFamily="34" charset="-122"/>
-                <a:cs typeface="Roboto" pitchFamily="34" charset="-120"/>
-              </a:rPr>
-              <a:t>MLP Head h</a:t>
-            </a:r>
-            <a:endParaRPr lang="en-US" sz="1600" dirty="0"/>
-          </a:p>
-          <a:p>
-            <a:pPr marL="0" indent="0" algn="ctr">
-              <a:buNone/>
-            </a:pPr>
-            <a:r>
-              <a:rPr lang="en-US" sz="1600" b="1" dirty="0">
-                <a:solidFill>
-                  <a:srgbClr val="FFFFFF"/>
-                </a:solidFill>
-                <a:latin typeface="Roboto" pitchFamily="34" charset="0"/>
-                <a:ea typeface="Roboto" pitchFamily="34" charset="-122"/>
-                <a:cs typeface="Roboto" pitchFamily="34" charset="-120"/>
-              </a:rPr>
-              <a:t>3 layers</a:t>
-            </a:r>
-            <a:endParaRPr lang="en-US" sz="1600" dirty="0"/>
-          </a:p>
-        </p:txBody>
-      </p:sp>
-      <p:sp>
-        <p:nvSpPr>
-          <p:cNvPr id="13" name="Text 11"/>
-          <p:cNvSpPr/>
-          <p:nvPr/>
-        </p:nvSpPr>
-        <p:spPr>
-          <a:xfrm>
-            <a:off x="9235440" y="2377440"/>
-            <a:ext cx="731520" cy="914400"/>
-          </a:xfrm>
-          <a:prstGeom prst="rect">
-            <a:avLst/>
-          </a:prstGeom>
-          <a:noFill/>
-          <a:ln/>
-        </p:spPr>
-        <p:txBody>
-          <a:bodyPr wrap="square" rtlCol="0" anchor="ctr"/>
-          <a:lstStyle/>
-          <a:p>
-            <a:pPr marL="0" indent="0" algn="ctr">
-              <a:buNone/>
-            </a:pPr>
-            <a:r>
-              <a:rPr lang="en-US" sz="3200" dirty="0">
-                <a:solidFill>
-                  <a:srgbClr val="424242"/>
-                </a:solidFill>
-                <a:latin typeface="Roboto" pitchFamily="34" charset="0"/>
-                <a:ea typeface="Roboto" pitchFamily="34" charset="-122"/>
-                <a:cs typeface="Roboto" pitchFamily="34" charset="-120"/>
-              </a:rPr>
-              <a:t>→</a:t>
-            </a:r>
-            <a:endParaRPr lang="en-US" sz="3200" dirty="0"/>
-          </a:p>
-        </p:txBody>
-      </p:sp>
-      <p:sp>
-        <p:nvSpPr>
-          <p:cNvPr id="14" name="Shape 12"/>
-          <p:cNvSpPr/>
-          <p:nvPr/>
-        </p:nvSpPr>
-        <p:spPr>
-          <a:xfrm>
-            <a:off x="9966960" y="2377440"/>
-            <a:ext cx="1645920" cy="914400"/>
-          </a:xfrm>
-          <a:prstGeom prst="rect">
-            <a:avLst/>
-          </a:prstGeom>
-          <a:solidFill>
-            <a:srgbClr val="FFF8E1"/>
-          </a:solidFill>
-          <a:ln w="12700">
-            <a:solidFill>
-              <a:srgbClr val="424242"/>
-            </a:solidFill>
-            <a:prstDash val="solid"/>
-          </a:ln>
-        </p:spPr>
-      </p:sp>
-      <p:sp>
-        <p:nvSpPr>
-          <p:cNvPr id="15" name="Text 13"/>
-          <p:cNvSpPr/>
-          <p:nvPr/>
-        </p:nvSpPr>
-        <p:spPr>
-          <a:xfrm>
-            <a:off x="9966960" y="2377440"/>
-            <a:ext cx="1645920" cy="914400"/>
-          </a:xfrm>
-          <a:prstGeom prst="rect">
-            <a:avLst/>
-          </a:prstGeom>
-          <a:noFill/>
-          <a:ln/>
-        </p:spPr>
-        <p:txBody>
-          <a:bodyPr wrap="square" rtlCol="0" anchor="ctr"/>
-          <a:lstStyle/>
-          <a:p>
-            <a:pPr algn="ctr"/>
-            <a:r>
-              <a:rPr lang="en-US" sz="1600" dirty="0">
-                <a:solidFill>
-                  <a:srgbClr val="212121"/>
-                </a:solidFill>
-                <a:latin typeface="Roboto" pitchFamily="34" charset="0"/>
-                <a:ea typeface="Roboto" pitchFamily="34" charset="-122"/>
-                <a:cs typeface="Roboto" pitchFamily="34" charset="-120"/>
-              </a:rPr>
-              <a:t>P</a:t>
-            </a:r>
-            <a:r>
-              <a:rPr lang="en-US" sz="1600" baseline="-25000" dirty="0">
-                <a:solidFill>
-                  <a:srgbClr val="212121"/>
-                </a:solidFill>
-                <a:latin typeface="Roboto" pitchFamily="34" charset="0"/>
-                <a:ea typeface="Roboto" pitchFamily="34" charset="-122"/>
-                <a:cs typeface="Roboto" pitchFamily="34" charset="-120"/>
-              </a:rPr>
-              <a:t>1 </a:t>
-            </a:r>
-            <a:br>
-              <a:rPr lang="en-US" sz="1600" baseline="-25000" dirty="0">
-                <a:solidFill>
-                  <a:srgbClr val="212121"/>
-                </a:solidFill>
-                <a:latin typeface="Roboto" pitchFamily="34" charset="0"/>
-                <a:ea typeface="Roboto" pitchFamily="34" charset="-122"/>
-                <a:cs typeface="Roboto" pitchFamily="34" charset="-120"/>
-              </a:rPr>
-            </a:br>
-            <a:r>
-              <a:rPr lang="en-US" sz="1600" dirty="0">
-                <a:solidFill>
-                  <a:srgbClr val="212121"/>
-                </a:solidFill>
-                <a:latin typeface="Roboto" pitchFamily="34" charset="0"/>
-                <a:ea typeface="Roboto" pitchFamily="34" charset="-122"/>
-                <a:cs typeface="Roboto" pitchFamily="34" charset="-120"/>
-              </a:rPr>
-              <a:t>K dims</a:t>
-            </a:r>
-            <a:endParaRPr lang="en-US" sz="1600" dirty="0"/>
-          </a:p>
-        </p:txBody>
-      </p:sp>
-      <p:sp>
-        <p:nvSpPr>
-          <p:cNvPr id="16" name="Text 14"/>
-          <p:cNvSpPr/>
-          <p:nvPr/>
-        </p:nvSpPr>
-        <p:spPr>
-          <a:xfrm>
-            <a:off x="457199" y="4114800"/>
-            <a:ext cx="4624939" cy="457200"/>
-          </a:xfrm>
-          <a:prstGeom prst="rect">
-            <a:avLst/>
-          </a:prstGeom>
-          <a:noFill/>
-          <a:ln/>
-        </p:spPr>
-        <p:txBody>
-          <a:bodyPr wrap="square" rtlCol="0" anchor="ctr"/>
-          <a:lstStyle/>
-          <a:p>
-            <a:pPr marL="0" indent="0">
-              <a:buNone/>
-            </a:pPr>
-            <a:r>
-              <a:rPr lang="en-US" sz="2400" b="1" dirty="0">
-                <a:solidFill>
-                  <a:srgbClr val="1565C0"/>
-                </a:solidFill>
-                <a:latin typeface="Consolas" pitchFamily="34" charset="0"/>
-                <a:ea typeface="Consolas" pitchFamily="34" charset="-122"/>
-                <a:cs typeface="Consolas" pitchFamily="34" charset="-120"/>
-              </a:rPr>
-              <a:t>Student network: g = h ∘ f</a:t>
+              <a:t>2 networks  •  2 views  •  1 loss</a:t>
             </a:r>
             <a:endParaRPr lang="en-US" sz="2400" dirty="0"/>
           </a:p>
@@ -18090,80 +18076,7 @@
       </p:sp>
       <p:sp>
         <p:nvSpPr>
-          <p:cNvPr id="17" name="Text 15"/>
-          <p:cNvSpPr/>
-          <p:nvPr/>
-        </p:nvSpPr>
-        <p:spPr>
-          <a:xfrm>
-            <a:off x="457200" y="4663440"/>
-            <a:ext cx="11274552" cy="1188720"/>
-          </a:xfrm>
-          <a:prstGeom prst="rect">
-            <a:avLst/>
-          </a:prstGeom>
-          <a:noFill/>
-          <a:ln/>
-        </p:spPr>
-        <p:txBody>
-          <a:bodyPr wrap="square" rtlCol="0" anchor="ctr"/>
-          <a:lstStyle/>
-          <a:p>
-            <a:pPr marL="0" indent="0">
-              <a:buNone/>
-            </a:pPr>
-            <a:r>
-              <a:rPr lang="en-US" sz="2000" dirty="0">
-                <a:solidFill>
-                  <a:srgbClr val="212121"/>
-                </a:solidFill>
-                <a:latin typeface="Roboto" pitchFamily="34" charset="0"/>
-                <a:ea typeface="Roboto" pitchFamily="34" charset="-122"/>
-                <a:cs typeface="Roboto" pitchFamily="34" charset="-120"/>
-              </a:rPr>
-              <a:t>• Backbone: ViT (Vision Transformer)</a:t>
-            </a:r>
-            <a:endParaRPr lang="en-US" sz="2000" dirty="0"/>
-          </a:p>
-          <a:p>
-            <a:pPr marL="0" indent="0">
-              <a:buNone/>
-            </a:pPr>
-            <a:r>
-              <a:rPr lang="en-US" sz="2000" dirty="0">
-                <a:solidFill>
-                  <a:srgbClr val="212121"/>
-                </a:solidFill>
-                <a:latin typeface="Roboto" pitchFamily="34" charset="0"/>
-                <a:ea typeface="Roboto" pitchFamily="34" charset="-122"/>
-                <a:cs typeface="Roboto" pitchFamily="34" charset="-120"/>
-              </a:rPr>
-              <a:t>• Head: 3-layer MLP, 2048 hidden, K=65536 output</a:t>
-            </a:r>
-            <a:endParaRPr lang="en-US" sz="2000" dirty="0"/>
-          </a:p>
-          <a:p>
-            <a:pPr marL="0" indent="0">
-              <a:buNone/>
-            </a:pPr>
-            <a:r>
-              <a:rPr lang="en-US" sz="2000" dirty="0">
-                <a:solidFill>
-                  <a:srgbClr val="212121"/>
-                </a:solidFill>
-                <a:latin typeface="Roboto" pitchFamily="34" charset="0"/>
-                <a:ea typeface="Roboto" pitchFamily="34" charset="-122"/>
-                <a:cs typeface="Roboto" pitchFamily="34" charset="-120"/>
-              </a:rPr>
-              <a:t>• Gradient descent</a:t>
-            </a:r>
-            <a:endParaRPr lang="en-US" sz="2000" dirty="0"/>
-          </a:p>
-        </p:txBody>
-      </p:sp>
-      <p:sp>
-        <p:nvSpPr>
-          <p:cNvPr id="18" name="Shape 16"/>
+          <p:cNvPr id="7" name="Shape 5"/>
           <p:cNvSpPr/>
           <p:nvPr/>
         </p:nvSpPr>
@@ -18183,7 +18096,7 @@
       </p:sp>
       <p:sp>
         <p:nvSpPr>
-          <p:cNvPr id="19" name="Text 17"/>
+          <p:cNvPr id="8" name="Text 6"/>
           <p:cNvSpPr/>
           <p:nvPr/>
         </p:nvSpPr>
@@ -18222,7 +18135,7 @@
       </p:sp>
       <p:sp>
         <p:nvSpPr>
-          <p:cNvPr id="20" name="Shape 18"/>
+          <p:cNvPr id="9" name="Shape 7"/>
           <p:cNvSpPr/>
           <p:nvPr/>
         </p:nvSpPr>
@@ -18242,7 +18155,7 @@
       </p:sp>
       <p:sp>
         <p:nvSpPr>
-          <p:cNvPr id="21" name="Text 19"/>
+          <p:cNvPr id="10" name="Text 8"/>
           <p:cNvSpPr/>
           <p:nvPr/>
         </p:nvSpPr>
@@ -18281,7 +18194,7 @@
       </p:sp>
       <p:sp>
         <p:nvSpPr>
-          <p:cNvPr id="22" name="Shape 20"/>
+          <p:cNvPr id="11" name="Shape 9"/>
           <p:cNvSpPr/>
           <p:nvPr/>
         </p:nvSpPr>
@@ -18301,7 +18214,7 @@
       </p:sp>
       <p:sp>
         <p:nvSpPr>
-          <p:cNvPr id="23" name="Text 21"/>
+          <p:cNvPr id="12" name="Text 10"/>
           <p:cNvSpPr/>
           <p:nvPr/>
         </p:nvSpPr>
@@ -18340,7 +18253,7 @@
       </p:sp>
       <p:sp>
         <p:nvSpPr>
-          <p:cNvPr id="24" name="Shape 22"/>
+          <p:cNvPr id="13" name="Shape 11"/>
           <p:cNvSpPr/>
           <p:nvPr/>
         </p:nvSpPr>
@@ -18360,7 +18273,7 @@
       </p:sp>
       <p:sp>
         <p:nvSpPr>
-          <p:cNvPr id="25" name="Text 23"/>
+          <p:cNvPr id="14" name="Text 12"/>
           <p:cNvSpPr/>
           <p:nvPr/>
         </p:nvSpPr>
@@ -18399,7 +18312,7 @@
       </p:sp>
       <p:sp>
         <p:nvSpPr>
-          <p:cNvPr id="26" name="Shape 24"/>
+          <p:cNvPr id="15" name="Shape 13"/>
           <p:cNvSpPr/>
           <p:nvPr/>
         </p:nvSpPr>
@@ -18419,7 +18332,7 @@
       </p:sp>
       <p:sp>
         <p:nvSpPr>
-          <p:cNvPr id="27" name="Text 25"/>
+          <p:cNvPr id="16" name="Text 14"/>
           <p:cNvSpPr/>
           <p:nvPr/>
         </p:nvSpPr>
@@ -18456,7 +18369,289 @@
           </a:p>
         </p:txBody>
       </p:sp>
+      <p:pic>
+        <p:nvPicPr>
+          <p:cNvPr id="17" name="Picture 16">
+            <a:extLst>
+              <a:ext uri="{FF2B5EF4-FFF2-40B4-BE49-F238E27FC236}">
+                <a16:creationId xmlns:a16="http://schemas.microsoft.com/office/drawing/2014/main" id="{BD629C05-A300-4E34-A805-9E67C0724348}"/>
+              </a:ext>
+            </a:extLst>
+          </p:cNvPr>
+          <p:cNvPicPr>
+            <a:picLocks noChangeAspect="1"/>
+          </p:cNvPicPr>
+          <p:nvPr/>
+        </p:nvPicPr>
+        <p:blipFill>
+          <a:blip r:embed="rId3"/>
+          <a:stretch>
+            <a:fillRect/>
+          </a:stretch>
+        </p:blipFill>
+        <p:spPr>
+          <a:xfrm>
+            <a:off x="195479" y="832106"/>
+            <a:ext cx="5130800" cy="5568694"/>
+          </a:xfrm>
+          <a:prstGeom prst="rect">
+            <a:avLst/>
+          </a:prstGeom>
+        </p:spPr>
+      </p:pic>
+      <p:sp>
+        <p:nvSpPr>
+          <p:cNvPr id="18" name="Rectangle 17">
+            <a:extLst>
+              <a:ext uri="{FF2B5EF4-FFF2-40B4-BE49-F238E27FC236}">
+                <a16:creationId xmlns:a16="http://schemas.microsoft.com/office/drawing/2014/main" id="{6245C833-7A0F-4625-9557-16F47DA09A7E}"/>
+              </a:ext>
+            </a:extLst>
+          </p:cNvPr>
+          <p:cNvSpPr/>
+          <p:nvPr/>
+        </p:nvSpPr>
+        <p:spPr>
+          <a:xfrm>
+            <a:off x="5900521" y="1736787"/>
+            <a:ext cx="6096000" cy="3269857"/>
+          </a:xfrm>
+          <a:prstGeom prst="rect">
+            <a:avLst/>
+          </a:prstGeom>
+          <a:noFill/>
+          <a:ln/>
+        </p:spPr>
+        <p:txBody>
+          <a:bodyPr wrap="square" rtlCol="0" anchor="ctr"/>
+          <a:lstStyle/>
+          <a:p>
+            <a:r>
+              <a:rPr lang="en-US" sz="2400" dirty="0">
+                <a:solidFill>
+                  <a:srgbClr val="212121"/>
+                </a:solidFill>
+                <a:latin typeface="Roboto" pitchFamily="34" charset="0"/>
+                <a:ea typeface="Roboto" pitchFamily="34" charset="-122"/>
+              </a:rPr>
+              <a:t>- 1 </a:t>
+            </a:r>
+            <a:r>
+              <a:rPr lang="en-US" sz="2400" dirty="0" err="1">
+                <a:solidFill>
+                  <a:srgbClr val="212121"/>
+                </a:solidFill>
+                <a:latin typeface="Roboto" pitchFamily="34" charset="0"/>
+                <a:ea typeface="Roboto" pitchFamily="34" charset="-122"/>
+              </a:rPr>
+              <a:t>ảnh</a:t>
+            </a:r>
+            <a:r>
+              <a:rPr lang="en-US" sz="2400" dirty="0">
+                <a:solidFill>
+                  <a:srgbClr val="212121"/>
+                </a:solidFill>
+                <a:latin typeface="Roboto" pitchFamily="34" charset="0"/>
+                <a:ea typeface="Roboto" pitchFamily="34" charset="-122"/>
+              </a:rPr>
+              <a:t> (x) được crop thành nhiều views
+- Student </a:t>
+            </a:r>
+            <a:r>
+              <a:rPr lang="en-US" sz="2400" dirty="0" err="1">
+                <a:solidFill>
+                  <a:srgbClr val="212121"/>
+                </a:solidFill>
+                <a:latin typeface="Roboto" pitchFamily="34" charset="0"/>
+                <a:ea typeface="Roboto" pitchFamily="34" charset="-122"/>
+              </a:rPr>
+              <a:t>nhận</a:t>
+            </a:r>
+            <a:r>
+              <a:rPr lang="en-US" sz="2400" dirty="0">
+                <a:solidFill>
+                  <a:srgbClr val="212121"/>
+                </a:solidFill>
+                <a:latin typeface="Roboto" pitchFamily="34" charset="0"/>
+                <a:ea typeface="Roboto" pitchFamily="34" charset="-122"/>
+              </a:rPr>
+              <a:t> local crops x</a:t>
+            </a:r>
+            <a:r>
+              <a:rPr lang="en-US" sz="2400" baseline="-25000" dirty="0">
+                <a:solidFill>
+                  <a:srgbClr val="212121"/>
+                </a:solidFill>
+                <a:latin typeface="Roboto" pitchFamily="34" charset="0"/>
+                <a:ea typeface="Roboto" pitchFamily="34" charset="-122"/>
+              </a:rPr>
+              <a:t>1</a:t>
+            </a:r>
+            <a:r>
+              <a:rPr lang="en-US" sz="2400" dirty="0">
+                <a:solidFill>
+                  <a:srgbClr val="212121"/>
+                </a:solidFill>
+                <a:latin typeface="Roboto" pitchFamily="34" charset="0"/>
+                <a:ea typeface="Roboto" pitchFamily="34" charset="-122"/>
+              </a:rPr>
+              <a:t> (nhỏ)
+- Teacher </a:t>
+            </a:r>
+            <a:r>
+              <a:rPr lang="en-US" sz="2400" dirty="0" err="1">
+                <a:solidFill>
+                  <a:srgbClr val="212121"/>
+                </a:solidFill>
+                <a:latin typeface="Roboto" pitchFamily="34" charset="0"/>
+                <a:ea typeface="Roboto" pitchFamily="34" charset="-122"/>
+              </a:rPr>
+              <a:t>nhận</a:t>
+            </a:r>
+            <a:r>
+              <a:rPr lang="en-US" sz="2400" dirty="0">
+                <a:solidFill>
+                  <a:srgbClr val="212121"/>
+                </a:solidFill>
+                <a:latin typeface="Roboto" pitchFamily="34" charset="0"/>
+                <a:ea typeface="Roboto" pitchFamily="34" charset="-122"/>
+              </a:rPr>
+              <a:t> global crops x</a:t>
+            </a:r>
+            <a:r>
+              <a:rPr lang="en-US" sz="2400" baseline="-25000" dirty="0">
+                <a:solidFill>
+                  <a:srgbClr val="212121"/>
+                </a:solidFill>
+                <a:latin typeface="Roboto" pitchFamily="34" charset="0"/>
+                <a:ea typeface="Roboto" pitchFamily="34" charset="-122"/>
+              </a:rPr>
+              <a:t>2</a:t>
+            </a:r>
+            <a:r>
+              <a:rPr lang="en-US" sz="2400" dirty="0">
+                <a:solidFill>
+                  <a:srgbClr val="212121"/>
+                </a:solidFill>
+                <a:latin typeface="Roboto" pitchFamily="34" charset="0"/>
+                <a:ea typeface="Roboto" pitchFamily="34" charset="-122"/>
+              </a:rPr>
+              <a:t> (lớn)
+- Cả 2 dùng cùng </a:t>
+            </a:r>
+            <a:r>
+              <a:rPr lang="en-US" sz="2400" dirty="0" err="1">
+                <a:solidFill>
+                  <a:srgbClr val="212121"/>
+                </a:solidFill>
+                <a:latin typeface="Roboto" pitchFamily="34" charset="0"/>
+                <a:ea typeface="Roboto" pitchFamily="34" charset="-122"/>
+              </a:rPr>
+              <a:t>kiến</a:t>
+            </a:r>
+            <a:r>
+              <a:rPr lang="en-US" sz="2400" dirty="0">
+                <a:solidFill>
+                  <a:srgbClr val="212121"/>
+                </a:solidFill>
+                <a:latin typeface="Roboto" pitchFamily="34" charset="0"/>
+                <a:ea typeface="Roboto" pitchFamily="34" charset="-122"/>
+              </a:rPr>
+              <a:t> </a:t>
+            </a:r>
+            <a:r>
+              <a:rPr lang="en-US" sz="2400" dirty="0" err="1">
+                <a:solidFill>
+                  <a:srgbClr val="212121"/>
+                </a:solidFill>
+                <a:latin typeface="Roboto" pitchFamily="34" charset="0"/>
+                <a:ea typeface="Roboto" pitchFamily="34" charset="-122"/>
+              </a:rPr>
+              <a:t>trúc</a:t>
+            </a:r>
+            <a:r>
+              <a:rPr lang="en-US" sz="2400" dirty="0">
+                <a:solidFill>
+                  <a:srgbClr val="212121"/>
+                </a:solidFill>
+                <a:latin typeface="Roboto" pitchFamily="34" charset="0"/>
+                <a:ea typeface="Roboto" pitchFamily="34" charset="-122"/>
+              </a:rPr>
+              <a:t> nhưng weights khác</a:t>
+            </a:r>
+          </a:p>
+          <a:p>
+            <a:r>
+              <a:rPr lang="en-US" sz="2400" dirty="0">
+                <a:solidFill>
+                  <a:srgbClr val="212121"/>
+                </a:solidFill>
+                <a:latin typeface="Roboto" pitchFamily="34" charset="0"/>
+                <a:ea typeface="Roboto" pitchFamily="34" charset="-122"/>
+              </a:rPr>
+              <a:t>- Student: dùng gradient descent </a:t>
+            </a:r>
+          </a:p>
+          <a:p>
+            <a:r>
+              <a:rPr lang="en-US" sz="2400" dirty="0">
+                <a:solidFill>
+                  <a:srgbClr val="212121"/>
+                </a:solidFill>
+                <a:latin typeface="Roboto" pitchFamily="34" charset="0"/>
+                <a:ea typeface="Roboto" pitchFamily="34" charset="-122"/>
+              </a:rPr>
+              <a:t>- Teacher: không dùng gradient descent, </a:t>
+            </a:r>
+            <a:r>
+              <a:rPr lang="en-US" sz="2400" dirty="0" err="1">
+                <a:solidFill>
+                  <a:srgbClr val="212121"/>
+                </a:solidFill>
+                <a:latin typeface="Roboto" pitchFamily="34" charset="0"/>
+                <a:ea typeface="Roboto" pitchFamily="34" charset="-122"/>
+              </a:rPr>
+              <a:t>cập</a:t>
+            </a:r>
+            <a:r>
+              <a:rPr lang="en-US" sz="2400" dirty="0">
+                <a:solidFill>
+                  <a:srgbClr val="212121"/>
+                </a:solidFill>
+                <a:latin typeface="Roboto" pitchFamily="34" charset="0"/>
+                <a:ea typeface="Roboto" pitchFamily="34" charset="-122"/>
+              </a:rPr>
+              <a:t> </a:t>
+            </a:r>
+            <a:r>
+              <a:rPr lang="en-US" sz="2400" dirty="0" err="1">
+                <a:solidFill>
+                  <a:srgbClr val="212121"/>
+                </a:solidFill>
+                <a:latin typeface="Roboto" pitchFamily="34" charset="0"/>
+                <a:ea typeface="Roboto" pitchFamily="34" charset="-122"/>
+              </a:rPr>
+              <a:t>nhật</a:t>
+            </a:r>
+            <a:r>
+              <a:rPr lang="en-US" sz="2400" dirty="0">
+                <a:solidFill>
+                  <a:srgbClr val="212121"/>
+                </a:solidFill>
+                <a:latin typeface="Roboto" pitchFamily="34" charset="0"/>
+                <a:ea typeface="Roboto" pitchFamily="34" charset="-122"/>
+              </a:rPr>
+              <a:t> từ student qua EMA</a:t>
+            </a:r>
+          </a:p>
+        </p:txBody>
+      </p:sp>
     </p:spTree>
+    <p:extLst>
+      <p:ext uri="{BB962C8B-B14F-4D97-AF65-F5344CB8AC3E}">
+        <p14:creationId xmlns:p14="http://schemas.microsoft.com/office/powerpoint/2010/main" val="89661176"/>
+      </p:ext>
+    </p:extLst>
   </p:cSld>
   <p:clrMapOvr>
     <a:masterClrMapping/>
@@ -18466,15 +18661,7 @@
 
 <file path=ppt/slides/slide6.xml><?xml version="1.0" encoding="utf-8"?>
 <p:sld xmlns:a="http://schemas.openxmlformats.org/drawingml/2006/main" xmlns:r="http://schemas.openxmlformats.org/officeDocument/2006/relationships" xmlns:p="http://schemas.openxmlformats.org/presentationml/2006/main">
-  <p:cSld name="Slide 6">
-    <p:bg>
-      <p:bgPr>
-        <a:solidFill>
-          <a:srgbClr val="FFFFFF"/>
-        </a:solidFill>
-        <a:effectLst/>
-      </p:bgPr>
-    </p:bg>
+  <p:cSld>
     <p:spTree>
       <p:nvGrpSpPr>
         <p:cNvPr id="1" name=""/>
@@ -18542,7 +18729,7 @@
                 <a:ea typeface="Roboto" pitchFamily="34" charset="-122"/>
                 <a:cs typeface="Roboto" pitchFamily="34" charset="-120"/>
               </a:rPr>
-              <a:t>Teacher</a:t>
+              <a:t>Student</a:t>
             </a:r>
             <a:endParaRPr lang="en-US" sz="3200" dirty="0"/>
           </a:p>
@@ -18550,39 +18737,170 @@
       </p:sp>
       <p:sp>
         <p:nvSpPr>
-          <p:cNvPr id="4" name="Shape 2"/>
-          <p:cNvSpPr/>
-          <p:nvPr/>
-        </p:nvSpPr>
-        <p:spPr>
-          <a:xfrm>
-            <a:off x="457199" y="1280160"/>
-            <a:ext cx="11468501" cy="2560320"/>
-          </a:xfrm>
-          <a:prstGeom prst="rect">
-            <a:avLst/>
-          </a:prstGeom>
-          <a:solidFill>
-            <a:srgbClr val="F5F5F5"/>
-          </a:solidFill>
-          <a:ln w="12700">
-            <a:solidFill>
-              <a:srgbClr val="2E7D32"/>
-            </a:solidFill>
-            <a:prstDash val="solid"/>
-          </a:ln>
-        </p:spPr>
-      </p:sp>
-      <p:sp>
-        <p:nvSpPr>
-          <p:cNvPr id="5" name="Shape 3"/>
-          <p:cNvSpPr/>
-          <p:nvPr/>
-        </p:nvSpPr>
-        <p:spPr>
-          <a:xfrm>
-            <a:off x="731520" y="2377440"/>
-            <a:ext cx="2011680" cy="914400"/>
+          <p:cNvPr id="4" name="Text 2"/>
+          <p:cNvSpPr/>
+          <p:nvPr/>
+        </p:nvSpPr>
+        <p:spPr>
+          <a:xfrm>
+            <a:off x="457200" y="1051560"/>
+            <a:ext cx="1828800" cy="274320"/>
+          </a:xfrm>
+          <a:prstGeom prst="rect">
+            <a:avLst/>
+          </a:prstGeom>
+          <a:noFill/>
+          <a:ln/>
+        </p:spPr>
+        <p:txBody>
+          <a:bodyPr wrap="square" rtlCol="0" anchor="ctr"/>
+          <a:lstStyle/>
+          <a:p>
+            <a:pPr marL="0" indent="0" algn="ctr">
+              <a:buNone/>
+            </a:pPr>
+            <a:r>
+              <a:rPr lang="en-US" b="1" dirty="0">
+                <a:solidFill>
+                  <a:srgbClr val="424242"/>
+                </a:solidFill>
+                <a:latin typeface="Roboto" pitchFamily="34" charset="0"/>
+                <a:ea typeface="Roboto" pitchFamily="34" charset="-122"/>
+                <a:cs typeface="Roboto" pitchFamily="34" charset="-120"/>
+              </a:rPr>
+              <a:t>INPUT</a:t>
+            </a:r>
+            <a:endParaRPr lang="en-US" dirty="0"/>
+          </a:p>
+        </p:txBody>
+      </p:sp>
+      <p:sp>
+        <p:nvSpPr>
+          <p:cNvPr id="5" name="Text 3"/>
+          <p:cNvSpPr/>
+          <p:nvPr/>
+        </p:nvSpPr>
+        <p:spPr>
+          <a:xfrm>
+            <a:off x="2834640" y="1051560"/>
+            <a:ext cx="1828800" cy="274320"/>
+          </a:xfrm>
+          <a:prstGeom prst="rect">
+            <a:avLst/>
+          </a:prstGeom>
+          <a:noFill/>
+          <a:ln/>
+        </p:spPr>
+        <p:txBody>
+          <a:bodyPr wrap="square" rtlCol="0" anchor="ctr"/>
+          <a:lstStyle/>
+          <a:p>
+            <a:pPr marL="0" indent="0" algn="ctr">
+              <a:buNone/>
+            </a:pPr>
+            <a:r>
+              <a:rPr lang="en-US" b="1" dirty="0">
+                <a:solidFill>
+                  <a:srgbClr val="1565C0"/>
+                </a:solidFill>
+                <a:latin typeface="Roboto" pitchFamily="34" charset="0"/>
+                <a:ea typeface="Roboto" pitchFamily="34" charset="-122"/>
+                <a:cs typeface="Roboto" pitchFamily="34" charset="-120"/>
+              </a:rPr>
+              <a:t>XỬ LÝ</a:t>
+            </a:r>
+            <a:endParaRPr lang="en-US" dirty="0"/>
+          </a:p>
+        </p:txBody>
+      </p:sp>
+      <p:sp>
+        <p:nvSpPr>
+          <p:cNvPr id="6" name="Text 4"/>
+          <p:cNvSpPr/>
+          <p:nvPr/>
+        </p:nvSpPr>
+        <p:spPr>
+          <a:xfrm>
+            <a:off x="5212080" y="1051560"/>
+            <a:ext cx="1828800" cy="274320"/>
+          </a:xfrm>
+          <a:prstGeom prst="rect">
+            <a:avLst/>
+          </a:prstGeom>
+          <a:noFill/>
+          <a:ln/>
+        </p:spPr>
+        <p:txBody>
+          <a:bodyPr wrap="square" rtlCol="0" anchor="ctr"/>
+          <a:lstStyle/>
+          <a:p>
+            <a:pPr marL="0" indent="0" algn="ctr">
+              <a:buNone/>
+            </a:pPr>
+            <a:r>
+              <a:rPr lang="en-US" b="1" dirty="0">
+                <a:solidFill>
+                  <a:srgbClr val="424242"/>
+                </a:solidFill>
+                <a:latin typeface="Roboto" pitchFamily="34" charset="0"/>
+                <a:ea typeface="Roboto" pitchFamily="34" charset="-122"/>
+                <a:cs typeface="Roboto" pitchFamily="34" charset="-120"/>
+              </a:rPr>
+              <a:t>OUTPUT</a:t>
+            </a:r>
+            <a:endParaRPr lang="en-US" dirty="0"/>
+          </a:p>
+        </p:txBody>
+      </p:sp>
+      <p:sp>
+        <p:nvSpPr>
+          <p:cNvPr id="7" name="Text 5"/>
+          <p:cNvSpPr/>
+          <p:nvPr/>
+        </p:nvSpPr>
+        <p:spPr>
+          <a:xfrm>
+            <a:off x="7315200" y="1051560"/>
+            <a:ext cx="5029200" cy="274320"/>
+          </a:xfrm>
+          <a:prstGeom prst="rect">
+            <a:avLst/>
+          </a:prstGeom>
+          <a:noFill/>
+          <a:ln/>
+        </p:spPr>
+        <p:txBody>
+          <a:bodyPr wrap="square" rtlCol="0" anchor="ctr"/>
+          <a:lstStyle/>
+          <a:p>
+            <a:pPr marL="0" indent="0" algn="l">
+              <a:buNone/>
+            </a:pPr>
+            <a:r>
+              <a:rPr lang="en-US" b="1" dirty="0">
+                <a:solidFill>
+                  <a:srgbClr val="757575"/>
+                </a:solidFill>
+                <a:latin typeface="Roboto" pitchFamily="34" charset="0"/>
+                <a:ea typeface="Roboto" pitchFamily="34" charset="-122"/>
+                <a:cs typeface="Roboto" pitchFamily="34" charset="-120"/>
+              </a:rPr>
+              <a:t>CHI TIẾT</a:t>
+            </a:r>
+            <a:endParaRPr lang="en-US" dirty="0"/>
+          </a:p>
+        </p:txBody>
+      </p:sp>
+      <p:sp>
+        <p:nvSpPr>
+          <p:cNvPr id="8" name="Shape 6"/>
+          <p:cNvSpPr/>
+          <p:nvPr/>
+        </p:nvSpPr>
+        <p:spPr>
+          <a:xfrm>
+            <a:off x="457200" y="1371600"/>
+            <a:ext cx="1828800" cy="960120"/>
           </a:xfrm>
           <a:prstGeom prst="rect">
             <a:avLst/>
@@ -18592,7 +18910,7 @@
           </a:solidFill>
           <a:ln w="12700">
             <a:solidFill>
-              <a:srgbClr val="424242"/>
+              <a:srgbClr val="BDBDBD"/>
             </a:solidFill>
             <a:prstDash val="solid"/>
           </a:ln>
@@ -18600,28 +18918,30 @@
       </p:sp>
       <p:sp>
         <p:nvSpPr>
-          <p:cNvPr id="6" name="Text 4"/>
-          <p:cNvSpPr/>
-          <p:nvPr/>
-        </p:nvSpPr>
-        <p:spPr>
-          <a:xfrm>
-            <a:off x="731520" y="2377440"/>
-            <a:ext cx="2011680" cy="914400"/>
-          </a:xfrm>
-          <a:prstGeom prst="rect">
-            <a:avLst/>
-          </a:prstGeom>
-          <a:noFill/>
-          <a:ln/>
-        </p:spPr>
-        <p:txBody>
-          <a:bodyPr wrap="square" rtlCol="0" anchor="ctr"/>
-          <a:lstStyle/>
-          <a:p>
-            <a:pPr algn="ctr"/>
-            <a:r>
-              <a:rPr lang="en-US" sz="1500" dirty="0">
+          <p:cNvPr id="9" name="Text 7"/>
+          <p:cNvSpPr/>
+          <p:nvPr/>
+        </p:nvSpPr>
+        <p:spPr>
+          <a:xfrm>
+            <a:off x="457200" y="1371600"/>
+            <a:ext cx="1828800" cy="960120"/>
+          </a:xfrm>
+          <a:prstGeom prst="rect">
+            <a:avLst/>
+          </a:prstGeom>
+          <a:noFill/>
+          <a:ln/>
+        </p:spPr>
+        <p:txBody>
+          <a:bodyPr wrap="square" rtlCol="0" anchor="ctr"/>
+          <a:lstStyle/>
+          <a:p>
+            <a:pPr marL="0" indent="0" algn="ctr">
+              <a:buNone/>
+            </a:pPr>
+            <a:r>
+              <a:rPr lang="en-US" dirty="0">
                 <a:solidFill>
                   <a:srgbClr val="212121"/>
                 </a:solidFill>
@@ -18629,69 +18949,98 @@
                 <a:ea typeface="Roboto" pitchFamily="34" charset="-122"/>
                 <a:cs typeface="Roboto" pitchFamily="34" charset="-120"/>
               </a:rPr>
-              <a:t>Global crops (</a:t>
-            </a:r>
-            <a:r>
-              <a:rPr lang="en-US" sz="1600" dirty="0">
+              <a:t>RGB image</a:t>
+            </a:r>
+            <a:endParaRPr lang="en-US" dirty="0"/>
+          </a:p>
+          <a:p>
+            <a:pPr marL="0" indent="0" algn="ctr">
+              <a:buNone/>
+            </a:pPr>
+            <a:r>
+              <a:rPr lang="en-US" dirty="0">
                 <a:solidFill>
                   <a:srgbClr val="212121"/>
                 </a:solidFill>
                 <a:latin typeface="Roboto" pitchFamily="34" charset="0"/>
                 <a:ea typeface="Roboto" pitchFamily="34" charset="-122"/>
-              </a:rPr>
-              <a:t>x</a:t>
-            </a:r>
-            <a:r>
-              <a:rPr lang="en-US" sz="1600" baseline="-25000" dirty="0">
-                <a:solidFill>
-                  <a:srgbClr val="212121"/>
-                </a:solidFill>
-                <a:latin typeface="Roboto" pitchFamily="34" charset="0"/>
-                <a:ea typeface="Roboto" pitchFamily="34" charset="-122"/>
-              </a:rPr>
-              <a:t>2</a:t>
-            </a:r>
-            <a:r>
-              <a:rPr lang="en-US" sz="1600" dirty="0">
-                <a:solidFill>
-                  <a:srgbClr val="212121"/>
-                </a:solidFill>
-                <a:latin typeface="Roboto" pitchFamily="34" charset="0"/>
-                <a:ea typeface="Roboto" pitchFamily="34" charset="-122"/>
-              </a:rPr>
-              <a:t>)</a:t>
-            </a:r>
-            <a:endParaRPr lang="en-US" sz="1500" dirty="0"/>
-          </a:p>
+                <a:cs typeface="Roboto" pitchFamily="34" charset="-120"/>
+              </a:rPr>
+              <a:t>96×96×3</a:t>
+            </a:r>
+            <a:endParaRPr lang="en-US" dirty="0"/>
+          </a:p>
+        </p:txBody>
+      </p:sp>
+      <p:sp>
+        <p:nvSpPr>
+          <p:cNvPr id="10" name="Text 8"/>
+          <p:cNvSpPr/>
+          <p:nvPr/>
+        </p:nvSpPr>
+        <p:spPr>
+          <a:xfrm>
+            <a:off x="2286000" y="1371600"/>
+            <a:ext cx="548640" cy="960120"/>
+          </a:xfrm>
+          <a:prstGeom prst="rect">
+            <a:avLst/>
+          </a:prstGeom>
+          <a:noFill/>
+          <a:ln/>
+        </p:spPr>
+        <p:txBody>
+          <a:bodyPr wrap="square" rtlCol="0" anchor="ctr"/>
+          <a:lstStyle/>
           <a:p>
             <a:pPr marL="0" indent="0" algn="ctr">
               <a:buNone/>
             </a:pPr>
             <a:r>
-              <a:rPr lang="en-US" sz="1500" dirty="0">
-                <a:solidFill>
-                  <a:srgbClr val="212121"/>
-                </a:solidFill>
-                <a:latin typeface="Roboto" pitchFamily="34" charset="0"/>
-                <a:ea typeface="Roboto" pitchFamily="34" charset="-122"/>
-                <a:cs typeface="Roboto" pitchFamily="34" charset="-120"/>
-              </a:rPr>
-              <a:t>224×224</a:t>
-            </a:r>
-            <a:endParaRPr lang="en-US" sz="1500" dirty="0"/>
-          </a:p>
-        </p:txBody>
-      </p:sp>
-      <p:sp>
-        <p:nvSpPr>
-          <p:cNvPr id="7" name="Text 5"/>
-          <p:cNvSpPr/>
-          <p:nvPr/>
-        </p:nvSpPr>
-        <p:spPr>
-          <a:xfrm>
-            <a:off x="2743200" y="2377440"/>
-            <a:ext cx="548640" cy="914400"/>
+              <a:rPr lang="en-US" sz="3600" dirty="0">
+                <a:solidFill>
+                  <a:srgbClr val="BDBDBD"/>
+                </a:solidFill>
+                <a:latin typeface="Roboto" pitchFamily="34" charset="0"/>
+                <a:ea typeface="Roboto" pitchFamily="34" charset="-122"/>
+                <a:cs typeface="Roboto" pitchFamily="34" charset="-120"/>
+              </a:rPr>
+              <a:t>→</a:t>
+            </a:r>
+            <a:endParaRPr lang="en-US" sz="3600" dirty="0"/>
+          </a:p>
+        </p:txBody>
+      </p:sp>
+      <p:sp>
+        <p:nvSpPr>
+          <p:cNvPr id="11" name="Shape 9"/>
+          <p:cNvSpPr/>
+          <p:nvPr/>
+        </p:nvSpPr>
+        <p:spPr>
+          <a:xfrm>
+            <a:off x="2834640" y="1371600"/>
+            <a:ext cx="1828800" cy="960120"/>
+          </a:xfrm>
+          <a:prstGeom prst="rect">
+            <a:avLst/>
+          </a:prstGeom>
+          <a:solidFill>
+            <a:srgbClr val="1565C0"/>
+          </a:solidFill>
+          <a:ln/>
+        </p:spPr>
+      </p:sp>
+      <p:sp>
+        <p:nvSpPr>
+          <p:cNvPr id="12" name="Text 10"/>
+          <p:cNvSpPr/>
+          <p:nvPr/>
+        </p:nvSpPr>
+        <p:spPr>
+          <a:xfrm>
+            <a:off x="2834640" y="1371600"/>
+            <a:ext cx="1828800" cy="960120"/>
           </a:xfrm>
           <a:prstGeom prst="rect">
             <a:avLst/>
@@ -18707,9 +19056,65 @@
               <a:buNone/>
             </a:pPr>
             <a:r>
-              <a:rPr lang="en-US" sz="2800" dirty="0">
-                <a:solidFill>
-                  <a:srgbClr val="424242"/>
+              <a:rPr lang="en-US" sz="2000" b="1" dirty="0">
+                <a:solidFill>
+                  <a:srgbClr val="FFFFFF"/>
+                </a:solidFill>
+                <a:latin typeface="Roboto" pitchFamily="34" charset="0"/>
+                <a:ea typeface="Roboto" pitchFamily="34" charset="-122"/>
+                <a:cs typeface="Roboto" pitchFamily="34" charset="-120"/>
+              </a:rPr>
+              <a:t>Patch</a:t>
+            </a:r>
+            <a:endParaRPr lang="en-US" sz="2000" dirty="0"/>
+          </a:p>
+          <a:p>
+            <a:pPr marL="0" indent="0" algn="ctr">
+              <a:buNone/>
+            </a:pPr>
+            <a:r>
+              <a:rPr lang="en-US" sz="2000" b="1" dirty="0">
+                <a:solidFill>
+                  <a:srgbClr val="FFFFFF"/>
+                </a:solidFill>
+                <a:latin typeface="Roboto" pitchFamily="34" charset="0"/>
+                <a:ea typeface="Roboto" pitchFamily="34" charset="-122"/>
+                <a:cs typeface="Roboto" pitchFamily="34" charset="-120"/>
+              </a:rPr>
+              <a:t>Embedding</a:t>
+            </a:r>
+            <a:endParaRPr lang="en-US" sz="2000" dirty="0"/>
+          </a:p>
+        </p:txBody>
+      </p:sp>
+      <p:sp>
+        <p:nvSpPr>
+          <p:cNvPr id="13" name="Text 11"/>
+          <p:cNvSpPr/>
+          <p:nvPr/>
+        </p:nvSpPr>
+        <p:spPr>
+          <a:xfrm>
+            <a:off x="4663440" y="1371600"/>
+            <a:ext cx="548640" cy="960120"/>
+          </a:xfrm>
+          <a:prstGeom prst="rect">
+            <a:avLst/>
+          </a:prstGeom>
+          <a:noFill/>
+          <a:ln/>
+        </p:spPr>
+        <p:txBody>
+          <a:bodyPr wrap="square" rtlCol="0" anchor="ctr"/>
+          <a:lstStyle/>
+          <a:p>
+            <a:pPr marL="0" indent="0" algn="ctr">
+              <a:buNone/>
+            </a:pPr>
+            <a:r>
+              <a:rPr lang="en-US" sz="3600" dirty="0">
+                <a:solidFill>
+                  <a:srgbClr val="BDBDBD"/>
                 </a:solidFill>
                 <a:latin typeface="Roboto" pitchFamily="34" charset="0"/>
                 <a:ea typeface="Roboto" pitchFamily="34" charset="-122"/>
@@ -18717,237 +19122,7 @@
               </a:rPr>
               <a:t>→</a:t>
             </a:r>
-            <a:endParaRPr lang="en-US" sz="2800" dirty="0"/>
-          </a:p>
-        </p:txBody>
-      </p:sp>
-      <p:sp>
-        <p:nvSpPr>
-          <p:cNvPr id="8" name="Shape 6"/>
-          <p:cNvSpPr/>
-          <p:nvPr/>
-        </p:nvSpPr>
-        <p:spPr>
-          <a:xfrm>
-            <a:off x="3291840" y="2377440"/>
-            <a:ext cx="2011680" cy="914400"/>
-          </a:xfrm>
-          <a:prstGeom prst="rect">
-            <a:avLst/>
-          </a:prstGeom>
-          <a:solidFill>
-            <a:srgbClr val="2E7D32"/>
-          </a:solidFill>
-          <a:ln/>
-        </p:spPr>
-      </p:sp>
-      <p:sp>
-        <p:nvSpPr>
-          <p:cNvPr id="9" name="Text 7"/>
-          <p:cNvSpPr/>
-          <p:nvPr/>
-        </p:nvSpPr>
-        <p:spPr>
-          <a:xfrm>
-            <a:off x="3291840" y="2377440"/>
-            <a:ext cx="2011680" cy="914400"/>
-          </a:xfrm>
-          <a:prstGeom prst="rect">
-            <a:avLst/>
-          </a:prstGeom>
-          <a:noFill/>
-          <a:ln/>
-        </p:spPr>
-        <p:txBody>
-          <a:bodyPr wrap="square" rtlCol="0" anchor="ctr"/>
-          <a:lstStyle/>
-          <a:p>
-            <a:pPr marL="0" indent="0" algn="ctr">
-              <a:buNone/>
-            </a:pPr>
-            <a:r>
-              <a:rPr lang="en-US" sz="1500" b="1" dirty="0">
-                <a:solidFill>
-                  <a:srgbClr val="FFFFFF"/>
-                </a:solidFill>
-                <a:latin typeface="Roboto" pitchFamily="34" charset="0"/>
-                <a:ea typeface="Roboto" pitchFamily="34" charset="-122"/>
-                <a:cs typeface="Roboto" pitchFamily="34" charset="-120"/>
-              </a:rPr>
-              <a:t>ViT</a:t>
-            </a:r>
-            <a:endParaRPr lang="en-US" sz="1500" dirty="0"/>
-          </a:p>
-          <a:p>
-            <a:pPr marL="0" indent="0" algn="ctr">
-              <a:buNone/>
-            </a:pPr>
-            <a:r>
-              <a:rPr lang="en-US" sz="1500" b="1" dirty="0">
-                <a:solidFill>
-                  <a:srgbClr val="FFFFFF"/>
-                </a:solidFill>
-                <a:latin typeface="Roboto" pitchFamily="34" charset="0"/>
-                <a:ea typeface="Roboto" pitchFamily="34" charset="-122"/>
-                <a:cs typeface="Roboto" pitchFamily="34" charset="-120"/>
-              </a:rPr>
-              <a:t>Backbone f</a:t>
-            </a:r>
-            <a:endParaRPr lang="en-US" sz="1500" dirty="0"/>
-          </a:p>
-        </p:txBody>
-      </p:sp>
-      <p:sp>
-        <p:nvSpPr>
-          <p:cNvPr id="10" name="Text 8"/>
-          <p:cNvSpPr/>
-          <p:nvPr/>
-        </p:nvSpPr>
-        <p:spPr>
-          <a:xfrm>
-            <a:off x="5303520" y="2377440"/>
-            <a:ext cx="548640" cy="914400"/>
-          </a:xfrm>
-          <a:prstGeom prst="rect">
-            <a:avLst/>
-          </a:prstGeom>
-          <a:noFill/>
-          <a:ln/>
-        </p:spPr>
-        <p:txBody>
-          <a:bodyPr wrap="square" rtlCol="0" anchor="ctr"/>
-          <a:lstStyle/>
-          <a:p>
-            <a:pPr marL="0" indent="0" algn="ctr">
-              <a:buNone/>
-            </a:pPr>
-            <a:r>
-              <a:rPr lang="en-US" sz="2800" dirty="0">
-                <a:solidFill>
-                  <a:srgbClr val="424242"/>
-                </a:solidFill>
-                <a:latin typeface="Roboto" pitchFamily="34" charset="0"/>
-                <a:ea typeface="Roboto" pitchFamily="34" charset="-122"/>
-                <a:cs typeface="Roboto" pitchFamily="34" charset="-120"/>
-              </a:rPr>
-              <a:t>→</a:t>
-            </a:r>
-            <a:endParaRPr lang="en-US" sz="2800" dirty="0"/>
-          </a:p>
-        </p:txBody>
-      </p:sp>
-      <p:sp>
-        <p:nvSpPr>
-          <p:cNvPr id="11" name="Shape 9"/>
-          <p:cNvSpPr/>
-          <p:nvPr/>
-        </p:nvSpPr>
-        <p:spPr>
-          <a:xfrm>
-            <a:off x="5852160" y="2377440"/>
-            <a:ext cx="2011680" cy="914400"/>
-          </a:xfrm>
-          <a:prstGeom prst="rect">
-            <a:avLst/>
-          </a:prstGeom>
-          <a:solidFill>
-            <a:srgbClr val="2E7D32"/>
-          </a:solidFill>
-          <a:ln/>
-        </p:spPr>
-      </p:sp>
-      <p:sp>
-        <p:nvSpPr>
-          <p:cNvPr id="12" name="Text 10"/>
-          <p:cNvSpPr/>
-          <p:nvPr/>
-        </p:nvSpPr>
-        <p:spPr>
-          <a:xfrm>
-            <a:off x="5852160" y="2377440"/>
-            <a:ext cx="2011680" cy="914400"/>
-          </a:xfrm>
-          <a:prstGeom prst="rect">
-            <a:avLst/>
-          </a:prstGeom>
-          <a:noFill/>
-          <a:ln/>
-        </p:spPr>
-        <p:txBody>
-          <a:bodyPr wrap="square" rtlCol="0" anchor="ctr"/>
-          <a:lstStyle/>
-          <a:p>
-            <a:pPr marL="0" indent="0" algn="ctr">
-              <a:buNone/>
-            </a:pPr>
-            <a:r>
-              <a:rPr lang="en-US" sz="1500" b="1" dirty="0">
-                <a:solidFill>
-                  <a:srgbClr val="FFFFFF"/>
-                </a:solidFill>
-                <a:latin typeface="Roboto" pitchFamily="34" charset="0"/>
-                <a:ea typeface="Roboto" pitchFamily="34" charset="-122"/>
-                <a:cs typeface="Roboto" pitchFamily="34" charset="-120"/>
-              </a:rPr>
-              <a:t>MLP Head h</a:t>
-            </a:r>
-            <a:endParaRPr lang="en-US" sz="1500" dirty="0"/>
-          </a:p>
-          <a:p>
-            <a:pPr marL="0" indent="0" algn="ctr">
-              <a:buNone/>
-            </a:pPr>
-            <a:r>
-              <a:rPr lang="en-US" sz="1500" b="1" dirty="0">
-                <a:solidFill>
-                  <a:srgbClr val="FFFFFF"/>
-                </a:solidFill>
-                <a:latin typeface="Roboto" pitchFamily="34" charset="0"/>
-                <a:ea typeface="Roboto" pitchFamily="34" charset="-122"/>
-                <a:cs typeface="Roboto" pitchFamily="34" charset="-120"/>
-              </a:rPr>
-              <a:t>3 layers</a:t>
-            </a:r>
-            <a:endParaRPr lang="en-US" sz="1500" dirty="0"/>
-          </a:p>
-        </p:txBody>
-      </p:sp>
-      <p:sp>
-        <p:nvSpPr>
-          <p:cNvPr id="13" name="Text 11"/>
-          <p:cNvSpPr/>
-          <p:nvPr/>
-        </p:nvSpPr>
-        <p:spPr>
-          <a:xfrm>
-            <a:off x="7863840" y="2377440"/>
-            <a:ext cx="548640" cy="914400"/>
-          </a:xfrm>
-          <a:prstGeom prst="rect">
-            <a:avLst/>
-          </a:prstGeom>
-          <a:noFill/>
-          <a:ln/>
-        </p:spPr>
-        <p:txBody>
-          <a:bodyPr wrap="square" rtlCol="0" anchor="ctr"/>
-          <a:lstStyle/>
-          <a:p>
-            <a:pPr marL="0" indent="0" algn="ctr">
-              <a:buNone/>
-            </a:pPr>
-            <a:r>
-              <a:rPr lang="en-US" sz="2800" dirty="0">
-                <a:solidFill>
-                  <a:srgbClr val="424242"/>
-                </a:solidFill>
-                <a:latin typeface="Roboto" pitchFamily="34" charset="0"/>
-                <a:ea typeface="Roboto" pitchFamily="34" charset="-122"/>
-                <a:cs typeface="Roboto" pitchFamily="34" charset="-120"/>
-              </a:rPr>
-              <a:t>→</a:t>
-            </a:r>
-            <a:endParaRPr lang="en-US" sz="2800" dirty="0"/>
+            <a:endParaRPr lang="en-US" sz="3600" dirty="0"/>
           </a:p>
         </p:txBody>
       </p:sp>
@@ -18959,123 +19134,8 @@
         </p:nvSpPr>
         <p:spPr>
           <a:xfrm>
-            <a:off x="8412480" y="2377440"/>
-            <a:ext cx="1645920" cy="914400"/>
-          </a:xfrm>
-          <a:prstGeom prst="rect">
-            <a:avLst/>
-          </a:prstGeom>
-          <a:solidFill>
-            <a:srgbClr val="C62828"/>
-          </a:solidFill>
-          <a:ln/>
-        </p:spPr>
-      </p:sp>
-      <p:sp>
-        <p:nvSpPr>
-          <p:cNvPr id="15" name="Text 13"/>
-          <p:cNvSpPr/>
-          <p:nvPr/>
-        </p:nvSpPr>
-        <p:spPr>
-          <a:xfrm>
-            <a:off x="8412480" y="2377440"/>
-            <a:ext cx="1645920" cy="914400"/>
-          </a:xfrm>
-          <a:prstGeom prst="rect">
-            <a:avLst/>
-          </a:prstGeom>
-          <a:noFill/>
-          <a:ln/>
-        </p:spPr>
-        <p:txBody>
-          <a:bodyPr wrap="square" rtlCol="0" anchor="ctr"/>
-          <a:lstStyle/>
-          <a:p>
-            <a:pPr marL="0" indent="0" algn="ctr">
-              <a:buNone/>
-            </a:pPr>
-            <a:r>
-              <a:rPr lang="en-US" sz="1500" b="1" dirty="0">
-                <a:solidFill>
-                  <a:srgbClr val="FFFFFF"/>
-                </a:solidFill>
-                <a:latin typeface="Roboto" pitchFamily="34" charset="0"/>
-                <a:ea typeface="Roboto" pitchFamily="34" charset="-122"/>
-                <a:cs typeface="Roboto" pitchFamily="34" charset="-120"/>
-              </a:rPr>
-              <a:t>Centering</a:t>
-            </a:r>
-            <a:endParaRPr lang="en-US" sz="1500" dirty="0"/>
-          </a:p>
-          <a:p>
-            <a:pPr marL="0" indent="0" algn="ctr">
-              <a:buNone/>
-            </a:pPr>
-            <a:r>
-              <a:rPr lang="en-US" sz="1500" b="1" dirty="0">
-                <a:solidFill>
-                  <a:srgbClr val="FFFFFF"/>
-                </a:solidFill>
-                <a:latin typeface="Roboto" pitchFamily="34" charset="0"/>
-                <a:ea typeface="Roboto" pitchFamily="34" charset="-122"/>
-                <a:cs typeface="Roboto" pitchFamily="34" charset="-120"/>
-              </a:rPr>
-              <a:t>- c</a:t>
-            </a:r>
-            <a:endParaRPr lang="en-US" sz="1500" dirty="0"/>
-          </a:p>
-        </p:txBody>
-      </p:sp>
-      <p:sp>
-        <p:nvSpPr>
-          <p:cNvPr id="16" name="Text 14"/>
-          <p:cNvSpPr/>
-          <p:nvPr/>
-        </p:nvSpPr>
-        <p:spPr>
-          <a:xfrm>
-            <a:off x="10058400" y="2377440"/>
-            <a:ext cx="548640" cy="914400"/>
-          </a:xfrm>
-          <a:prstGeom prst="rect">
-            <a:avLst/>
-          </a:prstGeom>
-          <a:noFill/>
-          <a:ln/>
-        </p:spPr>
-        <p:txBody>
-          <a:bodyPr wrap="square" rtlCol="0" anchor="ctr"/>
-          <a:lstStyle/>
-          <a:p>
-            <a:pPr marL="0" indent="0" algn="ctr">
-              <a:buNone/>
-            </a:pPr>
-            <a:r>
-              <a:rPr lang="en-US" sz="2800" dirty="0">
-                <a:solidFill>
-                  <a:srgbClr val="424242"/>
-                </a:solidFill>
-                <a:latin typeface="Roboto" pitchFamily="34" charset="0"/>
-                <a:ea typeface="Roboto" pitchFamily="34" charset="-122"/>
-                <a:cs typeface="Roboto" pitchFamily="34" charset="-120"/>
-              </a:rPr>
-              <a:t>→</a:t>
-            </a:r>
-            <a:endParaRPr lang="en-US" sz="2800" dirty="0"/>
-          </a:p>
-        </p:txBody>
-      </p:sp>
-      <p:sp>
-        <p:nvSpPr>
-          <p:cNvPr id="17" name="Shape 15"/>
-          <p:cNvSpPr/>
-          <p:nvPr/>
-        </p:nvSpPr>
-        <p:spPr>
-          <a:xfrm>
-            <a:off x="10607040" y="2377440"/>
-            <a:ext cx="1097280" cy="914400"/>
+            <a:off x="5212080" y="1371600"/>
+            <a:ext cx="1828800" cy="960120"/>
           </a:xfrm>
           <a:prstGeom prst="rect">
             <a:avLst/>
@@ -19085,7 +19145,7 @@
           </a:solidFill>
           <a:ln w="12700">
             <a:solidFill>
-              <a:srgbClr val="424242"/>
+              <a:srgbClr val="BDBDBD"/>
             </a:solidFill>
             <a:prstDash val="solid"/>
           </a:ln>
@@ -19093,14 +19153,134 @@
       </p:sp>
       <p:sp>
         <p:nvSpPr>
+          <p:cNvPr id="15" name="Text 13"/>
+          <p:cNvSpPr/>
+          <p:nvPr/>
+        </p:nvSpPr>
+        <p:spPr>
+          <a:xfrm>
+            <a:off x="5212080" y="1371600"/>
+            <a:ext cx="1828800" cy="960120"/>
+          </a:xfrm>
+          <a:prstGeom prst="rect">
+            <a:avLst/>
+          </a:prstGeom>
+          <a:noFill/>
+          <a:ln/>
+        </p:spPr>
+        <p:txBody>
+          <a:bodyPr wrap="square" rtlCol="0" anchor="ctr"/>
+          <a:lstStyle/>
+          <a:p>
+            <a:pPr marL="0" indent="0" algn="ctr">
+              <a:buNone/>
+            </a:pPr>
+            <a:r>
+              <a:rPr lang="en-US" dirty="0">
+                <a:solidFill>
+                  <a:srgbClr val="212121"/>
+                </a:solidFill>
+                <a:latin typeface="Roboto" pitchFamily="34" charset="0"/>
+                <a:ea typeface="Roboto" pitchFamily="34" charset="-122"/>
+                <a:cs typeface="Roboto" pitchFamily="34" charset="-120"/>
+              </a:rPr>
+              <a:t>36 vectors</a:t>
+            </a:r>
+            <a:endParaRPr lang="en-US" dirty="0"/>
+          </a:p>
+          <a:p>
+            <a:pPr marL="0" indent="0" algn="ctr">
+              <a:buNone/>
+            </a:pPr>
+            <a:r>
+              <a:rPr lang="en-US" dirty="0">
+                <a:solidFill>
+                  <a:srgbClr val="212121"/>
+                </a:solidFill>
+                <a:latin typeface="Roboto" pitchFamily="34" charset="0"/>
+                <a:ea typeface="Roboto" pitchFamily="34" charset="-122"/>
+                <a:cs typeface="Roboto" pitchFamily="34" charset="-120"/>
+              </a:rPr>
+              <a:t>(768-dim each)</a:t>
+            </a:r>
+            <a:endParaRPr lang="en-US" dirty="0"/>
+          </a:p>
+        </p:txBody>
+      </p:sp>
+      <p:sp>
+        <p:nvSpPr>
+          <p:cNvPr id="16" name="Text 14"/>
+          <p:cNvSpPr/>
+          <p:nvPr/>
+        </p:nvSpPr>
+        <p:spPr>
+          <a:xfrm>
+            <a:off x="7315200" y="1371600"/>
+            <a:ext cx="5029200" cy="960120"/>
+          </a:xfrm>
+          <a:prstGeom prst="rect">
+            <a:avLst/>
+          </a:prstGeom>
+          <a:noFill/>
+          <a:ln/>
+        </p:spPr>
+        <p:txBody>
+          <a:bodyPr wrap="square" rtlCol="0" anchor="ctr"/>
+          <a:lstStyle/>
+          <a:p>
+            <a:pPr marL="0" indent="0">
+              <a:buNone/>
+            </a:pPr>
+            <a:r>
+              <a:rPr lang="en-US" sz="2000" dirty="0">
+                <a:solidFill>
+                  <a:srgbClr val="757575"/>
+                </a:solidFill>
+                <a:latin typeface="Roboto" pitchFamily="34" charset="0"/>
+                <a:ea typeface="Roboto" pitchFamily="34" charset="-122"/>
+                <a:cs typeface="Roboto" pitchFamily="34" charset="-120"/>
+              </a:rPr>
+              <a:t>Chia 6×6 patches → Linear projection → Add positional embedding</a:t>
+            </a:r>
+            <a:endParaRPr lang="en-US" sz="2000" dirty="0"/>
+          </a:p>
+        </p:txBody>
+      </p:sp>
+      <p:sp>
+        <p:nvSpPr>
+          <p:cNvPr id="17" name="Shape 15"/>
+          <p:cNvSpPr/>
+          <p:nvPr/>
+        </p:nvSpPr>
+        <p:spPr>
+          <a:xfrm>
+            <a:off x="457200" y="2423160"/>
+            <a:ext cx="1828800" cy="960120"/>
+          </a:xfrm>
+          <a:prstGeom prst="rect">
+            <a:avLst/>
+          </a:prstGeom>
+          <a:solidFill>
+            <a:srgbClr val="FFF8E1"/>
+          </a:solidFill>
+          <a:ln w="12700">
+            <a:solidFill>
+              <a:srgbClr val="BDBDBD"/>
+            </a:solidFill>
+            <a:prstDash val="solid"/>
+          </a:ln>
+        </p:spPr>
+      </p:sp>
+      <p:sp>
+        <p:nvSpPr>
           <p:cNvPr id="18" name="Text 16"/>
           <p:cNvSpPr/>
           <p:nvPr/>
         </p:nvSpPr>
         <p:spPr>
           <a:xfrm>
-            <a:off x="10607040" y="2377440"/>
-            <a:ext cx="1097280" cy="914400"/>
+            <a:off x="457200" y="2423160"/>
+            <a:ext cx="1828800" cy="960120"/>
           </a:xfrm>
           <a:prstGeom prst="rect">
             <a:avLst/>
@@ -19116,7 +19296,7 @@
               <a:buNone/>
             </a:pPr>
             <a:r>
-              <a:rPr lang="en-US" sz="1500" dirty="0">
+              <a:rPr lang="en-US" dirty="0">
                 <a:solidFill>
                   <a:srgbClr val="212121"/>
                 </a:solidFill>
@@ -19124,10 +19304,953 @@
                 <a:ea typeface="Roboto" pitchFamily="34" charset="-122"/>
                 <a:cs typeface="Roboto" pitchFamily="34" charset="-120"/>
               </a:rPr>
+              <a:t>36 vectors</a:t>
+            </a:r>
+            <a:endParaRPr lang="en-US" dirty="0"/>
+          </a:p>
+          <a:p>
+            <a:pPr marL="0" indent="0" algn="ctr">
+              <a:buNone/>
+            </a:pPr>
+            <a:r>
+              <a:rPr lang="en-US" dirty="0">
+                <a:solidFill>
+                  <a:srgbClr val="212121"/>
+                </a:solidFill>
+                <a:latin typeface="Roboto" pitchFamily="34" charset="0"/>
+                <a:ea typeface="Roboto" pitchFamily="34" charset="-122"/>
+                <a:cs typeface="Roboto" pitchFamily="34" charset="-120"/>
+              </a:rPr>
+              <a:t>+ CLS token</a:t>
+            </a:r>
+            <a:endParaRPr lang="en-US" dirty="0"/>
+          </a:p>
+        </p:txBody>
+      </p:sp>
+      <p:sp>
+        <p:nvSpPr>
+          <p:cNvPr id="19" name="Text 17"/>
+          <p:cNvSpPr/>
+          <p:nvPr/>
+        </p:nvSpPr>
+        <p:spPr>
+          <a:xfrm>
+            <a:off x="2286000" y="2423160"/>
+            <a:ext cx="548640" cy="960120"/>
+          </a:xfrm>
+          <a:prstGeom prst="rect">
+            <a:avLst/>
+          </a:prstGeom>
+          <a:noFill/>
+          <a:ln/>
+        </p:spPr>
+        <p:txBody>
+          <a:bodyPr wrap="square" rtlCol="0" anchor="ctr"/>
+          <a:lstStyle/>
+          <a:p>
+            <a:pPr marL="0" indent="0" algn="ctr">
+              <a:buNone/>
+            </a:pPr>
+            <a:r>
+              <a:rPr lang="en-US" sz="3600" dirty="0">
+                <a:solidFill>
+                  <a:srgbClr val="BDBDBD"/>
+                </a:solidFill>
+                <a:latin typeface="Roboto" pitchFamily="34" charset="0"/>
+                <a:ea typeface="Roboto" pitchFamily="34" charset="-122"/>
+                <a:cs typeface="Roboto" pitchFamily="34" charset="-120"/>
+              </a:rPr>
+              <a:t>→</a:t>
+            </a:r>
+            <a:endParaRPr lang="en-US" sz="3600" dirty="0"/>
+          </a:p>
+        </p:txBody>
+      </p:sp>
+      <p:sp>
+        <p:nvSpPr>
+          <p:cNvPr id="20" name="Shape 18"/>
+          <p:cNvSpPr/>
+          <p:nvPr/>
+        </p:nvSpPr>
+        <p:spPr>
+          <a:xfrm>
+            <a:off x="2834640" y="2423160"/>
+            <a:ext cx="1828800" cy="960120"/>
+          </a:xfrm>
+          <a:prstGeom prst="rect">
+            <a:avLst/>
+          </a:prstGeom>
+          <a:solidFill>
+            <a:srgbClr val="1565C0"/>
+          </a:solidFill>
+          <a:ln/>
+        </p:spPr>
+      </p:sp>
+      <p:sp>
+        <p:nvSpPr>
+          <p:cNvPr id="21" name="Text 19"/>
+          <p:cNvSpPr/>
+          <p:nvPr/>
+        </p:nvSpPr>
+        <p:spPr>
+          <a:xfrm>
+            <a:off x="2834640" y="2423160"/>
+            <a:ext cx="1828800" cy="960120"/>
+          </a:xfrm>
+          <a:prstGeom prst="rect">
+            <a:avLst/>
+          </a:prstGeom>
+          <a:noFill/>
+          <a:ln/>
+        </p:spPr>
+        <p:txBody>
+          <a:bodyPr wrap="square" rtlCol="0" anchor="ctr"/>
+          <a:lstStyle/>
+          <a:p>
+            <a:pPr marL="0" indent="0" algn="ctr">
+              <a:buNone/>
+            </a:pPr>
+            <a:r>
+              <a:rPr lang="en-US" sz="2000" b="1" dirty="0">
+                <a:solidFill>
+                  <a:srgbClr val="FFFFFF"/>
+                </a:solidFill>
+                <a:latin typeface="Roboto" pitchFamily="34" charset="0"/>
+                <a:ea typeface="Roboto" pitchFamily="34" charset="-122"/>
+                <a:cs typeface="Roboto" pitchFamily="34" charset="-120"/>
+              </a:rPr>
+              <a:t>ViT</a:t>
+            </a:r>
+            <a:endParaRPr lang="en-US" sz="2000" dirty="0"/>
+          </a:p>
+          <a:p>
+            <a:pPr marL="0" indent="0" algn="ctr">
+              <a:buNone/>
+            </a:pPr>
+            <a:r>
+              <a:rPr lang="en-US" sz="2000" b="1" dirty="0">
+                <a:solidFill>
+                  <a:srgbClr val="FFFFFF"/>
+                </a:solidFill>
+                <a:latin typeface="Roboto" pitchFamily="34" charset="0"/>
+                <a:ea typeface="Roboto" pitchFamily="34" charset="-122"/>
+                <a:cs typeface="Roboto" pitchFamily="34" charset="-120"/>
+              </a:rPr>
+              <a:t>Backbone</a:t>
+            </a:r>
+            <a:endParaRPr lang="en-US" sz="2000" dirty="0"/>
+          </a:p>
+        </p:txBody>
+      </p:sp>
+      <p:sp>
+        <p:nvSpPr>
+          <p:cNvPr id="22" name="Text 20"/>
+          <p:cNvSpPr/>
+          <p:nvPr/>
+        </p:nvSpPr>
+        <p:spPr>
+          <a:xfrm>
+            <a:off x="4663440" y="2423160"/>
+            <a:ext cx="548640" cy="960120"/>
+          </a:xfrm>
+          <a:prstGeom prst="rect">
+            <a:avLst/>
+          </a:prstGeom>
+          <a:noFill/>
+          <a:ln/>
+        </p:spPr>
+        <p:txBody>
+          <a:bodyPr wrap="square" rtlCol="0" anchor="ctr"/>
+          <a:lstStyle/>
+          <a:p>
+            <a:pPr marL="0" indent="0" algn="ctr">
+              <a:buNone/>
+            </a:pPr>
+            <a:r>
+              <a:rPr lang="en-US" sz="3600" dirty="0">
+                <a:solidFill>
+                  <a:srgbClr val="BDBDBD"/>
+                </a:solidFill>
+                <a:latin typeface="Roboto" pitchFamily="34" charset="0"/>
+                <a:ea typeface="Roboto" pitchFamily="34" charset="-122"/>
+                <a:cs typeface="Roboto" pitchFamily="34" charset="-120"/>
+              </a:rPr>
+              <a:t>→</a:t>
+            </a:r>
+            <a:endParaRPr lang="en-US" sz="3600" dirty="0"/>
+          </a:p>
+        </p:txBody>
+      </p:sp>
+      <p:sp>
+        <p:nvSpPr>
+          <p:cNvPr id="23" name="Shape 21"/>
+          <p:cNvSpPr/>
+          <p:nvPr/>
+        </p:nvSpPr>
+        <p:spPr>
+          <a:xfrm>
+            <a:off x="5212080" y="2423160"/>
+            <a:ext cx="1828800" cy="960120"/>
+          </a:xfrm>
+          <a:prstGeom prst="rect">
+            <a:avLst/>
+          </a:prstGeom>
+          <a:solidFill>
+            <a:srgbClr val="FFF8E1"/>
+          </a:solidFill>
+          <a:ln w="12700">
+            <a:solidFill>
+              <a:srgbClr val="BDBDBD"/>
+            </a:solidFill>
+            <a:prstDash val="solid"/>
+          </a:ln>
+        </p:spPr>
+      </p:sp>
+      <p:sp>
+        <p:nvSpPr>
+          <p:cNvPr id="24" name="Text 22"/>
+          <p:cNvSpPr/>
+          <p:nvPr/>
+        </p:nvSpPr>
+        <p:spPr>
+          <a:xfrm>
+            <a:off x="5212080" y="2423160"/>
+            <a:ext cx="1828800" cy="960120"/>
+          </a:xfrm>
+          <a:prstGeom prst="rect">
+            <a:avLst/>
+          </a:prstGeom>
+          <a:noFill/>
+          <a:ln/>
+        </p:spPr>
+        <p:txBody>
+          <a:bodyPr wrap="square" rtlCol="0" anchor="ctr"/>
+          <a:lstStyle/>
+          <a:p>
+            <a:pPr marL="0" indent="0" algn="ctr">
+              <a:buNone/>
+            </a:pPr>
+            <a:r>
+              <a:rPr lang="en-US" dirty="0">
+                <a:solidFill>
+                  <a:srgbClr val="212121"/>
+                </a:solidFill>
+                <a:latin typeface="Roboto" pitchFamily="34" charset="0"/>
+                <a:ea typeface="Roboto" pitchFamily="34" charset="-122"/>
+                <a:cs typeface="Roboto" pitchFamily="34" charset="-120"/>
+              </a:rPr>
+              <a:t>CLS token</a:t>
+            </a:r>
+            <a:endParaRPr lang="en-US" dirty="0"/>
+          </a:p>
+          <a:p>
+            <a:pPr marL="0" indent="0" algn="ctr">
+              <a:buNone/>
+            </a:pPr>
+            <a:r>
+              <a:rPr lang="en-US" dirty="0">
+                <a:solidFill>
+                  <a:srgbClr val="212121"/>
+                </a:solidFill>
+                <a:latin typeface="Roboto" pitchFamily="34" charset="0"/>
+                <a:ea typeface="Roboto" pitchFamily="34" charset="-122"/>
+                <a:cs typeface="Roboto" pitchFamily="34" charset="-120"/>
+              </a:rPr>
+              <a:t>(768-dim)</a:t>
+            </a:r>
+            <a:endParaRPr lang="en-US" dirty="0"/>
+          </a:p>
+        </p:txBody>
+      </p:sp>
+      <p:sp>
+        <p:nvSpPr>
+          <p:cNvPr id="25" name="Text 23"/>
+          <p:cNvSpPr/>
+          <p:nvPr/>
+        </p:nvSpPr>
+        <p:spPr>
+          <a:xfrm>
+            <a:off x="7315200" y="2423160"/>
+            <a:ext cx="5029200" cy="960120"/>
+          </a:xfrm>
+          <a:prstGeom prst="rect">
+            <a:avLst/>
+          </a:prstGeom>
+          <a:noFill/>
+          <a:ln/>
+        </p:spPr>
+        <p:txBody>
+          <a:bodyPr wrap="square" rtlCol="0" anchor="ctr"/>
+          <a:lstStyle/>
+          <a:p>
+            <a:pPr marL="0" indent="0">
+              <a:buNone/>
+            </a:pPr>
+            <a:r>
+              <a:rPr lang="en-US" sz="2000" dirty="0">
+                <a:solidFill>
+                  <a:srgbClr val="757575"/>
+                </a:solidFill>
+                <a:latin typeface="Roboto" pitchFamily="34" charset="0"/>
+                <a:ea typeface="Roboto" pitchFamily="34" charset="-122"/>
+                <a:cs typeface="Roboto" pitchFamily="34" charset="-120"/>
+              </a:rPr>
+              <a:t>Self-attention </a:t>
+            </a:r>
+            <a:endParaRPr lang="en-US" sz="2000" dirty="0"/>
+          </a:p>
+        </p:txBody>
+      </p:sp>
+      <p:sp>
+        <p:nvSpPr>
+          <p:cNvPr id="26" name="Shape 24"/>
+          <p:cNvSpPr/>
+          <p:nvPr/>
+        </p:nvSpPr>
+        <p:spPr>
+          <a:xfrm>
+            <a:off x="457200" y="3474720"/>
+            <a:ext cx="1828800" cy="960120"/>
+          </a:xfrm>
+          <a:prstGeom prst="rect">
+            <a:avLst/>
+          </a:prstGeom>
+          <a:solidFill>
+            <a:srgbClr val="FFF8E1"/>
+          </a:solidFill>
+          <a:ln w="12700">
+            <a:solidFill>
+              <a:srgbClr val="BDBDBD"/>
+            </a:solidFill>
+            <a:prstDash val="solid"/>
+          </a:ln>
+        </p:spPr>
+      </p:sp>
+      <p:sp>
+        <p:nvSpPr>
+          <p:cNvPr id="27" name="Text 25"/>
+          <p:cNvSpPr/>
+          <p:nvPr/>
+        </p:nvSpPr>
+        <p:spPr>
+          <a:xfrm>
+            <a:off x="457200" y="3474720"/>
+            <a:ext cx="1828800" cy="960120"/>
+          </a:xfrm>
+          <a:prstGeom prst="rect">
+            <a:avLst/>
+          </a:prstGeom>
+          <a:noFill/>
+          <a:ln/>
+        </p:spPr>
+        <p:txBody>
+          <a:bodyPr wrap="square" rtlCol="0" anchor="ctr"/>
+          <a:lstStyle/>
+          <a:p>
+            <a:pPr marL="0" indent="0" algn="ctr">
+              <a:buNone/>
+            </a:pPr>
+            <a:r>
+              <a:rPr lang="en-US" dirty="0">
+                <a:solidFill>
+                  <a:srgbClr val="212121"/>
+                </a:solidFill>
+                <a:latin typeface="Roboto" pitchFamily="34" charset="0"/>
+                <a:ea typeface="Roboto" pitchFamily="34" charset="-122"/>
+                <a:cs typeface="Roboto" pitchFamily="34" charset="-120"/>
+              </a:rPr>
+              <a:t>CLS token</a:t>
+            </a:r>
+            <a:endParaRPr lang="en-US" dirty="0"/>
+          </a:p>
+          <a:p>
+            <a:pPr marL="0" indent="0" algn="ctr">
+              <a:buNone/>
+            </a:pPr>
+            <a:r>
+              <a:rPr lang="en-US" dirty="0">
+                <a:solidFill>
+                  <a:srgbClr val="212121"/>
+                </a:solidFill>
+                <a:latin typeface="Roboto" pitchFamily="34" charset="0"/>
+                <a:ea typeface="Roboto" pitchFamily="34" charset="-122"/>
+                <a:cs typeface="Roboto" pitchFamily="34" charset="-120"/>
+              </a:rPr>
+              <a:t>(768-dim)</a:t>
+            </a:r>
+            <a:endParaRPr lang="en-US" dirty="0"/>
+          </a:p>
+        </p:txBody>
+      </p:sp>
+      <p:sp>
+        <p:nvSpPr>
+          <p:cNvPr id="28" name="Text 26"/>
+          <p:cNvSpPr/>
+          <p:nvPr/>
+        </p:nvSpPr>
+        <p:spPr>
+          <a:xfrm>
+            <a:off x="2286000" y="3474720"/>
+            <a:ext cx="548640" cy="960120"/>
+          </a:xfrm>
+          <a:prstGeom prst="rect">
+            <a:avLst/>
+          </a:prstGeom>
+          <a:noFill/>
+          <a:ln/>
+        </p:spPr>
+        <p:txBody>
+          <a:bodyPr wrap="square" rtlCol="0" anchor="ctr"/>
+          <a:lstStyle/>
+          <a:p>
+            <a:pPr marL="0" indent="0" algn="ctr">
+              <a:buNone/>
+            </a:pPr>
+            <a:r>
+              <a:rPr lang="en-US" sz="3600" dirty="0">
+                <a:solidFill>
+                  <a:srgbClr val="BDBDBD"/>
+                </a:solidFill>
+                <a:latin typeface="Roboto" pitchFamily="34" charset="0"/>
+                <a:ea typeface="Roboto" pitchFamily="34" charset="-122"/>
+                <a:cs typeface="Roboto" pitchFamily="34" charset="-120"/>
+              </a:rPr>
+              <a:t>→</a:t>
+            </a:r>
+            <a:endParaRPr lang="en-US" sz="3600" dirty="0"/>
+          </a:p>
+        </p:txBody>
+      </p:sp>
+      <p:sp>
+        <p:nvSpPr>
+          <p:cNvPr id="29" name="Shape 27"/>
+          <p:cNvSpPr/>
+          <p:nvPr/>
+        </p:nvSpPr>
+        <p:spPr>
+          <a:xfrm>
+            <a:off x="2834640" y="3474720"/>
+            <a:ext cx="1828800" cy="960120"/>
+          </a:xfrm>
+          <a:prstGeom prst="rect">
+            <a:avLst/>
+          </a:prstGeom>
+          <a:solidFill>
+            <a:srgbClr val="1565C0"/>
+          </a:solidFill>
+          <a:ln/>
+        </p:spPr>
+      </p:sp>
+      <p:sp>
+        <p:nvSpPr>
+          <p:cNvPr id="30" name="Text 28"/>
+          <p:cNvSpPr/>
+          <p:nvPr/>
+        </p:nvSpPr>
+        <p:spPr>
+          <a:xfrm>
+            <a:off x="2834640" y="3474720"/>
+            <a:ext cx="1828800" cy="960120"/>
+          </a:xfrm>
+          <a:prstGeom prst="rect">
+            <a:avLst/>
+          </a:prstGeom>
+          <a:noFill/>
+          <a:ln/>
+        </p:spPr>
+        <p:txBody>
+          <a:bodyPr wrap="square" rtlCol="0" anchor="ctr"/>
+          <a:lstStyle/>
+          <a:p>
+            <a:pPr marL="0" indent="0" algn="ctr">
+              <a:buNone/>
+            </a:pPr>
+            <a:r>
+              <a:rPr lang="en-US" sz="2000" b="1" dirty="0">
+                <a:solidFill>
+                  <a:srgbClr val="FFFFFF"/>
+                </a:solidFill>
+                <a:latin typeface="Roboto" pitchFamily="34" charset="0"/>
+                <a:ea typeface="Roboto" pitchFamily="34" charset="-122"/>
+                <a:cs typeface="Roboto" pitchFamily="34" charset="-120"/>
+              </a:rPr>
+              <a:t>MLP</a:t>
+            </a:r>
+            <a:endParaRPr lang="en-US" sz="2000" dirty="0"/>
+          </a:p>
+          <a:p>
+            <a:pPr marL="0" indent="0" algn="ctr">
+              <a:buNone/>
+            </a:pPr>
+            <a:r>
+              <a:rPr lang="en-US" sz="2000" b="1" dirty="0">
+                <a:solidFill>
+                  <a:srgbClr val="FFFFFF"/>
+                </a:solidFill>
+                <a:latin typeface="Roboto" pitchFamily="34" charset="0"/>
+                <a:ea typeface="Roboto" pitchFamily="34" charset="-122"/>
+                <a:cs typeface="Roboto" pitchFamily="34" charset="-120"/>
+              </a:rPr>
+              <a:t>Head</a:t>
+            </a:r>
+            <a:endParaRPr lang="en-US" sz="2000" dirty="0"/>
+          </a:p>
+        </p:txBody>
+      </p:sp>
+      <p:sp>
+        <p:nvSpPr>
+          <p:cNvPr id="31" name="Text 29"/>
+          <p:cNvSpPr/>
+          <p:nvPr/>
+        </p:nvSpPr>
+        <p:spPr>
+          <a:xfrm>
+            <a:off x="4663440" y="3474720"/>
+            <a:ext cx="548640" cy="960120"/>
+          </a:xfrm>
+          <a:prstGeom prst="rect">
+            <a:avLst/>
+          </a:prstGeom>
+          <a:noFill/>
+          <a:ln/>
+        </p:spPr>
+        <p:txBody>
+          <a:bodyPr wrap="square" rtlCol="0" anchor="ctr"/>
+          <a:lstStyle/>
+          <a:p>
+            <a:pPr marL="0" indent="0" algn="ctr">
+              <a:buNone/>
+            </a:pPr>
+            <a:r>
+              <a:rPr lang="en-US" sz="3600" dirty="0">
+                <a:solidFill>
+                  <a:srgbClr val="BDBDBD"/>
+                </a:solidFill>
+                <a:latin typeface="Roboto" pitchFamily="34" charset="0"/>
+                <a:ea typeface="Roboto" pitchFamily="34" charset="-122"/>
+                <a:cs typeface="Roboto" pitchFamily="34" charset="-120"/>
+              </a:rPr>
+              <a:t>→</a:t>
+            </a:r>
+            <a:endParaRPr lang="en-US" sz="3600" dirty="0"/>
+          </a:p>
+        </p:txBody>
+      </p:sp>
+      <p:sp>
+        <p:nvSpPr>
+          <p:cNvPr id="32" name="Shape 30"/>
+          <p:cNvSpPr/>
+          <p:nvPr/>
+        </p:nvSpPr>
+        <p:spPr>
+          <a:xfrm>
+            <a:off x="5212080" y="3474720"/>
+            <a:ext cx="1828800" cy="960120"/>
+          </a:xfrm>
+          <a:prstGeom prst="rect">
+            <a:avLst/>
+          </a:prstGeom>
+          <a:solidFill>
+            <a:srgbClr val="FFF8E1"/>
+          </a:solidFill>
+          <a:ln w="12700">
+            <a:solidFill>
+              <a:srgbClr val="BDBDBD"/>
+            </a:solidFill>
+            <a:prstDash val="solid"/>
+          </a:ln>
+        </p:spPr>
+      </p:sp>
+      <p:sp>
+        <p:nvSpPr>
+          <p:cNvPr id="33" name="Text 31"/>
+          <p:cNvSpPr/>
+          <p:nvPr/>
+        </p:nvSpPr>
+        <p:spPr>
+          <a:xfrm>
+            <a:off x="5212080" y="3474720"/>
+            <a:ext cx="1828800" cy="960120"/>
+          </a:xfrm>
+          <a:prstGeom prst="rect">
+            <a:avLst/>
+          </a:prstGeom>
+          <a:noFill/>
+          <a:ln/>
+        </p:spPr>
+        <p:txBody>
+          <a:bodyPr wrap="square" rtlCol="0" anchor="ctr"/>
+          <a:lstStyle/>
+          <a:p>
+            <a:pPr marL="0" indent="0" algn="ctr">
+              <a:buNone/>
+            </a:pPr>
+            <a:r>
+              <a:rPr lang="en-US" dirty="0">
+                <a:solidFill>
+                  <a:srgbClr val="212121"/>
+                </a:solidFill>
+                <a:latin typeface="Roboto" pitchFamily="34" charset="0"/>
+                <a:ea typeface="Roboto" pitchFamily="34" charset="-122"/>
+                <a:cs typeface="Roboto" pitchFamily="34" charset="-120"/>
+              </a:rPr>
+              <a:t>Logits</a:t>
+            </a:r>
+            <a:endParaRPr lang="en-US" dirty="0"/>
+          </a:p>
+          <a:p>
+            <a:pPr marL="0" indent="0" algn="ctr">
+              <a:buNone/>
+            </a:pPr>
+            <a:r>
+              <a:rPr lang="en-US" dirty="0">
+                <a:solidFill>
+                  <a:srgbClr val="212121"/>
+                </a:solidFill>
+                <a:latin typeface="Roboto" pitchFamily="34" charset="0"/>
+                <a:ea typeface="Roboto" pitchFamily="34" charset="-122"/>
+                <a:cs typeface="Roboto" pitchFamily="34" charset="-120"/>
+              </a:rPr>
+              <a:t>(65536-dim)</a:t>
+            </a:r>
+            <a:endParaRPr lang="en-US" dirty="0"/>
+          </a:p>
+        </p:txBody>
+      </p:sp>
+      <p:sp>
+        <p:nvSpPr>
+          <p:cNvPr id="34" name="Text 32"/>
+          <p:cNvSpPr/>
+          <p:nvPr/>
+        </p:nvSpPr>
+        <p:spPr>
+          <a:xfrm>
+            <a:off x="7315200" y="3474720"/>
+            <a:ext cx="5029200" cy="960120"/>
+          </a:xfrm>
+          <a:prstGeom prst="rect">
+            <a:avLst/>
+          </a:prstGeom>
+          <a:noFill/>
+          <a:ln/>
+        </p:spPr>
+        <p:txBody>
+          <a:bodyPr wrap="square" rtlCol="0" anchor="ctr"/>
+          <a:lstStyle/>
+          <a:p>
+            <a:pPr marL="0" indent="0">
+              <a:buNone/>
+            </a:pPr>
+            <a:r>
+              <a:rPr lang="en-US" sz="2000" dirty="0">
+                <a:solidFill>
+                  <a:srgbClr val="757575"/>
+                </a:solidFill>
+                <a:latin typeface="Roboto" pitchFamily="34" charset="0"/>
+                <a:ea typeface="Roboto" pitchFamily="34" charset="-122"/>
+                <a:cs typeface="Roboto" pitchFamily="34" charset="-120"/>
+              </a:rPr>
+              <a:t>768 → 2048 → 2048 → 65536</a:t>
+            </a:r>
+            <a:endParaRPr lang="en-US" sz="2000" dirty="0"/>
+          </a:p>
+        </p:txBody>
+      </p:sp>
+      <p:sp>
+        <p:nvSpPr>
+          <p:cNvPr id="35" name="Shape 33"/>
+          <p:cNvSpPr/>
+          <p:nvPr/>
+        </p:nvSpPr>
+        <p:spPr>
+          <a:xfrm>
+            <a:off x="457200" y="4526280"/>
+            <a:ext cx="1828800" cy="960120"/>
+          </a:xfrm>
+          <a:prstGeom prst="rect">
+            <a:avLst/>
+          </a:prstGeom>
+          <a:solidFill>
+            <a:srgbClr val="FFF8E1"/>
+          </a:solidFill>
+          <a:ln w="12700">
+            <a:solidFill>
+              <a:srgbClr val="BDBDBD"/>
+            </a:solidFill>
+            <a:prstDash val="solid"/>
+          </a:ln>
+        </p:spPr>
+      </p:sp>
+      <p:sp>
+        <p:nvSpPr>
+          <p:cNvPr id="36" name="Text 34"/>
+          <p:cNvSpPr/>
+          <p:nvPr/>
+        </p:nvSpPr>
+        <p:spPr>
+          <a:xfrm>
+            <a:off x="457200" y="4526280"/>
+            <a:ext cx="1828800" cy="960120"/>
+          </a:xfrm>
+          <a:prstGeom prst="rect">
+            <a:avLst/>
+          </a:prstGeom>
+          <a:noFill/>
+          <a:ln/>
+        </p:spPr>
+        <p:txBody>
+          <a:bodyPr wrap="square" rtlCol="0" anchor="ctr"/>
+          <a:lstStyle/>
+          <a:p>
+            <a:pPr marL="0" indent="0" algn="ctr">
+              <a:buNone/>
+            </a:pPr>
+            <a:r>
+              <a:rPr lang="en-US" dirty="0">
+                <a:solidFill>
+                  <a:srgbClr val="212121"/>
+                </a:solidFill>
+                <a:latin typeface="Roboto" pitchFamily="34" charset="0"/>
+                <a:ea typeface="Roboto" pitchFamily="34" charset="-122"/>
+                <a:cs typeface="Roboto" pitchFamily="34" charset="-120"/>
+              </a:rPr>
+              <a:t>Logits</a:t>
+            </a:r>
+            <a:endParaRPr lang="en-US" dirty="0"/>
+          </a:p>
+          <a:p>
+            <a:pPr marL="0" indent="0" algn="ctr">
+              <a:buNone/>
+            </a:pPr>
+            <a:r>
+              <a:rPr lang="en-US" dirty="0">
+                <a:solidFill>
+                  <a:srgbClr val="212121"/>
+                </a:solidFill>
+                <a:latin typeface="Roboto" pitchFamily="34" charset="0"/>
+                <a:ea typeface="Roboto" pitchFamily="34" charset="-122"/>
+                <a:cs typeface="Roboto" pitchFamily="34" charset="-120"/>
+              </a:rPr>
+              <a:t>(65536-dim)</a:t>
+            </a:r>
+            <a:endParaRPr lang="en-US" dirty="0"/>
+          </a:p>
+        </p:txBody>
+      </p:sp>
+      <p:sp>
+        <p:nvSpPr>
+          <p:cNvPr id="37" name="Text 35"/>
+          <p:cNvSpPr/>
+          <p:nvPr/>
+        </p:nvSpPr>
+        <p:spPr>
+          <a:xfrm>
+            <a:off x="2286000" y="4526280"/>
+            <a:ext cx="548640" cy="960120"/>
+          </a:xfrm>
+          <a:prstGeom prst="rect">
+            <a:avLst/>
+          </a:prstGeom>
+          <a:noFill/>
+          <a:ln/>
+        </p:spPr>
+        <p:txBody>
+          <a:bodyPr wrap="square" rtlCol="0" anchor="ctr"/>
+          <a:lstStyle/>
+          <a:p>
+            <a:pPr marL="0" indent="0" algn="ctr">
+              <a:buNone/>
+            </a:pPr>
+            <a:r>
+              <a:rPr lang="en-US" sz="3600" dirty="0">
+                <a:solidFill>
+                  <a:srgbClr val="BDBDBD"/>
+                </a:solidFill>
+                <a:latin typeface="Roboto" pitchFamily="34" charset="0"/>
+                <a:ea typeface="Roboto" pitchFamily="34" charset="-122"/>
+                <a:cs typeface="Roboto" pitchFamily="34" charset="-120"/>
+              </a:rPr>
+              <a:t>→</a:t>
+            </a:r>
+            <a:endParaRPr lang="en-US" sz="3600" dirty="0"/>
+          </a:p>
+        </p:txBody>
+      </p:sp>
+      <p:sp>
+        <p:nvSpPr>
+          <p:cNvPr id="38" name="Shape 36"/>
+          <p:cNvSpPr/>
+          <p:nvPr/>
+        </p:nvSpPr>
+        <p:spPr>
+          <a:xfrm>
+            <a:off x="2834640" y="4526280"/>
+            <a:ext cx="1828800" cy="960120"/>
+          </a:xfrm>
+          <a:prstGeom prst="rect">
+            <a:avLst/>
+          </a:prstGeom>
+          <a:solidFill>
+            <a:srgbClr val="1565C0"/>
+          </a:solidFill>
+          <a:ln/>
+        </p:spPr>
+      </p:sp>
+      <p:sp>
+        <p:nvSpPr>
+          <p:cNvPr id="39" name="Text 37"/>
+          <p:cNvSpPr/>
+          <p:nvPr/>
+        </p:nvSpPr>
+        <p:spPr>
+          <a:xfrm>
+            <a:off x="2834640" y="4526280"/>
+            <a:ext cx="1828800" cy="960120"/>
+          </a:xfrm>
+          <a:prstGeom prst="rect">
+            <a:avLst/>
+          </a:prstGeom>
+          <a:noFill/>
+          <a:ln/>
+        </p:spPr>
+        <p:txBody>
+          <a:bodyPr wrap="square" rtlCol="0" anchor="ctr"/>
+          <a:lstStyle/>
+          <a:p>
+            <a:pPr marL="0" indent="0" algn="ctr">
+              <a:buNone/>
+            </a:pPr>
+            <a:r>
+              <a:rPr lang="en-US" sz="2000" b="1" dirty="0">
+                <a:solidFill>
+                  <a:srgbClr val="FFFFFF"/>
+                </a:solidFill>
+                <a:latin typeface="Roboto" pitchFamily="34" charset="0"/>
+                <a:ea typeface="Roboto" pitchFamily="34" charset="-122"/>
+                <a:cs typeface="Roboto" pitchFamily="34" charset="-120"/>
+              </a:rPr>
+              <a:t>Softmax</a:t>
+            </a:r>
+            <a:endParaRPr lang="en-US" sz="2000" dirty="0"/>
+          </a:p>
+          <a:p>
+            <a:pPr marL="0" indent="0" algn="ctr">
+              <a:buNone/>
+            </a:pPr>
+            <a:r>
+              <a:rPr lang="en-US" sz="2000" b="1" dirty="0">
+                <a:solidFill>
+                  <a:srgbClr val="FFFFFF"/>
+                </a:solidFill>
+                <a:latin typeface="Roboto" pitchFamily="34" charset="0"/>
+                <a:ea typeface="Roboto" pitchFamily="34" charset="-122"/>
+                <a:cs typeface="Roboto" pitchFamily="34" charset="-120"/>
+              </a:rPr>
+              <a:t>(τ=0.1)</a:t>
+            </a:r>
+            <a:endParaRPr lang="en-US" sz="2000" dirty="0"/>
+          </a:p>
+        </p:txBody>
+      </p:sp>
+      <p:sp>
+        <p:nvSpPr>
+          <p:cNvPr id="40" name="Text 38"/>
+          <p:cNvSpPr/>
+          <p:nvPr/>
+        </p:nvSpPr>
+        <p:spPr>
+          <a:xfrm>
+            <a:off x="4663440" y="4526280"/>
+            <a:ext cx="548640" cy="960120"/>
+          </a:xfrm>
+          <a:prstGeom prst="rect">
+            <a:avLst/>
+          </a:prstGeom>
+          <a:noFill/>
+          <a:ln/>
+        </p:spPr>
+        <p:txBody>
+          <a:bodyPr wrap="square" rtlCol="0" anchor="ctr"/>
+          <a:lstStyle/>
+          <a:p>
+            <a:pPr marL="0" indent="0" algn="ctr">
+              <a:buNone/>
+            </a:pPr>
+            <a:r>
+              <a:rPr lang="en-US" sz="3600" dirty="0">
+                <a:solidFill>
+                  <a:srgbClr val="BDBDBD"/>
+                </a:solidFill>
+                <a:latin typeface="Roboto" pitchFamily="34" charset="0"/>
+                <a:ea typeface="Roboto" pitchFamily="34" charset="-122"/>
+                <a:cs typeface="Roboto" pitchFamily="34" charset="-120"/>
+              </a:rPr>
+              <a:t>→</a:t>
+            </a:r>
+            <a:endParaRPr lang="en-US" sz="3600" dirty="0"/>
+          </a:p>
+        </p:txBody>
+      </p:sp>
+      <p:sp>
+        <p:nvSpPr>
+          <p:cNvPr id="41" name="Shape 39"/>
+          <p:cNvSpPr/>
+          <p:nvPr/>
+        </p:nvSpPr>
+        <p:spPr>
+          <a:xfrm>
+            <a:off x="5212080" y="4526280"/>
+            <a:ext cx="1828800" cy="960120"/>
+          </a:xfrm>
+          <a:prstGeom prst="rect">
+            <a:avLst/>
+          </a:prstGeom>
+          <a:solidFill>
+            <a:srgbClr val="FFF8E1"/>
+          </a:solidFill>
+          <a:ln w="12700">
+            <a:solidFill>
+              <a:srgbClr val="BDBDBD"/>
+            </a:solidFill>
+            <a:prstDash val="solid"/>
+          </a:ln>
+        </p:spPr>
+      </p:sp>
+      <p:sp>
+        <p:nvSpPr>
+          <p:cNvPr id="42" name="Text 40"/>
+          <p:cNvSpPr/>
+          <p:nvPr/>
+        </p:nvSpPr>
+        <p:spPr>
+          <a:xfrm>
+            <a:off x="5212080" y="4526280"/>
+            <a:ext cx="1828800" cy="960120"/>
+          </a:xfrm>
+          <a:prstGeom prst="rect">
+            <a:avLst/>
+          </a:prstGeom>
+          <a:noFill/>
+          <a:ln/>
+        </p:spPr>
+        <p:txBody>
+          <a:bodyPr wrap="square" rtlCol="0" anchor="ctr"/>
+          <a:lstStyle/>
+          <a:p>
+            <a:pPr algn="ctr"/>
+            <a:r>
+              <a:rPr lang="en-US" dirty="0">
+                <a:solidFill>
+                  <a:srgbClr val="212121"/>
+                </a:solidFill>
+                <a:latin typeface="Roboto" pitchFamily="34" charset="0"/>
+                <a:ea typeface="Roboto" pitchFamily="34" charset="-122"/>
+                <a:cs typeface="Roboto" pitchFamily="34" charset="-120"/>
+              </a:rPr>
               <a:t>P</a:t>
             </a:r>
             <a:r>
-              <a:rPr lang="en-US" sz="1500" baseline="-25000" dirty="0">
+              <a:rPr lang="en-US" baseline="-25000" dirty="0">
                 <a:solidFill>
                   <a:srgbClr val="212121"/>
                 </a:solidFill>
@@ -19135,16 +20258,10 @@
                 <a:ea typeface="Roboto" pitchFamily="34" charset="-122"/>
                 <a:cs typeface="Roboto" pitchFamily="34" charset="-120"/>
               </a:rPr>
-              <a:t>2</a:t>
-            </a:r>
-            <a:endParaRPr lang="en-US" sz="1500" baseline="-25000" dirty="0"/>
-          </a:p>
-          <a:p>
-            <a:pPr marL="0" indent="0" algn="ctr">
-              <a:buNone/>
-            </a:pPr>
-            <a:r>
-              <a:rPr lang="en-US" sz="1500" dirty="0">
+              <a:t>1</a:t>
+            </a:r>
+            <a:br>
+              <a:rPr lang="en-US" baseline="-25000" dirty="0">
                 <a:solidFill>
                   <a:srgbClr val="212121"/>
                 </a:solidFill>
@@ -19152,22 +20269,32 @@
                 <a:ea typeface="Roboto" pitchFamily="34" charset="-122"/>
                 <a:cs typeface="Roboto" pitchFamily="34" charset="-120"/>
               </a:rPr>
-              <a:t>K dims</a:t>
-            </a:r>
-            <a:endParaRPr lang="en-US" sz="1500" dirty="0"/>
-          </a:p>
-        </p:txBody>
-      </p:sp>
-      <p:sp>
-        <p:nvSpPr>
-          <p:cNvPr id="19" name="Text 17"/>
-          <p:cNvSpPr/>
-          <p:nvPr/>
-        </p:nvSpPr>
-        <p:spPr>
-          <a:xfrm>
-            <a:off x="457200" y="4114800"/>
-            <a:ext cx="3657600" cy="457200"/>
+            </a:br>
+            <a:r>
+              <a:rPr lang="en-US" dirty="0">
+                <a:solidFill>
+                  <a:srgbClr val="212121"/>
+                </a:solidFill>
+                <a:latin typeface="Roboto" pitchFamily="34" charset="0"/>
+                <a:ea typeface="Roboto" pitchFamily="34" charset="-122"/>
+                <a:cs typeface="Roboto" pitchFamily="34" charset="-120"/>
+              </a:rPr>
+              <a:t>(xác suất)</a:t>
+            </a:r>
+            <a:endParaRPr lang="en-US" dirty="0"/>
+          </a:p>
+        </p:txBody>
+      </p:sp>
+      <p:sp>
+        <p:nvSpPr>
+          <p:cNvPr id="43" name="Text 41"/>
+          <p:cNvSpPr/>
+          <p:nvPr/>
+        </p:nvSpPr>
+        <p:spPr>
+          <a:xfrm>
+            <a:off x="7315200" y="4526280"/>
+            <a:ext cx="5029200" cy="960120"/>
           </a:xfrm>
           <a:prstGeom prst="rect">
             <a:avLst/>
@@ -19183,118 +20310,23 @@
               <a:buNone/>
             </a:pPr>
             <a:r>
-              <a:rPr lang="en-US" sz="2200" b="1" dirty="0">
-                <a:solidFill>
-                  <a:srgbClr val="2E7D32"/>
-                </a:solidFill>
-                <a:latin typeface="Roboto" pitchFamily="34" charset="0"/>
-                <a:ea typeface="Roboto" pitchFamily="34" charset="-122"/>
-                <a:cs typeface="Roboto" pitchFamily="34" charset="-120"/>
-              </a:rPr>
-              <a:t>So </a:t>
-            </a:r>
-            <a:r>
-              <a:rPr lang="en-US" sz="2200" b="1" dirty="0" err="1">
-                <a:solidFill>
-                  <a:srgbClr val="2E7D32"/>
-                </a:solidFill>
-                <a:latin typeface="Roboto" pitchFamily="34" charset="0"/>
-                <a:ea typeface="Roboto" pitchFamily="34" charset="-122"/>
-                <a:cs typeface="Roboto" pitchFamily="34" charset="-120"/>
-              </a:rPr>
-              <a:t>sánh</a:t>
-            </a:r>
-            <a:r>
-              <a:rPr lang="en-US" sz="2200" b="1" dirty="0">
-                <a:solidFill>
-                  <a:srgbClr val="2E7D32"/>
-                </a:solidFill>
-                <a:latin typeface="Roboto" pitchFamily="34" charset="0"/>
-                <a:ea typeface="Roboto" pitchFamily="34" charset="-122"/>
-                <a:cs typeface="Roboto" pitchFamily="34" charset="-120"/>
-              </a:rPr>
-              <a:t> với Student</a:t>
-            </a:r>
-            <a:endParaRPr lang="en-US" sz="2200" dirty="0"/>
-          </a:p>
-        </p:txBody>
-      </p:sp>
-      <p:sp>
-        <p:nvSpPr>
-          <p:cNvPr id="20" name="Text 18"/>
-          <p:cNvSpPr/>
-          <p:nvPr/>
-        </p:nvSpPr>
-        <p:spPr>
-          <a:xfrm>
-            <a:off x="457200" y="4663440"/>
-            <a:ext cx="11274552" cy="1188720"/>
-          </a:xfrm>
-          <a:prstGeom prst="rect">
-            <a:avLst/>
-          </a:prstGeom>
-          <a:noFill/>
-          <a:ln/>
-        </p:spPr>
-        <p:txBody>
-          <a:bodyPr wrap="square" rtlCol="0" anchor="ctr"/>
-          <a:lstStyle/>
-          <a:p>
-            <a:pPr marL="0" indent="0">
-              <a:buNone/>
-            </a:pPr>
-            <a:r>
               <a:rPr lang="en-US" sz="2000" dirty="0">
                 <a:solidFill>
-                  <a:srgbClr val="212121"/>
-                </a:solidFill>
-                <a:latin typeface="Roboto" pitchFamily="34" charset="0"/>
-                <a:ea typeface="Roboto" pitchFamily="34" charset="-122"/>
-                <a:cs typeface="Roboto" pitchFamily="34" charset="-120"/>
-              </a:rPr>
-              <a:t>• Input: Global crops (224×224) - thấy nhiều hơn</a:t>
+                  <a:srgbClr val="757575"/>
+                </a:solidFill>
+                <a:latin typeface="Roboto" pitchFamily="34" charset="0"/>
+                <a:ea typeface="Roboto" pitchFamily="34" charset="-122"/>
+                <a:cs typeface="Roboto" pitchFamily="34" charset="-120"/>
+              </a:rPr>
+              <a:t>Chuyển scores thành probability distribution</a:t>
             </a:r>
             <a:endParaRPr lang="en-US" sz="2000" dirty="0"/>
           </a:p>
-          <a:p>
-            <a:pPr marL="0" indent="0">
-              <a:buNone/>
-            </a:pPr>
-            <a:r>
-              <a:rPr lang="en-US" sz="2000" dirty="0">
-                <a:solidFill>
-                  <a:srgbClr val="212121"/>
-                </a:solidFill>
-                <a:latin typeface="Roboto" pitchFamily="34" charset="0"/>
-                <a:ea typeface="Roboto" pitchFamily="34" charset="-122"/>
-                <a:cs typeface="Roboto" pitchFamily="34" charset="-120"/>
-              </a:rPr>
-              <a:t>• Có thêm Centering: output ← output - c</a:t>
-            </a:r>
-            <a:endParaRPr lang="en-US" sz="2000" dirty="0"/>
-          </a:p>
-          <a:p>
-            <a:pPr marL="0" indent="0">
-              <a:buNone/>
-            </a:pPr>
-            <a:r>
-              <a:rPr lang="en-US" sz="2000" dirty="0">
-                <a:solidFill>
-                  <a:srgbClr val="212121"/>
-                </a:solidFill>
-                <a:latin typeface="Roboto" pitchFamily="34" charset="0"/>
-                <a:ea typeface="Roboto" pitchFamily="34" charset="-122"/>
-                <a:cs typeface="Roboto" pitchFamily="34" charset="-120"/>
-              </a:rPr>
-              <a:t>• KHÔNG train trực tiếp - dùng EMA từ student</a:t>
-            </a:r>
-            <a:endParaRPr lang="en-US" sz="2000" dirty="0"/>
-          </a:p>
-        </p:txBody>
-      </p:sp>
-      <p:sp>
-        <p:nvSpPr>
-          <p:cNvPr id="21" name="Shape 19"/>
+        </p:txBody>
+      </p:sp>
+      <p:sp>
+        <p:nvSpPr>
+          <p:cNvPr id="47" name="Shape 45"/>
           <p:cNvSpPr/>
           <p:nvPr/>
         </p:nvSpPr>
@@ -19314,7 +20346,7 @@
       </p:sp>
       <p:sp>
         <p:nvSpPr>
-          <p:cNvPr id="22" name="Text 20"/>
+          <p:cNvPr id="48" name="Text 46"/>
           <p:cNvSpPr/>
           <p:nvPr/>
         </p:nvSpPr>
@@ -19337,7 +20369,7 @@
               <a:buNone/>
             </a:pPr>
             <a:r>
-              <a:rPr lang="en-US" sz="1000" dirty="0">
+              <a:rPr lang="en-US" sz="1400" dirty="0">
                 <a:solidFill>
                   <a:srgbClr val="424242"/>
                 </a:solidFill>
@@ -19347,13 +20379,13 @@
               </a:rPr>
               <a:t>Hook</a:t>
             </a:r>
-            <a:endParaRPr lang="en-US" sz="1000" dirty="0"/>
-          </a:p>
-        </p:txBody>
-      </p:sp>
-      <p:sp>
-        <p:nvSpPr>
-          <p:cNvPr id="23" name="Shape 21"/>
+            <a:endParaRPr lang="en-US" sz="1400" dirty="0"/>
+          </a:p>
+        </p:txBody>
+      </p:sp>
+      <p:sp>
+        <p:nvSpPr>
+          <p:cNvPr id="49" name="Shape 47"/>
           <p:cNvSpPr/>
           <p:nvPr/>
         </p:nvSpPr>
@@ -19373,7 +20405,7 @@
       </p:sp>
       <p:sp>
         <p:nvSpPr>
-          <p:cNvPr id="24" name="Text 22"/>
+          <p:cNvPr id="50" name="Text 48"/>
           <p:cNvSpPr/>
           <p:nvPr/>
         </p:nvSpPr>
@@ -19396,7 +20428,7 @@
               <a:buNone/>
             </a:pPr>
             <a:r>
-              <a:rPr lang="en-US" sz="1000" dirty="0">
+              <a:rPr lang="en-US" sz="1400" dirty="0">
                 <a:solidFill>
                   <a:srgbClr val="FFFFFF"/>
                 </a:solidFill>
@@ -19406,13 +20438,13 @@
               </a:rPr>
               <a:t>DINOv1</a:t>
             </a:r>
-            <a:endParaRPr lang="en-US" sz="1000" dirty="0"/>
-          </a:p>
-        </p:txBody>
-      </p:sp>
-      <p:sp>
-        <p:nvSpPr>
-          <p:cNvPr id="25" name="Shape 23"/>
+            <a:endParaRPr lang="en-US" sz="1400" dirty="0"/>
+          </a:p>
+        </p:txBody>
+      </p:sp>
+      <p:sp>
+        <p:nvSpPr>
+          <p:cNvPr id="51" name="Shape 49"/>
           <p:cNvSpPr/>
           <p:nvPr/>
         </p:nvSpPr>
@@ -19432,7 +20464,7 @@
       </p:sp>
       <p:sp>
         <p:nvSpPr>
-          <p:cNvPr id="26" name="Text 24"/>
+          <p:cNvPr id="52" name="Text 50"/>
           <p:cNvSpPr/>
           <p:nvPr/>
         </p:nvSpPr>
@@ -19455,7 +20487,7 @@
               <a:buNone/>
             </a:pPr>
             <a:r>
-              <a:rPr lang="en-US" sz="1000" dirty="0">
+              <a:rPr lang="en-US" sz="1400" dirty="0">
                 <a:solidFill>
                   <a:srgbClr val="424242"/>
                 </a:solidFill>
@@ -19465,13 +20497,13 @@
               </a:rPr>
               <a:t>DINOv2</a:t>
             </a:r>
-            <a:endParaRPr lang="en-US" sz="1000" dirty="0"/>
-          </a:p>
-        </p:txBody>
-      </p:sp>
-      <p:sp>
-        <p:nvSpPr>
-          <p:cNvPr id="27" name="Shape 25"/>
+            <a:endParaRPr lang="en-US" sz="1400" dirty="0"/>
+          </a:p>
+        </p:txBody>
+      </p:sp>
+      <p:sp>
+        <p:nvSpPr>
+          <p:cNvPr id="53" name="Shape 51"/>
           <p:cNvSpPr/>
           <p:nvPr/>
         </p:nvSpPr>
@@ -19491,7 +20523,7 @@
       </p:sp>
       <p:sp>
         <p:nvSpPr>
-          <p:cNvPr id="28" name="Text 26"/>
+          <p:cNvPr id="54" name="Text 52"/>
           <p:cNvSpPr/>
           <p:nvPr/>
         </p:nvSpPr>
@@ -19514,7 +20546,7 @@
               <a:buNone/>
             </a:pPr>
             <a:r>
-              <a:rPr lang="en-US" sz="1000" dirty="0">
+              <a:rPr lang="en-US" sz="1400" dirty="0">
                 <a:solidFill>
                   <a:srgbClr val="424242"/>
                 </a:solidFill>
@@ -19524,13 +20556,13 @@
               </a:rPr>
               <a:t>DINOv3</a:t>
             </a:r>
-            <a:endParaRPr lang="en-US" sz="1000" dirty="0"/>
-          </a:p>
-        </p:txBody>
-      </p:sp>
-      <p:sp>
-        <p:nvSpPr>
-          <p:cNvPr id="29" name="Shape 27"/>
+            <a:endParaRPr lang="en-US" sz="1400" dirty="0"/>
+          </a:p>
+        </p:txBody>
+      </p:sp>
+      <p:sp>
+        <p:nvSpPr>
+          <p:cNvPr id="55" name="Shape 53"/>
           <p:cNvSpPr/>
           <p:nvPr/>
         </p:nvSpPr>
@@ -19550,7 +20582,7 @@
       </p:sp>
       <p:sp>
         <p:nvSpPr>
-          <p:cNvPr id="30" name="Text 28"/>
+          <p:cNvPr id="56" name="Text 54"/>
           <p:cNvSpPr/>
           <p:nvPr/>
         </p:nvSpPr>
@@ -19573,7 +20605,7 @@
               <a:buNone/>
             </a:pPr>
             <a:r>
-              <a:rPr lang="en-US" sz="1000" dirty="0">
+              <a:rPr lang="en-US" sz="1400" dirty="0">
                 <a:solidFill>
                   <a:srgbClr val="424242"/>
                 </a:solidFill>
@@ -19583,7 +20615,7 @@
               </a:rPr>
               <a:t>Tổng hợp</a:t>
             </a:r>
-            <a:endParaRPr lang="en-US" sz="1000" dirty="0"/>
+            <a:endParaRPr lang="en-US" sz="1400" dirty="0"/>
           </a:p>
         </p:txBody>
       </p:sp>
@@ -19597,15 +20629,7 @@
 
 <file path=ppt/slides/slide7.xml><?xml version="1.0" encoding="utf-8"?>
 <p:sld xmlns:a="http://schemas.openxmlformats.org/drawingml/2006/main" xmlns:r="http://schemas.openxmlformats.org/officeDocument/2006/relationships" xmlns:p="http://schemas.openxmlformats.org/presentationml/2006/main">
-  <p:cSld name="Slide 8">
-    <p:bg>
-      <p:bgPr>
-        <a:solidFill>
-          <a:srgbClr val="FFFFFF"/>
-        </a:solidFill>
-        <a:effectLst/>
-      </p:bgPr>
-    </p:bg>
+  <p:cSld>
     <p:spTree>
       <p:nvGrpSpPr>
         <p:cNvPr id="1" name=""/>
@@ -19622,6 +20646,358 @@
       </p:grpSpPr>
       <p:sp>
         <p:nvSpPr>
+          <p:cNvPr id="23" name="Shape 21"/>
+          <p:cNvSpPr/>
+          <p:nvPr/>
+        </p:nvSpPr>
+        <p:spPr>
+          <a:xfrm>
+            <a:off x="4663439" y="2148840"/>
+            <a:ext cx="1754293" cy="777240"/>
+          </a:xfrm>
+          <a:prstGeom prst="rect">
+            <a:avLst/>
+          </a:prstGeom>
+          <a:solidFill>
+            <a:srgbClr val="FFF8E1"/>
+          </a:solidFill>
+          <a:ln w="12700">
+            <a:solidFill>
+              <a:srgbClr val="BDBDBD"/>
+            </a:solidFill>
+            <a:prstDash val="solid"/>
+          </a:ln>
+        </p:spPr>
+      </p:sp>
+      <p:sp>
+        <p:nvSpPr>
+          <p:cNvPr id="32" name="Shape 30"/>
+          <p:cNvSpPr/>
+          <p:nvPr/>
+        </p:nvSpPr>
+        <p:spPr>
+          <a:xfrm>
+            <a:off x="4663439" y="3017520"/>
+            <a:ext cx="1754293" cy="777240"/>
+          </a:xfrm>
+          <a:prstGeom prst="rect">
+            <a:avLst/>
+          </a:prstGeom>
+          <a:solidFill>
+            <a:srgbClr val="FFF8E1"/>
+          </a:solidFill>
+          <a:ln w="12700">
+            <a:solidFill>
+              <a:srgbClr val="BDBDBD"/>
+            </a:solidFill>
+            <a:prstDash val="solid"/>
+          </a:ln>
+        </p:spPr>
+      </p:sp>
+      <p:sp>
+        <p:nvSpPr>
+          <p:cNvPr id="41" name="Shape 39"/>
+          <p:cNvSpPr/>
+          <p:nvPr/>
+        </p:nvSpPr>
+        <p:spPr>
+          <a:xfrm>
+            <a:off x="4663439" y="3886200"/>
+            <a:ext cx="1754293" cy="777240"/>
+          </a:xfrm>
+          <a:prstGeom prst="rect">
+            <a:avLst/>
+          </a:prstGeom>
+          <a:solidFill>
+            <a:srgbClr val="E8F5E9"/>
+          </a:solidFill>
+          <a:ln w="12700">
+            <a:solidFill>
+              <a:srgbClr val="2E7D32"/>
+            </a:solidFill>
+            <a:prstDash val="solid"/>
+          </a:ln>
+        </p:spPr>
+      </p:sp>
+      <p:sp>
+        <p:nvSpPr>
+          <p:cNvPr id="50" name="Shape 48"/>
+          <p:cNvSpPr/>
+          <p:nvPr/>
+        </p:nvSpPr>
+        <p:spPr>
+          <a:xfrm>
+            <a:off x="4663439" y="4754880"/>
+            <a:ext cx="1754293" cy="777240"/>
+          </a:xfrm>
+          <a:prstGeom prst="rect">
+            <a:avLst/>
+          </a:prstGeom>
+          <a:solidFill>
+            <a:srgbClr val="E8F5E9"/>
+          </a:solidFill>
+          <a:ln w="12700">
+            <a:solidFill>
+              <a:srgbClr val="2E7D32"/>
+            </a:solidFill>
+            <a:prstDash val="solid"/>
+          </a:ln>
+        </p:spPr>
+      </p:sp>
+      <p:sp>
+        <p:nvSpPr>
+          <p:cNvPr id="33" name="Text 31"/>
+          <p:cNvSpPr/>
+          <p:nvPr/>
+        </p:nvSpPr>
+        <p:spPr>
+          <a:xfrm>
+            <a:off x="4663440" y="3017520"/>
+            <a:ext cx="1645920" cy="777240"/>
+          </a:xfrm>
+          <a:prstGeom prst="rect">
+            <a:avLst/>
+          </a:prstGeom>
+          <a:noFill/>
+          <a:ln/>
+        </p:spPr>
+        <p:txBody>
+          <a:bodyPr wrap="square" rtlCol="0" anchor="ctr"/>
+          <a:lstStyle/>
+          <a:p>
+            <a:pPr marL="0" indent="0" algn="ctr">
+              <a:buNone/>
+            </a:pPr>
+            <a:r>
+              <a:rPr lang="en-US" dirty="0">
+                <a:solidFill>
+                  <a:srgbClr val="212121"/>
+                </a:solidFill>
+                <a:latin typeface="Roboto" pitchFamily="34" charset="0"/>
+                <a:ea typeface="Roboto" pitchFamily="34" charset="-122"/>
+                <a:cs typeface="Roboto" pitchFamily="34" charset="-120"/>
+              </a:rPr>
+              <a:t>Logits</a:t>
+            </a:r>
+            <a:endParaRPr lang="en-US" dirty="0"/>
+          </a:p>
+          <a:p>
+            <a:pPr marL="0" indent="0" algn="ctr">
+              <a:buNone/>
+            </a:pPr>
+            <a:r>
+              <a:rPr lang="en-US" dirty="0">
+                <a:solidFill>
+                  <a:srgbClr val="212121"/>
+                </a:solidFill>
+                <a:latin typeface="Roboto" pitchFamily="34" charset="0"/>
+                <a:ea typeface="Roboto" pitchFamily="34" charset="-122"/>
+                <a:cs typeface="Roboto" pitchFamily="34" charset="-120"/>
+              </a:rPr>
+              <a:t>(65536-dim)</a:t>
+            </a:r>
+            <a:endParaRPr lang="en-US" dirty="0"/>
+          </a:p>
+        </p:txBody>
+      </p:sp>
+      <p:sp>
+        <p:nvSpPr>
+          <p:cNvPr id="42" name="Text 40"/>
+          <p:cNvSpPr/>
+          <p:nvPr/>
+        </p:nvSpPr>
+        <p:spPr>
+          <a:xfrm>
+            <a:off x="4663440" y="3886200"/>
+            <a:ext cx="1645920" cy="777240"/>
+          </a:xfrm>
+          <a:prstGeom prst="rect">
+            <a:avLst/>
+          </a:prstGeom>
+          <a:noFill/>
+          <a:ln/>
+        </p:spPr>
+        <p:txBody>
+          <a:bodyPr wrap="square" rtlCol="0" anchor="ctr"/>
+          <a:lstStyle/>
+          <a:p>
+            <a:pPr marL="0" indent="0" algn="ctr">
+              <a:buNone/>
+            </a:pPr>
+            <a:r>
+              <a:rPr lang="en-US" dirty="0">
+                <a:solidFill>
+                  <a:srgbClr val="212121"/>
+                </a:solidFill>
+                <a:latin typeface="Roboto" pitchFamily="34" charset="0"/>
+                <a:ea typeface="Roboto" pitchFamily="34" charset="-122"/>
+                <a:cs typeface="Roboto" pitchFamily="34" charset="-120"/>
+              </a:rPr>
+              <a:t>Centered</a:t>
+            </a:r>
+            <a:endParaRPr lang="en-US" dirty="0"/>
+          </a:p>
+          <a:p>
+            <a:pPr marL="0" indent="0" algn="ctr">
+              <a:buNone/>
+            </a:pPr>
+            <a:r>
+              <a:rPr lang="en-US" dirty="0">
+                <a:solidFill>
+                  <a:srgbClr val="212121"/>
+                </a:solidFill>
+                <a:latin typeface="Roboto" pitchFamily="34" charset="0"/>
+                <a:ea typeface="Roboto" pitchFamily="34" charset="-122"/>
+                <a:cs typeface="Roboto" pitchFamily="34" charset="-120"/>
+              </a:rPr>
+              <a:t>(65536-dim)</a:t>
+            </a:r>
+            <a:endParaRPr lang="en-US" dirty="0"/>
+          </a:p>
+        </p:txBody>
+      </p:sp>
+      <p:sp>
+        <p:nvSpPr>
+          <p:cNvPr id="51" name="Text 49"/>
+          <p:cNvSpPr/>
+          <p:nvPr/>
+        </p:nvSpPr>
+        <p:spPr>
+          <a:xfrm>
+            <a:off x="4663440" y="4754880"/>
+            <a:ext cx="1645920" cy="777240"/>
+          </a:xfrm>
+          <a:prstGeom prst="rect">
+            <a:avLst/>
+          </a:prstGeom>
+          <a:noFill/>
+          <a:ln/>
+        </p:spPr>
+        <p:txBody>
+          <a:bodyPr wrap="square" rtlCol="0" anchor="ctr"/>
+          <a:lstStyle/>
+          <a:p>
+            <a:pPr algn="ctr"/>
+            <a:r>
+              <a:rPr lang="en-US" dirty="0">
+                <a:solidFill>
+                  <a:srgbClr val="212121"/>
+                </a:solidFill>
+                <a:latin typeface="Roboto" pitchFamily="34" charset="0"/>
+                <a:ea typeface="Roboto" pitchFamily="34" charset="-122"/>
+                <a:cs typeface="Roboto" pitchFamily="34" charset="-120"/>
+              </a:rPr>
+              <a:t>P</a:t>
+            </a:r>
+            <a:r>
+              <a:rPr lang="en-US" baseline="-25000" dirty="0">
+                <a:solidFill>
+                  <a:srgbClr val="212121"/>
+                </a:solidFill>
+                <a:latin typeface="Roboto" pitchFamily="34" charset="0"/>
+                <a:ea typeface="Roboto" pitchFamily="34" charset="-122"/>
+                <a:cs typeface="Roboto" pitchFamily="34" charset="-120"/>
+              </a:rPr>
+              <a:t>2</a:t>
+            </a:r>
+          </a:p>
+          <a:p>
+            <a:pPr algn="ctr"/>
+            <a:r>
+              <a:rPr lang="en-US" dirty="0">
+                <a:solidFill>
+                  <a:srgbClr val="212121"/>
+                </a:solidFill>
+                <a:latin typeface="Roboto" pitchFamily="34" charset="0"/>
+                <a:ea typeface="Roboto" pitchFamily="34" charset="-122"/>
+                <a:cs typeface="Roboto" pitchFamily="34" charset="-120"/>
+              </a:rPr>
+              <a:t>(xác </a:t>
+            </a:r>
+            <a:r>
+              <a:rPr lang="en-US" dirty="0" err="1">
+                <a:solidFill>
+                  <a:srgbClr val="212121"/>
+                </a:solidFill>
+                <a:latin typeface="Roboto" pitchFamily="34" charset="0"/>
+                <a:ea typeface="Roboto" pitchFamily="34" charset="-122"/>
+                <a:cs typeface="Roboto" pitchFamily="34" charset="-120"/>
+              </a:rPr>
+              <a:t>suất</a:t>
+            </a:r>
+            <a:r>
+              <a:rPr lang="en-US" dirty="0">
+                <a:solidFill>
+                  <a:srgbClr val="212121"/>
+                </a:solidFill>
+                <a:latin typeface="Roboto" pitchFamily="34" charset="0"/>
+                <a:ea typeface="Roboto" pitchFamily="34" charset="-122"/>
+                <a:cs typeface="Roboto" pitchFamily="34" charset="-120"/>
+              </a:rPr>
+              <a:t>)</a:t>
+            </a:r>
+            <a:endParaRPr lang="en-US" dirty="0"/>
+          </a:p>
+        </p:txBody>
+      </p:sp>
+      <p:sp>
+        <p:nvSpPr>
+          <p:cNvPr id="24" name="Text 22"/>
+          <p:cNvSpPr/>
+          <p:nvPr/>
+        </p:nvSpPr>
+        <p:spPr>
+          <a:xfrm>
+            <a:off x="4663440" y="2148840"/>
+            <a:ext cx="1645920" cy="777240"/>
+          </a:xfrm>
+          <a:prstGeom prst="rect">
+            <a:avLst/>
+          </a:prstGeom>
+          <a:noFill/>
+          <a:ln/>
+        </p:spPr>
+        <p:txBody>
+          <a:bodyPr wrap="square" rtlCol="0" anchor="ctr"/>
+          <a:lstStyle/>
+          <a:p>
+            <a:pPr marL="0" indent="0" algn="ctr">
+              <a:buNone/>
+            </a:pPr>
+            <a:r>
+              <a:rPr lang="en-US" dirty="0">
+                <a:solidFill>
+                  <a:srgbClr val="212121"/>
+                </a:solidFill>
+                <a:latin typeface="Roboto" pitchFamily="34" charset="0"/>
+                <a:ea typeface="Roboto" pitchFamily="34" charset="-122"/>
+                <a:cs typeface="Roboto" pitchFamily="34" charset="-120"/>
+              </a:rPr>
+              <a:t>CLS token</a:t>
+            </a:r>
+            <a:endParaRPr lang="en-US" dirty="0"/>
+          </a:p>
+          <a:p>
+            <a:pPr marL="0" indent="0" algn="ctr">
+              <a:buNone/>
+            </a:pPr>
+            <a:r>
+              <a:rPr lang="en-US" dirty="0">
+                <a:solidFill>
+                  <a:srgbClr val="212121"/>
+                </a:solidFill>
+                <a:latin typeface="Roboto" pitchFamily="34" charset="0"/>
+                <a:ea typeface="Roboto" pitchFamily="34" charset="-122"/>
+                <a:cs typeface="Roboto" pitchFamily="34" charset="-120"/>
+              </a:rPr>
+              <a:t>(768-dim)</a:t>
+            </a:r>
+            <a:endParaRPr lang="en-US" dirty="0"/>
+          </a:p>
+        </p:txBody>
+      </p:sp>
+      <p:sp>
+        <p:nvSpPr>
           <p:cNvPr id="2" name="Shape 0"/>
           <p:cNvSpPr/>
           <p:nvPr/>
@@ -19635,7 +21011,7 @@
             <a:avLst/>
           </a:prstGeom>
           <a:solidFill>
-            <a:srgbClr val="1565C0"/>
+            <a:srgbClr val="2E7D32"/>
           </a:solidFill>
           <a:ln/>
         </p:spPr>
@@ -19673,7 +21049,7 @@
                 <a:ea typeface="Roboto" pitchFamily="34" charset="-122"/>
                 <a:cs typeface="Roboto" pitchFamily="34" charset="-120"/>
               </a:rPr>
-              <a:t>EMA</a:t>
+              <a:t>Teacher</a:t>
             </a:r>
             <a:endParaRPr lang="en-US" sz="3200" dirty="0"/>
           </a:p>
@@ -19681,20 +21057,656 @@
       </p:sp>
       <p:sp>
         <p:nvSpPr>
-          <p:cNvPr id="4" name="Shape 2"/>
-          <p:cNvSpPr/>
-          <p:nvPr/>
-        </p:nvSpPr>
-        <p:spPr>
-          <a:xfrm>
-            <a:off x="457200" y="1371600"/>
-            <a:ext cx="11274552" cy="731520"/>
+          <p:cNvPr id="4" name="Text 2"/>
+          <p:cNvSpPr/>
+          <p:nvPr/>
+        </p:nvSpPr>
+        <p:spPr>
+          <a:xfrm>
+            <a:off x="457200" y="1005840"/>
+            <a:ext cx="1645920" cy="228600"/>
+          </a:xfrm>
+          <a:prstGeom prst="rect">
+            <a:avLst/>
+          </a:prstGeom>
+          <a:noFill/>
+          <a:ln/>
+        </p:spPr>
+        <p:txBody>
+          <a:bodyPr wrap="square" rtlCol="0" anchor="ctr"/>
+          <a:lstStyle/>
+          <a:p>
+            <a:pPr marL="0" indent="0" algn="ctr">
+              <a:buNone/>
+            </a:pPr>
+            <a:r>
+              <a:rPr lang="en-US" b="1" dirty="0">
+                <a:solidFill>
+                  <a:srgbClr val="424242"/>
+                </a:solidFill>
+                <a:latin typeface="Roboto" pitchFamily="34" charset="0"/>
+                <a:ea typeface="Roboto" pitchFamily="34" charset="-122"/>
+                <a:cs typeface="Roboto" pitchFamily="34" charset="-120"/>
+              </a:rPr>
+              <a:t>INPUT</a:t>
+            </a:r>
+            <a:endParaRPr lang="en-US" dirty="0"/>
+          </a:p>
+        </p:txBody>
+      </p:sp>
+      <p:sp>
+        <p:nvSpPr>
+          <p:cNvPr id="5" name="Text 3"/>
+          <p:cNvSpPr/>
+          <p:nvPr/>
+        </p:nvSpPr>
+        <p:spPr>
+          <a:xfrm>
+            <a:off x="2560320" y="1005840"/>
+            <a:ext cx="1645920" cy="228600"/>
+          </a:xfrm>
+          <a:prstGeom prst="rect">
+            <a:avLst/>
+          </a:prstGeom>
+          <a:noFill/>
+          <a:ln/>
+        </p:spPr>
+        <p:txBody>
+          <a:bodyPr wrap="square" rtlCol="0" anchor="ctr"/>
+          <a:lstStyle/>
+          <a:p>
+            <a:pPr marL="0" indent="0" algn="ctr">
+              <a:buNone/>
+            </a:pPr>
+            <a:r>
+              <a:rPr lang="en-US" b="1" dirty="0">
+                <a:solidFill>
+                  <a:srgbClr val="2E7D32"/>
+                </a:solidFill>
+                <a:latin typeface="Roboto" pitchFamily="34" charset="0"/>
+                <a:ea typeface="Roboto" pitchFamily="34" charset="-122"/>
+                <a:cs typeface="Roboto" pitchFamily="34" charset="-120"/>
+              </a:rPr>
+              <a:t>XỬ LÝ</a:t>
+            </a:r>
+            <a:endParaRPr lang="en-US" dirty="0"/>
+          </a:p>
+        </p:txBody>
+      </p:sp>
+      <p:sp>
+        <p:nvSpPr>
+          <p:cNvPr id="6" name="Text 4"/>
+          <p:cNvSpPr/>
+          <p:nvPr/>
+        </p:nvSpPr>
+        <p:spPr>
+          <a:xfrm>
+            <a:off x="4663440" y="1005840"/>
+            <a:ext cx="1645920" cy="228600"/>
+          </a:xfrm>
+          <a:prstGeom prst="rect">
+            <a:avLst/>
+          </a:prstGeom>
+          <a:noFill/>
+          <a:ln/>
+        </p:spPr>
+        <p:txBody>
+          <a:bodyPr wrap="square" rtlCol="0" anchor="ctr"/>
+          <a:lstStyle/>
+          <a:p>
+            <a:pPr marL="0" indent="0" algn="ctr">
+              <a:buNone/>
+            </a:pPr>
+            <a:r>
+              <a:rPr lang="en-US" b="1" dirty="0">
+                <a:solidFill>
+                  <a:srgbClr val="424242"/>
+                </a:solidFill>
+                <a:latin typeface="Roboto" pitchFamily="34" charset="0"/>
+                <a:ea typeface="Roboto" pitchFamily="34" charset="-122"/>
+                <a:cs typeface="Roboto" pitchFamily="34" charset="-120"/>
+              </a:rPr>
+              <a:t>OUTPUT</a:t>
+            </a:r>
+            <a:endParaRPr lang="en-US" dirty="0"/>
+          </a:p>
+        </p:txBody>
+      </p:sp>
+      <p:sp>
+        <p:nvSpPr>
+          <p:cNvPr id="7" name="Text 5"/>
+          <p:cNvSpPr/>
+          <p:nvPr/>
+        </p:nvSpPr>
+        <p:spPr>
+          <a:xfrm>
+            <a:off x="6492240" y="1005840"/>
+            <a:ext cx="5303520" cy="228600"/>
+          </a:xfrm>
+          <a:prstGeom prst="rect">
+            <a:avLst/>
+          </a:prstGeom>
+          <a:noFill/>
+          <a:ln/>
+        </p:spPr>
+        <p:txBody>
+          <a:bodyPr wrap="square" rtlCol="0" anchor="ctr"/>
+          <a:lstStyle/>
+          <a:p>
+            <a:pPr marL="0" indent="0" algn="l">
+              <a:buNone/>
+            </a:pPr>
+            <a:r>
+              <a:rPr lang="en-US" b="1" dirty="0">
+                <a:solidFill>
+                  <a:srgbClr val="757575"/>
+                </a:solidFill>
+                <a:latin typeface="Roboto" pitchFamily="34" charset="0"/>
+                <a:ea typeface="Roboto" pitchFamily="34" charset="-122"/>
+                <a:cs typeface="Roboto" pitchFamily="34" charset="-120"/>
+              </a:rPr>
+              <a:t>CHI TIẾT </a:t>
+            </a:r>
+            <a:endParaRPr lang="en-US" dirty="0"/>
+          </a:p>
+        </p:txBody>
+      </p:sp>
+      <p:sp>
+        <p:nvSpPr>
+          <p:cNvPr id="8" name="Shape 6"/>
+          <p:cNvSpPr/>
+          <p:nvPr/>
+        </p:nvSpPr>
+        <p:spPr>
+          <a:xfrm>
+            <a:off x="457200" y="1280160"/>
+            <a:ext cx="1645920" cy="777240"/>
           </a:xfrm>
           <a:prstGeom prst="rect">
             <a:avLst/>
           </a:prstGeom>
           <a:solidFill>
-            <a:srgbClr val="F5F5F5"/>
+            <a:srgbClr val="E8F5E9"/>
+          </a:solidFill>
+          <a:ln w="12700">
+            <a:solidFill>
+              <a:srgbClr val="2E7D32"/>
+            </a:solidFill>
+            <a:prstDash val="solid"/>
+          </a:ln>
+        </p:spPr>
+      </p:sp>
+      <p:sp>
+        <p:nvSpPr>
+          <p:cNvPr id="9" name="Text 7"/>
+          <p:cNvSpPr/>
+          <p:nvPr/>
+        </p:nvSpPr>
+        <p:spPr>
+          <a:xfrm>
+            <a:off x="457200" y="1280160"/>
+            <a:ext cx="1645920" cy="777240"/>
+          </a:xfrm>
+          <a:prstGeom prst="rect">
+            <a:avLst/>
+          </a:prstGeom>
+          <a:noFill/>
+          <a:ln/>
+        </p:spPr>
+        <p:txBody>
+          <a:bodyPr wrap="square" rtlCol="0" anchor="ctr"/>
+          <a:lstStyle/>
+          <a:p>
+            <a:pPr marL="0" indent="0" algn="ctr">
+              <a:buNone/>
+            </a:pPr>
+            <a:r>
+              <a:rPr lang="en-US" dirty="0">
+                <a:solidFill>
+                  <a:srgbClr val="212121"/>
+                </a:solidFill>
+                <a:latin typeface="Roboto" pitchFamily="34" charset="0"/>
+                <a:ea typeface="Roboto" pitchFamily="34" charset="-122"/>
+                <a:cs typeface="Roboto" pitchFamily="34" charset="-120"/>
+              </a:rPr>
+              <a:t>RGB image</a:t>
+            </a:r>
+            <a:endParaRPr lang="en-US" dirty="0"/>
+          </a:p>
+          <a:p>
+            <a:pPr marL="0" indent="0" algn="ctr">
+              <a:buNone/>
+            </a:pPr>
+            <a:r>
+              <a:rPr lang="en-US" dirty="0">
+                <a:solidFill>
+                  <a:srgbClr val="212121"/>
+                </a:solidFill>
+                <a:latin typeface="Roboto" pitchFamily="34" charset="0"/>
+                <a:ea typeface="Roboto" pitchFamily="34" charset="-122"/>
+                <a:cs typeface="Roboto" pitchFamily="34" charset="-120"/>
+              </a:rPr>
+              <a:t>224×224×3</a:t>
+            </a:r>
+            <a:endParaRPr lang="en-US" dirty="0"/>
+          </a:p>
+        </p:txBody>
+      </p:sp>
+      <p:sp>
+        <p:nvSpPr>
+          <p:cNvPr id="10" name="Text 8"/>
+          <p:cNvSpPr/>
+          <p:nvPr/>
+        </p:nvSpPr>
+        <p:spPr>
+          <a:xfrm>
+            <a:off x="2103120" y="1280160"/>
+            <a:ext cx="457200" cy="777240"/>
+          </a:xfrm>
+          <a:prstGeom prst="rect">
+            <a:avLst/>
+          </a:prstGeom>
+          <a:noFill/>
+          <a:ln/>
+        </p:spPr>
+        <p:txBody>
+          <a:bodyPr wrap="square" rtlCol="0" anchor="ctr"/>
+          <a:lstStyle/>
+          <a:p>
+            <a:pPr marL="0" indent="0" algn="ctr">
+              <a:buNone/>
+            </a:pPr>
+            <a:r>
+              <a:rPr lang="en-US" sz="4000" dirty="0">
+                <a:solidFill>
+                  <a:srgbClr val="BDBDBD"/>
+                </a:solidFill>
+                <a:latin typeface="Roboto" pitchFamily="34" charset="0"/>
+                <a:ea typeface="Roboto" pitchFamily="34" charset="-122"/>
+                <a:cs typeface="Roboto" pitchFamily="34" charset="-120"/>
+              </a:rPr>
+              <a:t>→</a:t>
+            </a:r>
+            <a:endParaRPr lang="en-US" sz="4000" dirty="0"/>
+          </a:p>
+        </p:txBody>
+      </p:sp>
+      <p:sp>
+        <p:nvSpPr>
+          <p:cNvPr id="11" name="Shape 9"/>
+          <p:cNvSpPr/>
+          <p:nvPr/>
+        </p:nvSpPr>
+        <p:spPr>
+          <a:xfrm>
+            <a:off x="2560320" y="1280160"/>
+            <a:ext cx="1645920" cy="777240"/>
+          </a:xfrm>
+          <a:prstGeom prst="rect">
+            <a:avLst/>
+          </a:prstGeom>
+          <a:solidFill>
+            <a:srgbClr val="2E7D32"/>
+          </a:solidFill>
+          <a:ln w="12700">
+            <a:solidFill>
+              <a:srgbClr val="2E7D32"/>
+            </a:solidFill>
+            <a:prstDash val="solid"/>
+          </a:ln>
+        </p:spPr>
+      </p:sp>
+      <p:sp>
+        <p:nvSpPr>
+          <p:cNvPr id="12" name="Text 10"/>
+          <p:cNvSpPr/>
+          <p:nvPr/>
+        </p:nvSpPr>
+        <p:spPr>
+          <a:xfrm>
+            <a:off x="2560320" y="1280160"/>
+            <a:ext cx="1645920" cy="777240"/>
+          </a:xfrm>
+          <a:prstGeom prst="rect">
+            <a:avLst/>
+          </a:prstGeom>
+          <a:noFill/>
+          <a:ln/>
+        </p:spPr>
+        <p:txBody>
+          <a:bodyPr wrap="square" rtlCol="0" anchor="ctr"/>
+          <a:lstStyle/>
+          <a:p>
+            <a:pPr marL="0" indent="0" algn="ctr">
+              <a:buNone/>
+            </a:pPr>
+            <a:r>
+              <a:rPr lang="en-US" b="1" dirty="0">
+                <a:solidFill>
+                  <a:srgbClr val="FFFFFF"/>
+                </a:solidFill>
+                <a:latin typeface="Roboto" pitchFamily="34" charset="0"/>
+                <a:ea typeface="Roboto" pitchFamily="34" charset="-122"/>
+                <a:cs typeface="Roboto" pitchFamily="34" charset="-120"/>
+              </a:rPr>
+              <a:t>Patch</a:t>
+            </a:r>
+            <a:endParaRPr lang="en-US" dirty="0"/>
+          </a:p>
+          <a:p>
+            <a:pPr marL="0" indent="0" algn="ctr">
+              <a:buNone/>
+            </a:pPr>
+            <a:r>
+              <a:rPr lang="en-US" b="1" dirty="0">
+                <a:solidFill>
+                  <a:srgbClr val="FFFFFF"/>
+                </a:solidFill>
+                <a:latin typeface="Roboto" pitchFamily="34" charset="0"/>
+                <a:ea typeface="Roboto" pitchFamily="34" charset="-122"/>
+                <a:cs typeface="Roboto" pitchFamily="34" charset="-120"/>
+              </a:rPr>
+              <a:t>Embedding</a:t>
+            </a:r>
+            <a:endParaRPr lang="en-US" dirty="0"/>
+          </a:p>
+        </p:txBody>
+      </p:sp>
+      <p:sp>
+        <p:nvSpPr>
+          <p:cNvPr id="13" name="Text 11"/>
+          <p:cNvSpPr/>
+          <p:nvPr/>
+        </p:nvSpPr>
+        <p:spPr>
+          <a:xfrm>
+            <a:off x="4206240" y="1280160"/>
+            <a:ext cx="457200" cy="777240"/>
+          </a:xfrm>
+          <a:prstGeom prst="rect">
+            <a:avLst/>
+          </a:prstGeom>
+          <a:noFill/>
+          <a:ln/>
+        </p:spPr>
+        <p:txBody>
+          <a:bodyPr wrap="square" rtlCol="0" anchor="ctr"/>
+          <a:lstStyle/>
+          <a:p>
+            <a:pPr marL="0" indent="0" algn="ctr">
+              <a:buNone/>
+            </a:pPr>
+            <a:r>
+              <a:rPr lang="en-US" sz="4000" dirty="0">
+                <a:solidFill>
+                  <a:srgbClr val="BDBDBD"/>
+                </a:solidFill>
+                <a:latin typeface="Roboto" pitchFamily="34" charset="0"/>
+                <a:ea typeface="Roboto" pitchFamily="34" charset="-122"/>
+                <a:cs typeface="Roboto" pitchFamily="34" charset="-120"/>
+              </a:rPr>
+              <a:t>→</a:t>
+            </a:r>
+            <a:endParaRPr lang="en-US" sz="4000" dirty="0"/>
+          </a:p>
+        </p:txBody>
+      </p:sp>
+      <p:sp>
+        <p:nvSpPr>
+          <p:cNvPr id="14" name="Shape 12"/>
+          <p:cNvSpPr/>
+          <p:nvPr/>
+        </p:nvSpPr>
+        <p:spPr>
+          <a:xfrm>
+            <a:off x="4663439" y="1280160"/>
+            <a:ext cx="1754293" cy="777240"/>
+          </a:xfrm>
+          <a:prstGeom prst="rect">
+            <a:avLst/>
+          </a:prstGeom>
+          <a:solidFill>
+            <a:srgbClr val="E8F5E9"/>
+          </a:solidFill>
+          <a:ln w="12700">
+            <a:solidFill>
+              <a:srgbClr val="2E7D32"/>
+            </a:solidFill>
+            <a:prstDash val="solid"/>
+          </a:ln>
+        </p:spPr>
+      </p:sp>
+      <p:sp>
+        <p:nvSpPr>
+          <p:cNvPr id="15" name="Text 13"/>
+          <p:cNvSpPr/>
+          <p:nvPr/>
+        </p:nvSpPr>
+        <p:spPr>
+          <a:xfrm>
+            <a:off x="4663440" y="1297940"/>
+            <a:ext cx="1754293" cy="777240"/>
+          </a:xfrm>
+          <a:prstGeom prst="rect">
+            <a:avLst/>
+          </a:prstGeom>
+          <a:noFill/>
+          <a:ln/>
+        </p:spPr>
+        <p:txBody>
+          <a:bodyPr wrap="square" rtlCol="0" anchor="ctr"/>
+          <a:lstStyle/>
+          <a:p>
+            <a:pPr marL="0" indent="0" algn="ctr">
+              <a:buNone/>
+            </a:pPr>
+            <a:r>
+              <a:rPr lang="en-US" dirty="0">
+                <a:solidFill>
+                  <a:srgbClr val="212121"/>
+                </a:solidFill>
+                <a:latin typeface="Roboto" pitchFamily="34" charset="0"/>
+                <a:ea typeface="Roboto" pitchFamily="34" charset="-122"/>
+                <a:cs typeface="Roboto" pitchFamily="34" charset="-120"/>
+              </a:rPr>
+              <a:t>196 vectors</a:t>
+            </a:r>
+            <a:endParaRPr lang="en-US" dirty="0"/>
+          </a:p>
+          <a:p>
+            <a:pPr marL="0" indent="0" algn="ctr">
+              <a:buNone/>
+            </a:pPr>
+            <a:r>
+              <a:rPr lang="en-US" dirty="0">
+                <a:solidFill>
+                  <a:srgbClr val="212121"/>
+                </a:solidFill>
+                <a:latin typeface="Roboto" pitchFamily="34" charset="0"/>
+                <a:ea typeface="Roboto" pitchFamily="34" charset="-122"/>
+                <a:cs typeface="Roboto" pitchFamily="34" charset="-120"/>
+              </a:rPr>
+              <a:t>(768-dim each)</a:t>
+            </a:r>
+            <a:endParaRPr lang="en-US" dirty="0"/>
+          </a:p>
+        </p:txBody>
+      </p:sp>
+      <p:sp>
+        <p:nvSpPr>
+          <p:cNvPr id="16" name="Text 14"/>
+          <p:cNvSpPr/>
+          <p:nvPr/>
+        </p:nvSpPr>
+        <p:spPr>
+          <a:xfrm>
+            <a:off x="6492240" y="1280160"/>
+            <a:ext cx="5303520" cy="777240"/>
+          </a:xfrm>
+          <a:prstGeom prst="rect">
+            <a:avLst/>
+          </a:prstGeom>
+          <a:noFill/>
+          <a:ln/>
+        </p:spPr>
+        <p:txBody>
+          <a:bodyPr wrap="square" rtlCol="0" anchor="ctr"/>
+          <a:lstStyle/>
+          <a:p>
+            <a:pPr marL="0" indent="0">
+              <a:buNone/>
+            </a:pPr>
+            <a:r>
+              <a:rPr lang="en-US" i="1" dirty="0">
+                <a:solidFill>
+                  <a:srgbClr val="2E7D32"/>
+                </a:solidFill>
+                <a:latin typeface="Roboto" pitchFamily="34" charset="0"/>
+                <a:ea typeface="Roboto" pitchFamily="34" charset="-122"/>
+                <a:cs typeface="Roboto" pitchFamily="34" charset="-120"/>
+              </a:rPr>
+              <a:t>Chia 14×14 patches (lớn hơn Student)</a:t>
+            </a:r>
+            <a:endParaRPr lang="en-US" dirty="0"/>
+          </a:p>
+        </p:txBody>
+      </p:sp>
+      <p:sp>
+        <p:nvSpPr>
+          <p:cNvPr id="17" name="Shape 15"/>
+          <p:cNvSpPr/>
+          <p:nvPr/>
+        </p:nvSpPr>
+        <p:spPr>
+          <a:xfrm>
+            <a:off x="457200" y="2148840"/>
+            <a:ext cx="1645920" cy="777240"/>
+          </a:xfrm>
+          <a:prstGeom prst="rect">
+            <a:avLst/>
+          </a:prstGeom>
+          <a:solidFill>
+            <a:srgbClr val="FFF8E1"/>
+          </a:solidFill>
+          <a:ln w="12700">
+            <a:solidFill>
+              <a:srgbClr val="BDBDBD"/>
+            </a:solidFill>
+            <a:prstDash val="solid"/>
+          </a:ln>
+        </p:spPr>
+      </p:sp>
+      <p:sp>
+        <p:nvSpPr>
+          <p:cNvPr id="18" name="Text 16"/>
+          <p:cNvSpPr/>
+          <p:nvPr/>
+        </p:nvSpPr>
+        <p:spPr>
+          <a:xfrm>
+            <a:off x="457200" y="2148840"/>
+            <a:ext cx="1645920" cy="777240"/>
+          </a:xfrm>
+          <a:prstGeom prst="rect">
+            <a:avLst/>
+          </a:prstGeom>
+          <a:noFill/>
+          <a:ln/>
+        </p:spPr>
+        <p:txBody>
+          <a:bodyPr wrap="square" rtlCol="0" anchor="ctr"/>
+          <a:lstStyle/>
+          <a:p>
+            <a:pPr marL="0" indent="0" algn="ctr">
+              <a:buNone/>
+            </a:pPr>
+            <a:r>
+              <a:rPr lang="en-US" dirty="0">
+                <a:solidFill>
+                  <a:srgbClr val="212121"/>
+                </a:solidFill>
+                <a:latin typeface="Roboto" pitchFamily="34" charset="0"/>
+                <a:ea typeface="Roboto" pitchFamily="34" charset="-122"/>
+                <a:cs typeface="Roboto" pitchFamily="34" charset="-120"/>
+              </a:rPr>
+              <a:t>196 vectors</a:t>
+            </a:r>
+            <a:endParaRPr lang="en-US" dirty="0"/>
+          </a:p>
+          <a:p>
+            <a:pPr marL="0" indent="0" algn="ctr">
+              <a:buNone/>
+            </a:pPr>
+            <a:r>
+              <a:rPr lang="en-US" dirty="0">
+                <a:solidFill>
+                  <a:srgbClr val="212121"/>
+                </a:solidFill>
+                <a:latin typeface="Roboto" pitchFamily="34" charset="0"/>
+                <a:ea typeface="Roboto" pitchFamily="34" charset="-122"/>
+                <a:cs typeface="Roboto" pitchFamily="34" charset="-120"/>
+              </a:rPr>
+              <a:t>+ CLS token</a:t>
+            </a:r>
+            <a:endParaRPr lang="en-US" dirty="0"/>
+          </a:p>
+        </p:txBody>
+      </p:sp>
+      <p:sp>
+        <p:nvSpPr>
+          <p:cNvPr id="19" name="Text 17"/>
+          <p:cNvSpPr/>
+          <p:nvPr/>
+        </p:nvSpPr>
+        <p:spPr>
+          <a:xfrm>
+            <a:off x="2103120" y="2148840"/>
+            <a:ext cx="457200" cy="777240"/>
+          </a:xfrm>
+          <a:prstGeom prst="rect">
+            <a:avLst/>
+          </a:prstGeom>
+          <a:noFill/>
+          <a:ln/>
+        </p:spPr>
+        <p:txBody>
+          <a:bodyPr wrap="square" rtlCol="0" anchor="ctr"/>
+          <a:lstStyle/>
+          <a:p>
+            <a:pPr marL="0" indent="0" algn="ctr">
+              <a:buNone/>
+            </a:pPr>
+            <a:r>
+              <a:rPr lang="en-US" sz="4000" dirty="0">
+                <a:solidFill>
+                  <a:srgbClr val="BDBDBD"/>
+                </a:solidFill>
+                <a:latin typeface="Roboto" pitchFamily="34" charset="0"/>
+                <a:ea typeface="Roboto" pitchFamily="34" charset="-122"/>
+                <a:cs typeface="Roboto" pitchFamily="34" charset="-120"/>
+              </a:rPr>
+              <a:t>→</a:t>
+            </a:r>
+            <a:endParaRPr lang="en-US" sz="4000" dirty="0"/>
+          </a:p>
+        </p:txBody>
+      </p:sp>
+      <p:sp>
+        <p:nvSpPr>
+          <p:cNvPr id="20" name="Shape 18"/>
+          <p:cNvSpPr/>
+          <p:nvPr/>
+        </p:nvSpPr>
+        <p:spPr>
+          <a:xfrm>
+            <a:off x="2560320" y="2148840"/>
+            <a:ext cx="1645920" cy="777240"/>
+          </a:xfrm>
+          <a:prstGeom prst="rect">
+            <a:avLst/>
+          </a:prstGeom>
+          <a:solidFill>
+            <a:srgbClr val="1565C0"/>
           </a:solidFill>
           <a:ln w="12700">
             <a:solidFill>
@@ -19706,14 +21718,109 @@
       </p:sp>
       <p:sp>
         <p:nvSpPr>
-          <p:cNvPr id="5" name="Text 3"/>
-          <p:cNvSpPr/>
-          <p:nvPr/>
-        </p:nvSpPr>
-        <p:spPr>
-          <a:xfrm>
-            <a:off x="640080" y="1463040"/>
-            <a:ext cx="10908792" cy="548640"/>
+          <p:cNvPr id="21" name="Text 19"/>
+          <p:cNvSpPr/>
+          <p:nvPr/>
+        </p:nvSpPr>
+        <p:spPr>
+          <a:xfrm>
+            <a:off x="2560320" y="2148840"/>
+            <a:ext cx="1645920" cy="777240"/>
+          </a:xfrm>
+          <a:prstGeom prst="rect">
+            <a:avLst/>
+          </a:prstGeom>
+          <a:noFill/>
+          <a:ln/>
+        </p:spPr>
+        <p:txBody>
+          <a:bodyPr wrap="square" rtlCol="0" anchor="ctr"/>
+          <a:lstStyle/>
+          <a:p>
+            <a:pPr marL="0" indent="0" algn="ctr">
+              <a:buNone/>
+            </a:pPr>
+            <a:r>
+              <a:rPr lang="en-US" b="1" dirty="0">
+                <a:solidFill>
+                  <a:srgbClr val="FFFFFF"/>
+                </a:solidFill>
+                <a:latin typeface="Roboto" pitchFamily="34" charset="0"/>
+                <a:ea typeface="Roboto" pitchFamily="34" charset="-122"/>
+                <a:cs typeface="Roboto" pitchFamily="34" charset="-120"/>
+              </a:rPr>
+              <a:t>ViT</a:t>
+            </a:r>
+            <a:endParaRPr lang="en-US" dirty="0"/>
+          </a:p>
+          <a:p>
+            <a:pPr marL="0" indent="0" algn="ctr">
+              <a:buNone/>
+            </a:pPr>
+            <a:r>
+              <a:rPr lang="en-US" b="1" dirty="0">
+                <a:solidFill>
+                  <a:srgbClr val="FFFFFF"/>
+                </a:solidFill>
+                <a:latin typeface="Roboto" pitchFamily="34" charset="0"/>
+                <a:ea typeface="Roboto" pitchFamily="34" charset="-122"/>
+                <a:cs typeface="Roboto" pitchFamily="34" charset="-120"/>
+              </a:rPr>
+              <a:t>Backbone</a:t>
+            </a:r>
+            <a:endParaRPr lang="en-US" dirty="0"/>
+          </a:p>
+        </p:txBody>
+      </p:sp>
+      <p:sp>
+        <p:nvSpPr>
+          <p:cNvPr id="22" name="Text 20"/>
+          <p:cNvSpPr/>
+          <p:nvPr/>
+        </p:nvSpPr>
+        <p:spPr>
+          <a:xfrm>
+            <a:off x="4206240" y="2148840"/>
+            <a:ext cx="457200" cy="777240"/>
+          </a:xfrm>
+          <a:prstGeom prst="rect">
+            <a:avLst/>
+          </a:prstGeom>
+          <a:noFill/>
+          <a:ln/>
+        </p:spPr>
+        <p:txBody>
+          <a:bodyPr wrap="square" rtlCol="0" anchor="ctr"/>
+          <a:lstStyle/>
+          <a:p>
+            <a:pPr marL="0" indent="0" algn="ctr">
+              <a:buNone/>
+            </a:pPr>
+            <a:r>
+              <a:rPr lang="en-US" sz="4000" dirty="0">
+                <a:solidFill>
+                  <a:srgbClr val="BDBDBD"/>
+                </a:solidFill>
+                <a:latin typeface="Roboto" pitchFamily="34" charset="0"/>
+                <a:ea typeface="Roboto" pitchFamily="34" charset="-122"/>
+                <a:cs typeface="Roboto" pitchFamily="34" charset="-120"/>
+              </a:rPr>
+              <a:t>→</a:t>
+            </a:r>
+            <a:endParaRPr lang="en-US" sz="4000" dirty="0"/>
+          </a:p>
+        </p:txBody>
+      </p:sp>
+      <p:sp>
+        <p:nvSpPr>
+          <p:cNvPr id="25" name="Text 23"/>
+          <p:cNvSpPr/>
+          <p:nvPr/>
+        </p:nvSpPr>
+        <p:spPr>
+          <a:xfrm>
+            <a:off x="6492240" y="2148840"/>
+            <a:ext cx="5303520" cy="777240"/>
           </a:xfrm>
           <a:prstGeom prst="rect">
             <a:avLst/>
@@ -19729,69 +21836,29 @@
               <a:buNone/>
             </a:pPr>
             <a:r>
-              <a:rPr lang="en-US" sz="1600" dirty="0">
-                <a:solidFill>
-                  <a:srgbClr val="212121"/>
-                </a:solidFill>
-                <a:latin typeface="Consolas" pitchFamily="34" charset="0"/>
-                <a:ea typeface="Consolas" pitchFamily="34" charset="-122"/>
-                <a:cs typeface="Consolas" pitchFamily="34" charset="-120"/>
-              </a:rPr>
-              <a:t>θ_t ← 0.996 × θ_t + 0.004 × θ_s</a:t>
-            </a:r>
-            <a:endParaRPr lang="en-US" sz="1600" dirty="0"/>
-          </a:p>
-        </p:txBody>
-      </p:sp>
-      <p:sp>
-        <p:nvSpPr>
-          <p:cNvPr id="6" name="Text 4"/>
-          <p:cNvSpPr/>
-          <p:nvPr/>
-        </p:nvSpPr>
-        <p:spPr>
-          <a:xfrm>
-            <a:off x="457200" y="2377440"/>
-            <a:ext cx="11274552" cy="548640"/>
-          </a:xfrm>
-          <a:prstGeom prst="rect">
-            <a:avLst/>
-          </a:prstGeom>
-          <a:noFill/>
-          <a:ln/>
-        </p:spPr>
-        <p:txBody>
-          <a:bodyPr wrap="square" rtlCol="0" anchor="ctr"/>
-          <a:lstStyle/>
-          <a:p>
-            <a:pPr marL="0" indent="0" algn="ctr">
-              <a:buNone/>
-            </a:pPr>
-            <a:r>
-              <a:rPr lang="en-US" sz="2600" b="1" dirty="0">
-                <a:solidFill>
-                  <a:srgbClr val="212121"/>
-                </a:solidFill>
-                <a:latin typeface="Roboto" pitchFamily="34" charset="0"/>
-                <a:ea typeface="Roboto" pitchFamily="34" charset="-122"/>
-                <a:cs typeface="Roboto" pitchFamily="34" charset="-120"/>
-              </a:rPr>
-              <a:t>Teacher cập nhật CỰC CHẬM từ Student</a:t>
-            </a:r>
-            <a:endParaRPr lang="en-US" sz="2600" dirty="0"/>
-          </a:p>
-        </p:txBody>
-      </p:sp>
-      <p:sp>
-        <p:nvSpPr>
-          <p:cNvPr id="7" name="Shape 5"/>
-          <p:cNvSpPr/>
-          <p:nvPr/>
-        </p:nvSpPr>
-        <p:spPr>
-          <a:xfrm>
-            <a:off x="457200" y="3200400"/>
-            <a:ext cx="11274552" cy="2103120"/>
+              <a:rPr lang="en-US" i="1" dirty="0">
+                <a:solidFill>
+                  <a:srgbClr val="757575"/>
+                </a:solidFill>
+                <a:latin typeface="Roboto" pitchFamily="34" charset="0"/>
+                <a:ea typeface="Roboto" pitchFamily="34" charset="-122"/>
+              </a:rPr>
+              <a:t>Self-attention</a:t>
+            </a:r>
+            <a:endParaRPr lang="en-US" dirty="0"/>
+          </a:p>
+        </p:txBody>
+      </p:sp>
+      <p:sp>
+        <p:nvSpPr>
+          <p:cNvPr id="26" name="Shape 24"/>
+          <p:cNvSpPr/>
+          <p:nvPr/>
+        </p:nvSpPr>
+        <p:spPr>
+          <a:xfrm>
+            <a:off x="457200" y="3017520"/>
+            <a:ext cx="1645920" cy="777240"/>
           </a:xfrm>
           <a:prstGeom prst="rect">
             <a:avLst/>
@@ -19799,19 +21866,515 @@
           <a:solidFill>
             <a:srgbClr val="FFF8E1"/>
           </a:solidFill>
-          <a:ln/>
-        </p:spPr>
-      </p:sp>
-      <p:sp>
-        <p:nvSpPr>
-          <p:cNvPr id="8" name="Text 6"/>
-          <p:cNvSpPr/>
-          <p:nvPr/>
-        </p:nvSpPr>
-        <p:spPr>
-          <a:xfrm>
-            <a:off x="731520" y="3383280"/>
-            <a:ext cx="4572000" cy="457200"/>
+          <a:ln w="12700">
+            <a:solidFill>
+              <a:srgbClr val="BDBDBD"/>
+            </a:solidFill>
+            <a:prstDash val="solid"/>
+          </a:ln>
+        </p:spPr>
+      </p:sp>
+      <p:sp>
+        <p:nvSpPr>
+          <p:cNvPr id="27" name="Text 25"/>
+          <p:cNvSpPr/>
+          <p:nvPr/>
+        </p:nvSpPr>
+        <p:spPr>
+          <a:xfrm>
+            <a:off x="457200" y="3017520"/>
+            <a:ext cx="1645920" cy="777240"/>
+          </a:xfrm>
+          <a:prstGeom prst="rect">
+            <a:avLst/>
+          </a:prstGeom>
+          <a:noFill/>
+          <a:ln/>
+        </p:spPr>
+        <p:txBody>
+          <a:bodyPr wrap="square" rtlCol="0" anchor="ctr"/>
+          <a:lstStyle/>
+          <a:p>
+            <a:pPr marL="0" indent="0" algn="ctr">
+              <a:buNone/>
+            </a:pPr>
+            <a:r>
+              <a:rPr lang="en-US" dirty="0">
+                <a:solidFill>
+                  <a:srgbClr val="212121"/>
+                </a:solidFill>
+                <a:latin typeface="Roboto" pitchFamily="34" charset="0"/>
+                <a:ea typeface="Roboto" pitchFamily="34" charset="-122"/>
+                <a:cs typeface="Roboto" pitchFamily="34" charset="-120"/>
+              </a:rPr>
+              <a:t>CLS token</a:t>
+            </a:r>
+            <a:endParaRPr lang="en-US" dirty="0"/>
+          </a:p>
+          <a:p>
+            <a:pPr marL="0" indent="0" algn="ctr">
+              <a:buNone/>
+            </a:pPr>
+            <a:r>
+              <a:rPr lang="en-US" dirty="0">
+                <a:solidFill>
+                  <a:srgbClr val="212121"/>
+                </a:solidFill>
+                <a:latin typeface="Roboto" pitchFamily="34" charset="0"/>
+                <a:ea typeface="Roboto" pitchFamily="34" charset="-122"/>
+                <a:cs typeface="Roboto" pitchFamily="34" charset="-120"/>
+              </a:rPr>
+              <a:t>(768-dim)</a:t>
+            </a:r>
+            <a:endParaRPr lang="en-US" dirty="0"/>
+          </a:p>
+        </p:txBody>
+      </p:sp>
+      <p:sp>
+        <p:nvSpPr>
+          <p:cNvPr id="28" name="Text 26"/>
+          <p:cNvSpPr/>
+          <p:nvPr/>
+        </p:nvSpPr>
+        <p:spPr>
+          <a:xfrm>
+            <a:off x="2103120" y="3017520"/>
+            <a:ext cx="457200" cy="777240"/>
+          </a:xfrm>
+          <a:prstGeom prst="rect">
+            <a:avLst/>
+          </a:prstGeom>
+          <a:noFill/>
+          <a:ln/>
+        </p:spPr>
+        <p:txBody>
+          <a:bodyPr wrap="square" rtlCol="0" anchor="ctr"/>
+          <a:lstStyle/>
+          <a:p>
+            <a:pPr marL="0" indent="0" algn="ctr">
+              <a:buNone/>
+            </a:pPr>
+            <a:r>
+              <a:rPr lang="en-US" sz="4000" dirty="0">
+                <a:solidFill>
+                  <a:srgbClr val="BDBDBD"/>
+                </a:solidFill>
+                <a:latin typeface="Roboto" pitchFamily="34" charset="0"/>
+                <a:ea typeface="Roboto" pitchFamily="34" charset="-122"/>
+                <a:cs typeface="Roboto" pitchFamily="34" charset="-120"/>
+              </a:rPr>
+              <a:t>→</a:t>
+            </a:r>
+            <a:endParaRPr lang="en-US" sz="4000" dirty="0"/>
+          </a:p>
+        </p:txBody>
+      </p:sp>
+      <p:sp>
+        <p:nvSpPr>
+          <p:cNvPr id="29" name="Shape 27"/>
+          <p:cNvSpPr/>
+          <p:nvPr/>
+        </p:nvSpPr>
+        <p:spPr>
+          <a:xfrm>
+            <a:off x="2560320" y="3017520"/>
+            <a:ext cx="1645920" cy="777240"/>
+          </a:xfrm>
+          <a:prstGeom prst="rect">
+            <a:avLst/>
+          </a:prstGeom>
+          <a:solidFill>
+            <a:srgbClr val="1565C0"/>
+          </a:solidFill>
+          <a:ln w="12700">
+            <a:solidFill>
+              <a:srgbClr val="1565C0"/>
+            </a:solidFill>
+            <a:prstDash val="solid"/>
+          </a:ln>
+        </p:spPr>
+      </p:sp>
+      <p:sp>
+        <p:nvSpPr>
+          <p:cNvPr id="30" name="Text 28"/>
+          <p:cNvSpPr/>
+          <p:nvPr/>
+        </p:nvSpPr>
+        <p:spPr>
+          <a:xfrm>
+            <a:off x="2560320" y="3017520"/>
+            <a:ext cx="1645920" cy="777240"/>
+          </a:xfrm>
+          <a:prstGeom prst="rect">
+            <a:avLst/>
+          </a:prstGeom>
+          <a:noFill/>
+          <a:ln/>
+        </p:spPr>
+        <p:txBody>
+          <a:bodyPr wrap="square" rtlCol="0" anchor="ctr"/>
+          <a:lstStyle/>
+          <a:p>
+            <a:pPr marL="0" indent="0" algn="ctr">
+              <a:buNone/>
+            </a:pPr>
+            <a:r>
+              <a:rPr lang="en-US" b="1" dirty="0">
+                <a:solidFill>
+                  <a:srgbClr val="FFFFFF"/>
+                </a:solidFill>
+                <a:latin typeface="Roboto" pitchFamily="34" charset="0"/>
+                <a:ea typeface="Roboto" pitchFamily="34" charset="-122"/>
+                <a:cs typeface="Roboto" pitchFamily="34" charset="-120"/>
+              </a:rPr>
+              <a:t>MLP</a:t>
+            </a:r>
+            <a:endParaRPr lang="en-US" dirty="0"/>
+          </a:p>
+          <a:p>
+            <a:pPr marL="0" indent="0" algn="ctr">
+              <a:buNone/>
+            </a:pPr>
+            <a:r>
+              <a:rPr lang="en-US" b="1" dirty="0">
+                <a:solidFill>
+                  <a:srgbClr val="FFFFFF"/>
+                </a:solidFill>
+                <a:latin typeface="Roboto" pitchFamily="34" charset="0"/>
+                <a:ea typeface="Roboto" pitchFamily="34" charset="-122"/>
+                <a:cs typeface="Roboto" pitchFamily="34" charset="-120"/>
+              </a:rPr>
+              <a:t>Head</a:t>
+            </a:r>
+            <a:endParaRPr lang="en-US" dirty="0"/>
+          </a:p>
+        </p:txBody>
+      </p:sp>
+      <p:sp>
+        <p:nvSpPr>
+          <p:cNvPr id="31" name="Text 29"/>
+          <p:cNvSpPr/>
+          <p:nvPr/>
+        </p:nvSpPr>
+        <p:spPr>
+          <a:xfrm>
+            <a:off x="4206240" y="3017520"/>
+            <a:ext cx="457200" cy="777240"/>
+          </a:xfrm>
+          <a:prstGeom prst="rect">
+            <a:avLst/>
+          </a:prstGeom>
+          <a:noFill/>
+          <a:ln/>
+        </p:spPr>
+        <p:txBody>
+          <a:bodyPr wrap="square" rtlCol="0" anchor="ctr"/>
+          <a:lstStyle/>
+          <a:p>
+            <a:pPr marL="0" indent="0" algn="ctr">
+              <a:buNone/>
+            </a:pPr>
+            <a:r>
+              <a:rPr lang="en-US" sz="4000" dirty="0">
+                <a:solidFill>
+                  <a:srgbClr val="BDBDBD"/>
+                </a:solidFill>
+                <a:latin typeface="Roboto" pitchFamily="34" charset="0"/>
+                <a:ea typeface="Roboto" pitchFamily="34" charset="-122"/>
+                <a:cs typeface="Roboto" pitchFamily="34" charset="-120"/>
+              </a:rPr>
+              <a:t>→</a:t>
+            </a:r>
+            <a:endParaRPr lang="en-US" sz="4000" dirty="0"/>
+          </a:p>
+        </p:txBody>
+      </p:sp>
+      <p:sp>
+        <p:nvSpPr>
+          <p:cNvPr id="34" name="Text 32"/>
+          <p:cNvSpPr/>
+          <p:nvPr/>
+        </p:nvSpPr>
+        <p:spPr>
+          <a:xfrm>
+            <a:off x="6492240" y="3017520"/>
+            <a:ext cx="5303520" cy="777240"/>
+          </a:xfrm>
+          <a:prstGeom prst="rect">
+            <a:avLst/>
+          </a:prstGeom>
+          <a:noFill/>
+          <a:ln/>
+        </p:spPr>
+        <p:txBody>
+          <a:bodyPr wrap="square" rtlCol="0" anchor="ctr"/>
+          <a:lstStyle/>
+          <a:p>
+            <a:r>
+              <a:rPr lang="en-US" dirty="0">
+                <a:solidFill>
+                  <a:srgbClr val="757575"/>
+                </a:solidFill>
+                <a:latin typeface="Roboto" pitchFamily="34" charset="0"/>
+                <a:ea typeface="Roboto" pitchFamily="34" charset="-122"/>
+                <a:cs typeface="Roboto" pitchFamily="34" charset="-120"/>
+              </a:rPr>
+              <a:t>768 → 2048 → 2048 → 65536</a:t>
+            </a:r>
+            <a:endParaRPr lang="en-US" dirty="0"/>
+          </a:p>
+        </p:txBody>
+      </p:sp>
+      <p:sp>
+        <p:nvSpPr>
+          <p:cNvPr id="35" name="Shape 33"/>
+          <p:cNvSpPr/>
+          <p:nvPr/>
+        </p:nvSpPr>
+        <p:spPr>
+          <a:xfrm>
+            <a:off x="457200" y="3886200"/>
+            <a:ext cx="1645920" cy="777240"/>
+          </a:xfrm>
+          <a:prstGeom prst="rect">
+            <a:avLst/>
+          </a:prstGeom>
+          <a:solidFill>
+            <a:srgbClr val="E8F5E9"/>
+          </a:solidFill>
+          <a:ln w="12700">
+            <a:solidFill>
+              <a:srgbClr val="2E7D32"/>
+            </a:solidFill>
+            <a:prstDash val="solid"/>
+          </a:ln>
+        </p:spPr>
+      </p:sp>
+      <p:sp>
+        <p:nvSpPr>
+          <p:cNvPr id="36" name="Text 34"/>
+          <p:cNvSpPr/>
+          <p:nvPr/>
+        </p:nvSpPr>
+        <p:spPr>
+          <a:xfrm>
+            <a:off x="457200" y="3886200"/>
+            <a:ext cx="1645920" cy="777240"/>
+          </a:xfrm>
+          <a:prstGeom prst="rect">
+            <a:avLst/>
+          </a:prstGeom>
+          <a:noFill/>
+          <a:ln/>
+        </p:spPr>
+        <p:txBody>
+          <a:bodyPr wrap="square" rtlCol="0" anchor="ctr"/>
+          <a:lstStyle/>
+          <a:p>
+            <a:pPr marL="0" indent="0" algn="ctr">
+              <a:buNone/>
+            </a:pPr>
+            <a:r>
+              <a:rPr lang="en-US" dirty="0">
+                <a:solidFill>
+                  <a:srgbClr val="212121"/>
+                </a:solidFill>
+                <a:latin typeface="Roboto" pitchFamily="34" charset="0"/>
+                <a:ea typeface="Roboto" pitchFamily="34" charset="-122"/>
+                <a:cs typeface="Roboto" pitchFamily="34" charset="-120"/>
+              </a:rPr>
+              <a:t>Logits</a:t>
+            </a:r>
+            <a:endParaRPr lang="en-US" dirty="0"/>
+          </a:p>
+          <a:p>
+            <a:pPr marL="0" indent="0" algn="ctr">
+              <a:buNone/>
+            </a:pPr>
+            <a:r>
+              <a:rPr lang="en-US" dirty="0">
+                <a:solidFill>
+                  <a:srgbClr val="212121"/>
+                </a:solidFill>
+                <a:latin typeface="Roboto" pitchFamily="34" charset="0"/>
+                <a:ea typeface="Roboto" pitchFamily="34" charset="-122"/>
+                <a:cs typeface="Roboto" pitchFamily="34" charset="-120"/>
+              </a:rPr>
+              <a:t>(65536-dim)</a:t>
+            </a:r>
+            <a:endParaRPr lang="en-US" dirty="0"/>
+          </a:p>
+        </p:txBody>
+      </p:sp>
+      <p:sp>
+        <p:nvSpPr>
+          <p:cNvPr id="37" name="Text 35"/>
+          <p:cNvSpPr/>
+          <p:nvPr/>
+        </p:nvSpPr>
+        <p:spPr>
+          <a:xfrm>
+            <a:off x="2103120" y="3886200"/>
+            <a:ext cx="457200" cy="777240"/>
+          </a:xfrm>
+          <a:prstGeom prst="rect">
+            <a:avLst/>
+          </a:prstGeom>
+          <a:noFill/>
+          <a:ln/>
+        </p:spPr>
+        <p:txBody>
+          <a:bodyPr wrap="square" rtlCol="0" anchor="ctr"/>
+          <a:lstStyle/>
+          <a:p>
+            <a:pPr marL="0" indent="0" algn="ctr">
+              <a:buNone/>
+            </a:pPr>
+            <a:r>
+              <a:rPr lang="en-US" sz="4000" dirty="0">
+                <a:solidFill>
+                  <a:srgbClr val="BDBDBD"/>
+                </a:solidFill>
+                <a:latin typeface="Roboto" pitchFamily="34" charset="0"/>
+                <a:ea typeface="Roboto" pitchFamily="34" charset="-122"/>
+                <a:cs typeface="Roboto" pitchFamily="34" charset="-120"/>
+              </a:rPr>
+              <a:t>→</a:t>
+            </a:r>
+            <a:endParaRPr lang="en-US" sz="4000" dirty="0"/>
+          </a:p>
+        </p:txBody>
+      </p:sp>
+      <p:sp>
+        <p:nvSpPr>
+          <p:cNvPr id="38" name="Shape 36"/>
+          <p:cNvSpPr/>
+          <p:nvPr/>
+        </p:nvSpPr>
+        <p:spPr>
+          <a:xfrm>
+            <a:off x="2560320" y="3886200"/>
+            <a:ext cx="1645920" cy="777240"/>
+          </a:xfrm>
+          <a:prstGeom prst="rect">
+            <a:avLst/>
+          </a:prstGeom>
+          <a:solidFill>
+            <a:srgbClr val="2E7D32"/>
+          </a:solidFill>
+          <a:ln w="12700">
+            <a:solidFill>
+              <a:srgbClr val="2E7D32"/>
+            </a:solidFill>
+            <a:prstDash val="solid"/>
+          </a:ln>
+        </p:spPr>
+      </p:sp>
+      <p:sp>
+        <p:nvSpPr>
+          <p:cNvPr id="39" name="Text 37"/>
+          <p:cNvSpPr/>
+          <p:nvPr/>
+        </p:nvSpPr>
+        <p:spPr>
+          <a:xfrm>
+            <a:off x="2560320" y="3886200"/>
+            <a:ext cx="1645920" cy="777240"/>
+          </a:xfrm>
+          <a:prstGeom prst="rect">
+            <a:avLst/>
+          </a:prstGeom>
+          <a:noFill/>
+          <a:ln/>
+        </p:spPr>
+        <p:txBody>
+          <a:bodyPr wrap="square" rtlCol="0" anchor="ctr"/>
+          <a:lstStyle/>
+          <a:p>
+            <a:pPr marL="0" indent="0" algn="ctr">
+              <a:buNone/>
+            </a:pPr>
+            <a:r>
+              <a:rPr lang="en-US" b="1" dirty="0">
+                <a:solidFill>
+                  <a:srgbClr val="FFFFFF"/>
+                </a:solidFill>
+                <a:latin typeface="Roboto" pitchFamily="34" charset="0"/>
+                <a:ea typeface="Roboto" pitchFamily="34" charset="-122"/>
+                <a:cs typeface="Roboto" pitchFamily="34" charset="-120"/>
+              </a:rPr>
+              <a:t>Centering</a:t>
+            </a:r>
+            <a:endParaRPr lang="en-US" dirty="0"/>
+          </a:p>
+          <a:p>
+            <a:pPr marL="0" indent="0" algn="ctr">
+              <a:buNone/>
+            </a:pPr>
+            <a:r>
+              <a:rPr lang="en-US" b="1" dirty="0">
+                <a:solidFill>
+                  <a:srgbClr val="FFFFFF"/>
+                </a:solidFill>
+                <a:latin typeface="Roboto" pitchFamily="34" charset="0"/>
+                <a:ea typeface="Roboto" pitchFamily="34" charset="-122"/>
+                <a:cs typeface="Roboto" pitchFamily="34" charset="-120"/>
+              </a:rPr>
+              <a:t>(- c)</a:t>
+            </a:r>
+            <a:endParaRPr lang="en-US" dirty="0"/>
+          </a:p>
+        </p:txBody>
+      </p:sp>
+      <p:sp>
+        <p:nvSpPr>
+          <p:cNvPr id="40" name="Text 38"/>
+          <p:cNvSpPr/>
+          <p:nvPr/>
+        </p:nvSpPr>
+        <p:spPr>
+          <a:xfrm>
+            <a:off x="4206240" y="3886200"/>
+            <a:ext cx="457200" cy="777240"/>
+          </a:xfrm>
+          <a:prstGeom prst="rect">
+            <a:avLst/>
+          </a:prstGeom>
+          <a:noFill/>
+          <a:ln/>
+        </p:spPr>
+        <p:txBody>
+          <a:bodyPr wrap="square" rtlCol="0" anchor="ctr"/>
+          <a:lstStyle/>
+          <a:p>
+            <a:pPr marL="0" indent="0" algn="ctr">
+              <a:buNone/>
+            </a:pPr>
+            <a:r>
+              <a:rPr lang="en-US" sz="4000" dirty="0">
+                <a:solidFill>
+                  <a:srgbClr val="BDBDBD"/>
+                </a:solidFill>
+                <a:latin typeface="Roboto" pitchFamily="34" charset="0"/>
+                <a:ea typeface="Roboto" pitchFamily="34" charset="-122"/>
+                <a:cs typeface="Roboto" pitchFamily="34" charset="-120"/>
+              </a:rPr>
+              <a:t>→</a:t>
+            </a:r>
+            <a:endParaRPr lang="en-US" sz="4000" dirty="0"/>
+          </a:p>
+        </p:txBody>
+      </p:sp>
+      <p:sp>
+        <p:nvSpPr>
+          <p:cNvPr id="43" name="Text 41"/>
+          <p:cNvSpPr/>
+          <p:nvPr/>
+        </p:nvSpPr>
+        <p:spPr>
+          <a:xfrm>
+            <a:off x="6492240" y="3886200"/>
+            <a:ext cx="5303520" cy="777240"/>
           </a:xfrm>
           <a:prstGeom prst="rect">
             <a:avLst/>
@@ -19827,14 +22390,333 @@
               <a:buNone/>
             </a:pPr>
             <a:r>
-              <a:rPr lang="en-US" sz="2000" b="1" dirty="0">
-                <a:solidFill>
-                  <a:srgbClr val="1565C0"/>
-                </a:solidFill>
-                <a:latin typeface="Roboto" pitchFamily="34" charset="0"/>
-                <a:ea typeface="Roboto" pitchFamily="34" charset="-122"/>
-              </a:rPr>
-              <a:t>Why?</a:t>
+              <a:rPr lang="en-US" i="1" dirty="0">
+                <a:solidFill>
+                  <a:srgbClr val="2E7D32"/>
+                </a:solidFill>
+                <a:latin typeface="Roboto" pitchFamily="34" charset="0"/>
+                <a:ea typeface="Roboto" pitchFamily="34" charset="-122"/>
+                <a:cs typeface="Roboto" pitchFamily="34" charset="-120"/>
+              </a:rPr>
+              <a:t>c = mean(batch). CHỐNG MODE COLLAPSE</a:t>
+            </a:r>
+            <a:endParaRPr lang="en-US" dirty="0"/>
+          </a:p>
+        </p:txBody>
+      </p:sp>
+      <p:sp>
+        <p:nvSpPr>
+          <p:cNvPr id="44" name="Shape 42"/>
+          <p:cNvSpPr/>
+          <p:nvPr/>
+        </p:nvSpPr>
+        <p:spPr>
+          <a:xfrm>
+            <a:off x="457200" y="4754880"/>
+            <a:ext cx="1645920" cy="777240"/>
+          </a:xfrm>
+          <a:prstGeom prst="rect">
+            <a:avLst/>
+          </a:prstGeom>
+          <a:solidFill>
+            <a:srgbClr val="E8F5E9"/>
+          </a:solidFill>
+          <a:ln w="12700">
+            <a:solidFill>
+              <a:srgbClr val="2E7D32"/>
+            </a:solidFill>
+            <a:prstDash val="solid"/>
+          </a:ln>
+        </p:spPr>
+      </p:sp>
+      <p:sp>
+        <p:nvSpPr>
+          <p:cNvPr id="45" name="Text 43"/>
+          <p:cNvSpPr/>
+          <p:nvPr/>
+        </p:nvSpPr>
+        <p:spPr>
+          <a:xfrm>
+            <a:off x="457200" y="4754880"/>
+            <a:ext cx="1645920" cy="777240"/>
+          </a:xfrm>
+          <a:prstGeom prst="rect">
+            <a:avLst/>
+          </a:prstGeom>
+          <a:noFill/>
+          <a:ln/>
+        </p:spPr>
+        <p:txBody>
+          <a:bodyPr wrap="square" rtlCol="0" anchor="ctr"/>
+          <a:lstStyle/>
+          <a:p>
+            <a:pPr marL="0" indent="0" algn="ctr">
+              <a:buNone/>
+            </a:pPr>
+            <a:r>
+              <a:rPr lang="en-US" dirty="0">
+                <a:solidFill>
+                  <a:srgbClr val="212121"/>
+                </a:solidFill>
+                <a:latin typeface="Roboto" pitchFamily="34" charset="0"/>
+                <a:ea typeface="Roboto" pitchFamily="34" charset="-122"/>
+                <a:cs typeface="Roboto" pitchFamily="34" charset="-120"/>
+              </a:rPr>
+              <a:t>Centered</a:t>
+            </a:r>
+            <a:endParaRPr lang="en-US" dirty="0"/>
+          </a:p>
+          <a:p>
+            <a:pPr marL="0" indent="0" algn="ctr">
+              <a:buNone/>
+            </a:pPr>
+            <a:r>
+              <a:rPr lang="en-US" dirty="0">
+                <a:solidFill>
+                  <a:srgbClr val="212121"/>
+                </a:solidFill>
+                <a:latin typeface="Roboto" pitchFamily="34" charset="0"/>
+                <a:ea typeface="Roboto" pitchFamily="34" charset="-122"/>
+                <a:cs typeface="Roboto" pitchFamily="34" charset="-120"/>
+              </a:rPr>
+              <a:t>(65536-dim)</a:t>
+            </a:r>
+            <a:endParaRPr lang="en-US" dirty="0"/>
+          </a:p>
+        </p:txBody>
+      </p:sp>
+      <p:sp>
+        <p:nvSpPr>
+          <p:cNvPr id="46" name="Text 44"/>
+          <p:cNvSpPr/>
+          <p:nvPr/>
+        </p:nvSpPr>
+        <p:spPr>
+          <a:xfrm>
+            <a:off x="2103120" y="4754880"/>
+            <a:ext cx="457200" cy="777240"/>
+          </a:xfrm>
+          <a:prstGeom prst="rect">
+            <a:avLst/>
+          </a:prstGeom>
+          <a:noFill/>
+          <a:ln/>
+        </p:spPr>
+        <p:txBody>
+          <a:bodyPr wrap="square" rtlCol="0" anchor="ctr"/>
+          <a:lstStyle/>
+          <a:p>
+            <a:pPr marL="0" indent="0" algn="ctr">
+              <a:buNone/>
+            </a:pPr>
+            <a:r>
+              <a:rPr lang="en-US" sz="4000" dirty="0">
+                <a:solidFill>
+                  <a:srgbClr val="BDBDBD"/>
+                </a:solidFill>
+                <a:latin typeface="Roboto" pitchFamily="34" charset="0"/>
+                <a:ea typeface="Roboto" pitchFamily="34" charset="-122"/>
+                <a:cs typeface="Roboto" pitchFamily="34" charset="-120"/>
+              </a:rPr>
+              <a:t>→</a:t>
+            </a:r>
+            <a:endParaRPr lang="en-US" sz="4000" dirty="0"/>
+          </a:p>
+        </p:txBody>
+      </p:sp>
+      <p:sp>
+        <p:nvSpPr>
+          <p:cNvPr id="47" name="Shape 45"/>
+          <p:cNvSpPr/>
+          <p:nvPr/>
+        </p:nvSpPr>
+        <p:spPr>
+          <a:xfrm>
+            <a:off x="2560320" y="4754880"/>
+            <a:ext cx="1645920" cy="777240"/>
+          </a:xfrm>
+          <a:prstGeom prst="rect">
+            <a:avLst/>
+          </a:prstGeom>
+          <a:solidFill>
+            <a:srgbClr val="2E7D32"/>
+          </a:solidFill>
+          <a:ln w="12700">
+            <a:solidFill>
+              <a:srgbClr val="2E7D32"/>
+            </a:solidFill>
+            <a:prstDash val="solid"/>
+          </a:ln>
+        </p:spPr>
+      </p:sp>
+      <p:sp>
+        <p:nvSpPr>
+          <p:cNvPr id="48" name="Text 46"/>
+          <p:cNvSpPr/>
+          <p:nvPr/>
+        </p:nvSpPr>
+        <p:spPr>
+          <a:xfrm>
+            <a:off x="2560320" y="4754880"/>
+            <a:ext cx="1645920" cy="777240"/>
+          </a:xfrm>
+          <a:prstGeom prst="rect">
+            <a:avLst/>
+          </a:prstGeom>
+          <a:noFill/>
+          <a:ln/>
+        </p:spPr>
+        <p:txBody>
+          <a:bodyPr wrap="square" rtlCol="0" anchor="ctr"/>
+          <a:lstStyle/>
+          <a:p>
+            <a:pPr marL="0" indent="0" algn="ctr">
+              <a:buNone/>
+            </a:pPr>
+            <a:r>
+              <a:rPr lang="en-US" b="1" dirty="0">
+                <a:solidFill>
+                  <a:srgbClr val="FFFFFF"/>
+                </a:solidFill>
+                <a:latin typeface="Roboto" pitchFamily="34" charset="0"/>
+                <a:ea typeface="Roboto" pitchFamily="34" charset="-122"/>
+                <a:cs typeface="Roboto" pitchFamily="34" charset="-120"/>
+              </a:rPr>
+              <a:t>Softmax</a:t>
+            </a:r>
+            <a:endParaRPr lang="en-US" dirty="0"/>
+          </a:p>
+          <a:p>
+            <a:pPr marL="0" indent="0" algn="ctr">
+              <a:buNone/>
+            </a:pPr>
+            <a:r>
+              <a:rPr lang="en-US" b="1" dirty="0">
+                <a:solidFill>
+                  <a:srgbClr val="FFFFFF"/>
+                </a:solidFill>
+                <a:latin typeface="Roboto" pitchFamily="34" charset="0"/>
+                <a:ea typeface="Roboto" pitchFamily="34" charset="-122"/>
+                <a:cs typeface="Roboto" pitchFamily="34" charset="-120"/>
+              </a:rPr>
+              <a:t>(τ=0.04)</a:t>
+            </a:r>
+            <a:endParaRPr lang="en-US" dirty="0"/>
+          </a:p>
+        </p:txBody>
+      </p:sp>
+      <p:sp>
+        <p:nvSpPr>
+          <p:cNvPr id="49" name="Text 47"/>
+          <p:cNvSpPr/>
+          <p:nvPr/>
+        </p:nvSpPr>
+        <p:spPr>
+          <a:xfrm>
+            <a:off x="4206240" y="4754880"/>
+            <a:ext cx="457200" cy="777240"/>
+          </a:xfrm>
+          <a:prstGeom prst="rect">
+            <a:avLst/>
+          </a:prstGeom>
+          <a:noFill/>
+          <a:ln/>
+        </p:spPr>
+        <p:txBody>
+          <a:bodyPr wrap="square" rtlCol="0" anchor="ctr"/>
+          <a:lstStyle/>
+          <a:p>
+            <a:pPr marL="0" indent="0" algn="ctr">
+              <a:buNone/>
+            </a:pPr>
+            <a:r>
+              <a:rPr lang="en-US" sz="4000" dirty="0">
+                <a:solidFill>
+                  <a:srgbClr val="BDBDBD"/>
+                </a:solidFill>
+                <a:latin typeface="Roboto" pitchFamily="34" charset="0"/>
+                <a:ea typeface="Roboto" pitchFamily="34" charset="-122"/>
+                <a:cs typeface="Roboto" pitchFamily="34" charset="-120"/>
+              </a:rPr>
+              <a:t>→</a:t>
+            </a:r>
+            <a:endParaRPr lang="en-US" sz="4000" dirty="0"/>
+          </a:p>
+        </p:txBody>
+      </p:sp>
+      <p:sp>
+        <p:nvSpPr>
+          <p:cNvPr id="52" name="Text 50"/>
+          <p:cNvSpPr/>
+          <p:nvPr/>
+        </p:nvSpPr>
+        <p:spPr>
+          <a:xfrm>
+            <a:off x="6492240" y="4754880"/>
+            <a:ext cx="5303520" cy="777240"/>
+          </a:xfrm>
+          <a:prstGeom prst="rect">
+            <a:avLst/>
+          </a:prstGeom>
+          <a:noFill/>
+          <a:ln/>
+        </p:spPr>
+        <p:txBody>
+          <a:bodyPr wrap="square" rtlCol="0" anchor="ctr"/>
+          <a:lstStyle/>
+          <a:p>
+            <a:pPr marL="0" indent="0">
+              <a:buNone/>
+            </a:pPr>
+            <a:r>
+              <a:rPr lang="en-US" i="1" dirty="0">
+                <a:solidFill>
+                  <a:srgbClr val="2E7D32"/>
+                </a:solidFill>
+                <a:latin typeface="Roboto" pitchFamily="34" charset="0"/>
+                <a:ea typeface="Roboto" pitchFamily="34" charset="-122"/>
+                <a:cs typeface="Roboto" pitchFamily="34" charset="-120"/>
+              </a:rPr>
+              <a:t>τ thấp hơn → output SHARP hơn</a:t>
+            </a:r>
+            <a:endParaRPr lang="en-US" dirty="0"/>
+          </a:p>
+        </p:txBody>
+      </p:sp>
+      <p:sp>
+        <p:nvSpPr>
+          <p:cNvPr id="56" name="Text 54"/>
+          <p:cNvSpPr/>
+          <p:nvPr/>
+        </p:nvSpPr>
+        <p:spPr>
+          <a:xfrm>
+            <a:off x="640080" y="5787921"/>
+            <a:ext cx="10908792" cy="320040"/>
+          </a:xfrm>
+          <a:prstGeom prst="rect">
+            <a:avLst/>
+          </a:prstGeom>
+          <a:noFill/>
+          <a:ln/>
+        </p:spPr>
+        <p:txBody>
+          <a:bodyPr wrap="square" rtlCol="0" anchor="ctr"/>
+          <a:lstStyle/>
+          <a:p>
+            <a:pPr marL="0" indent="0">
+              <a:buNone/>
+            </a:pPr>
+            <a:r>
+              <a:rPr lang="en-US" sz="2000" dirty="0">
+                <a:solidFill>
+                  <a:srgbClr val="C62828"/>
+                </a:solidFill>
+                <a:latin typeface="Roboto" pitchFamily="34" charset="0"/>
+                <a:ea typeface="Roboto" pitchFamily="34" charset="-122"/>
+                <a:cs typeface="Roboto" pitchFamily="34" charset="-120"/>
+              </a:rPr>
+              <a:t>Training: KHÔNG dùng gradient. Dùng EMA copy từ Student</a:t>
             </a:r>
             <a:endParaRPr lang="en-US" sz="2000" dirty="0"/>
           </a:p>
@@ -19842,106 +22724,7 @@
       </p:sp>
       <p:sp>
         <p:nvSpPr>
-          <p:cNvPr id="9" name="Text 7"/>
-          <p:cNvSpPr/>
-          <p:nvPr/>
-        </p:nvSpPr>
-        <p:spPr>
-          <a:xfrm>
-            <a:off x="731520" y="3931920"/>
-            <a:ext cx="10725912" cy="1280160"/>
-          </a:xfrm>
-          <a:prstGeom prst="rect">
-            <a:avLst/>
-          </a:prstGeom>
-          <a:noFill/>
-          <a:ln/>
-        </p:spPr>
-        <p:txBody>
-          <a:bodyPr wrap="square" rtlCol="0" anchor="ctr"/>
-          <a:lstStyle/>
-          <a:p>
-            <a:pPr marL="0" indent="0">
-              <a:buNone/>
-            </a:pPr>
-            <a:r>
-              <a:rPr lang="en-US" sz="2000" dirty="0">
-                <a:solidFill>
-                  <a:srgbClr val="212121"/>
-                </a:solidFill>
-                <a:latin typeface="Roboto" pitchFamily="34" charset="0"/>
-                <a:ea typeface="Roboto" pitchFamily="34" charset="-122"/>
-                <a:cs typeface="Roboto" pitchFamily="34" charset="-120"/>
-              </a:rPr>
-              <a:t>• Teacher ≠ Student → không "thông đồng" được</a:t>
-            </a:r>
-            <a:endParaRPr lang="en-US" sz="2000" dirty="0"/>
-          </a:p>
-          <a:p>
-            <a:pPr marL="0" indent="0">
-              <a:buNone/>
-            </a:pPr>
-            <a:r>
-              <a:rPr lang="en-US" sz="2000" dirty="0">
-                <a:solidFill>
-                  <a:srgbClr val="212121"/>
-                </a:solidFill>
-                <a:latin typeface="Roboto" pitchFamily="34" charset="0"/>
-                <a:ea typeface="Roboto" pitchFamily="34" charset="-122"/>
-                <a:cs typeface="Roboto" pitchFamily="34" charset="-120"/>
-              </a:rPr>
-              <a:t>• Teacher = trung bình nhiều versions → ổn định</a:t>
-            </a:r>
-            <a:endParaRPr lang="en-US" sz="2000" dirty="0"/>
-          </a:p>
-          <a:p>
-            <a:r>
-              <a:rPr lang="en-US" sz="2000" dirty="0">
-                <a:solidFill>
-                  <a:srgbClr val="212121"/>
-                </a:solidFill>
-                <a:latin typeface="Roboto" pitchFamily="34" charset="0"/>
-                <a:ea typeface="Roboto" pitchFamily="34" charset="-122"/>
-                <a:cs typeface="Roboto" pitchFamily="34" charset="-120"/>
-              </a:rPr>
-              <a:t>• Trong </a:t>
-            </a:r>
-            <a:r>
-              <a:rPr lang="en-US" sz="2000" dirty="0" err="1">
-                <a:solidFill>
-                  <a:srgbClr val="212121"/>
-                </a:solidFill>
-                <a:latin typeface="Roboto" pitchFamily="34" charset="0"/>
-                <a:ea typeface="Roboto" pitchFamily="34" charset="-122"/>
-                <a:cs typeface="Roboto" pitchFamily="34" charset="-120"/>
-              </a:rPr>
-              <a:t>suốt</a:t>
-            </a:r>
-            <a:r>
-              <a:rPr lang="en-US" sz="2000" dirty="0">
-                <a:solidFill>
-                  <a:srgbClr val="212121"/>
-                </a:solidFill>
-                <a:latin typeface="Roboto" pitchFamily="34" charset="0"/>
-                <a:ea typeface="Roboto" pitchFamily="34" charset="-122"/>
-                <a:cs typeface="Roboto" pitchFamily="34" charset="-120"/>
-              </a:rPr>
-              <a:t> quá trình training: Teacher luôn giỏi hơn Student (</a:t>
-            </a:r>
-            <a:r>
-              <a:rPr lang="en-US" sz="2000" dirty="0" err="1"/>
-              <a:t>Polyak-Ruppert</a:t>
-            </a:r>
-            <a:r>
-              <a:rPr lang="en-US" sz="2000" dirty="0"/>
-              <a:t> averaging effect)</a:t>
-            </a:r>
-          </a:p>
-        </p:txBody>
-      </p:sp>
-      <p:sp>
-        <p:nvSpPr>
-          <p:cNvPr id="10" name="Shape 8"/>
+          <p:cNvPr id="57" name="Shape 55"/>
           <p:cNvSpPr/>
           <p:nvPr/>
         </p:nvSpPr>
@@ -19961,7 +22744,7 @@
       </p:sp>
       <p:sp>
         <p:nvSpPr>
-          <p:cNvPr id="11" name="Text 9"/>
+          <p:cNvPr id="58" name="Text 56"/>
           <p:cNvSpPr/>
           <p:nvPr/>
         </p:nvSpPr>
@@ -19984,7 +22767,7 @@
               <a:buNone/>
             </a:pPr>
             <a:r>
-              <a:rPr lang="en-US" sz="1000" dirty="0">
+              <a:rPr lang="en-US" dirty="0">
                 <a:solidFill>
                   <a:srgbClr val="424242"/>
                 </a:solidFill>
@@ -19994,13 +22777,13 @@
               </a:rPr>
               <a:t>Hook</a:t>
             </a:r>
-            <a:endParaRPr lang="en-US" sz="1000" dirty="0"/>
-          </a:p>
-        </p:txBody>
-      </p:sp>
-      <p:sp>
-        <p:nvSpPr>
-          <p:cNvPr id="12" name="Shape 10"/>
+            <a:endParaRPr lang="en-US" dirty="0"/>
+          </a:p>
+        </p:txBody>
+      </p:sp>
+      <p:sp>
+        <p:nvSpPr>
+          <p:cNvPr id="59" name="Shape 57"/>
           <p:cNvSpPr/>
           <p:nvPr/>
         </p:nvSpPr>
@@ -20020,7 +22803,7 @@
       </p:sp>
       <p:sp>
         <p:nvSpPr>
-          <p:cNvPr id="13" name="Text 11"/>
+          <p:cNvPr id="60" name="Text 58"/>
           <p:cNvSpPr/>
           <p:nvPr/>
         </p:nvSpPr>
@@ -20043,7 +22826,7 @@
               <a:buNone/>
             </a:pPr>
             <a:r>
-              <a:rPr lang="en-US" sz="1000" dirty="0">
+              <a:rPr lang="en-US" dirty="0">
                 <a:solidFill>
                   <a:srgbClr val="FFFFFF"/>
                 </a:solidFill>
@@ -20053,13 +22836,13 @@
               </a:rPr>
               <a:t>DINOv1</a:t>
             </a:r>
-            <a:endParaRPr lang="en-US" sz="1000" dirty="0"/>
-          </a:p>
-        </p:txBody>
-      </p:sp>
-      <p:sp>
-        <p:nvSpPr>
-          <p:cNvPr id="14" name="Shape 12"/>
+            <a:endParaRPr lang="en-US" dirty="0"/>
+          </a:p>
+        </p:txBody>
+      </p:sp>
+      <p:sp>
+        <p:nvSpPr>
+          <p:cNvPr id="61" name="Shape 59"/>
           <p:cNvSpPr/>
           <p:nvPr/>
         </p:nvSpPr>
@@ -20079,7 +22862,7 @@
       </p:sp>
       <p:sp>
         <p:nvSpPr>
-          <p:cNvPr id="15" name="Text 13"/>
+          <p:cNvPr id="62" name="Text 60"/>
           <p:cNvSpPr/>
           <p:nvPr/>
         </p:nvSpPr>
@@ -20102,7 +22885,7 @@
               <a:buNone/>
             </a:pPr>
             <a:r>
-              <a:rPr lang="en-US" sz="1000" dirty="0">
+              <a:rPr lang="en-US" dirty="0">
                 <a:solidFill>
                   <a:srgbClr val="424242"/>
                 </a:solidFill>
@@ -20112,13 +22895,13 @@
               </a:rPr>
               <a:t>DINOv2</a:t>
             </a:r>
-            <a:endParaRPr lang="en-US" sz="1000" dirty="0"/>
-          </a:p>
-        </p:txBody>
-      </p:sp>
-      <p:sp>
-        <p:nvSpPr>
-          <p:cNvPr id="16" name="Shape 14"/>
+            <a:endParaRPr lang="en-US" dirty="0"/>
+          </a:p>
+        </p:txBody>
+      </p:sp>
+      <p:sp>
+        <p:nvSpPr>
+          <p:cNvPr id="63" name="Shape 61"/>
           <p:cNvSpPr/>
           <p:nvPr/>
         </p:nvSpPr>
@@ -20138,7 +22921,7 @@
       </p:sp>
       <p:sp>
         <p:nvSpPr>
-          <p:cNvPr id="17" name="Text 15"/>
+          <p:cNvPr id="64" name="Text 62"/>
           <p:cNvSpPr/>
           <p:nvPr/>
         </p:nvSpPr>
@@ -20161,7 +22944,7 @@
               <a:buNone/>
             </a:pPr>
             <a:r>
-              <a:rPr lang="en-US" sz="1000" dirty="0">
+              <a:rPr lang="en-US" dirty="0">
                 <a:solidFill>
                   <a:srgbClr val="424242"/>
                 </a:solidFill>
@@ -20171,13 +22954,13 @@
               </a:rPr>
               <a:t>DINOv3</a:t>
             </a:r>
-            <a:endParaRPr lang="en-US" sz="1000" dirty="0"/>
-          </a:p>
-        </p:txBody>
-      </p:sp>
-      <p:sp>
-        <p:nvSpPr>
-          <p:cNvPr id="18" name="Shape 16"/>
+            <a:endParaRPr lang="en-US" dirty="0"/>
+          </a:p>
+        </p:txBody>
+      </p:sp>
+      <p:sp>
+        <p:nvSpPr>
+          <p:cNvPr id="65" name="Shape 63"/>
           <p:cNvSpPr/>
           <p:nvPr/>
         </p:nvSpPr>
@@ -20197,7 +22980,7 @@
       </p:sp>
       <p:sp>
         <p:nvSpPr>
-          <p:cNvPr id="19" name="Text 17"/>
+          <p:cNvPr id="66" name="Text 64"/>
           <p:cNvSpPr/>
           <p:nvPr/>
         </p:nvSpPr>
@@ -20220,7 +23003,7 @@
               <a:buNone/>
             </a:pPr>
             <a:r>
-              <a:rPr lang="en-US" sz="1000" dirty="0">
+              <a:rPr lang="en-US" dirty="0">
                 <a:solidFill>
                   <a:srgbClr val="424242"/>
                 </a:solidFill>
@@ -20230,7 +23013,7 @@
               </a:rPr>
               <a:t>Tổng hợp</a:t>
             </a:r>
-            <a:endParaRPr lang="en-US" sz="1000" dirty="0"/>
+            <a:endParaRPr lang="en-US" dirty="0"/>
           </a:p>
         </p:txBody>
       </p:sp>
